--- a/Matvar/APS/Séries de Potência.pptx
+++ b/Matvar/APS/Séries de Potência.pptx
@@ -5,16 +5,20 @@
     <p:sldMasterId id="2147483651" r:id="rId1"/>
   </p:sldMasterIdLst>
   <p:notesMasterIdLst>
-    <p:notesMasterId r:id="rId6"/>
+    <p:notesMasterId r:id="rId10"/>
   </p:notesMasterIdLst>
   <p:handoutMasterIdLst>
-    <p:handoutMasterId r:id="rId7"/>
+    <p:handoutMasterId r:id="rId11"/>
   </p:handoutMasterIdLst>
   <p:sldIdLst>
     <p:sldId id="1526" r:id="rId2"/>
     <p:sldId id="1654" r:id="rId3"/>
     <p:sldId id="1655" r:id="rId4"/>
     <p:sldId id="1660" r:id="rId5"/>
+    <p:sldId id="1661" r:id="rId6"/>
+    <p:sldId id="1662" r:id="rId7"/>
+    <p:sldId id="1664" r:id="rId8"/>
+    <p:sldId id="1663" r:id="rId9"/>
   </p:sldIdLst>
   <p:sldSz cx="9144000" cy="6858000" type="screen4x3"/>
   <p:notesSz cx="6797675" cy="9928225"/>
@@ -159,7 +163,7 @@
 <file path=ppt/revisionInfo.xml><?xml version="1.0" encoding="utf-8"?>
 <p1510:revInfo xmlns:a="http://schemas.openxmlformats.org/drawingml/2006/main" xmlns:r="http://schemas.openxmlformats.org/officeDocument/2006/relationships" xmlns:p1510="http://schemas.microsoft.com/office/powerpoint/2015/10/main">
   <p1510:revLst>
-    <p1510:client id="{0D5EFEB1-8AA6-4329-AEDD-EC20076641CE}" v="133" dt="2022-05-18T19:30:40.127"/>
+    <p1510:client id="{0D5EFEB1-8AA6-4329-AEDD-EC20076641CE}" v="151" dt="2022-05-19T01:14:26.236"/>
   </p1510:revLst>
 </p1510:revInfo>
 </file>
@@ -168,8 +172,8 @@
 <pc:chgInfo xmlns:a="http://schemas.openxmlformats.org/drawingml/2006/main" xmlns:r="http://schemas.openxmlformats.org/officeDocument/2006/relationships" xmlns:ac="http://schemas.microsoft.com/office/drawing/2013/main/command" xmlns:pc="http://schemas.microsoft.com/office/powerpoint/2013/main/command">
   <pc:docChgLst>
     <pc:chgData name="Pedro Ivo" userId="4f6aea6a96d750ea" providerId="LiveId" clId="{0D5EFEB1-8AA6-4329-AEDD-EC20076641CE}"/>
-    <pc:docChg chg="custSel addSld delSld modSld">
-      <pc:chgData name="Pedro Ivo" userId="4f6aea6a96d750ea" providerId="LiveId" clId="{0D5EFEB1-8AA6-4329-AEDD-EC20076641CE}" dt="2022-05-18T19:30:47.678" v="226" actId="1076"/>
+    <pc:docChg chg="custSel addSld delSld modSld sldOrd">
+      <pc:chgData name="Pedro Ivo" userId="4f6aea6a96d750ea" providerId="LiveId" clId="{0D5EFEB1-8AA6-4329-AEDD-EC20076641CE}" dt="2022-05-19T01:14:26.236" v="276" actId="20577"/>
       <pc:docMkLst>
         <pc:docMk/>
       </pc:docMkLst>
@@ -437,7 +441,7 @@
         </pc:sldMkLst>
       </pc:sldChg>
       <pc:sldChg chg="addSp delSp modSp add mod modAnim">
-        <pc:chgData name="Pedro Ivo" userId="4f6aea6a96d750ea" providerId="LiveId" clId="{0D5EFEB1-8AA6-4329-AEDD-EC20076641CE}" dt="2022-05-18T19:30:47.678" v="226" actId="1076"/>
+        <pc:chgData name="Pedro Ivo" userId="4f6aea6a96d750ea" providerId="LiveId" clId="{0D5EFEB1-8AA6-4329-AEDD-EC20076641CE}" dt="2022-05-19T01:11:53.441" v="241" actId="1076"/>
         <pc:sldMkLst>
           <pc:docMk/>
           <pc:sldMk cId="1135907349" sldId="1660"/>
@@ -483,11 +487,142 @@
           </ac:picMkLst>
         </pc:picChg>
         <pc:picChg chg="add mod">
-          <ac:chgData name="Pedro Ivo" userId="4f6aea6a96d750ea" providerId="LiveId" clId="{0D5EFEB1-8AA6-4329-AEDD-EC20076641CE}" dt="2022-05-18T19:30:47.678" v="226" actId="1076"/>
+          <ac:chgData name="Pedro Ivo" userId="4f6aea6a96d750ea" providerId="LiveId" clId="{0D5EFEB1-8AA6-4329-AEDD-EC20076641CE}" dt="2022-05-19T01:11:53.441" v="241" actId="1076"/>
           <ac:picMkLst>
             <pc:docMk/>
             <pc:sldMk cId="1135907349" sldId="1660"/>
             <ac:picMk id="12" creationId="{01E017F8-2DD4-35AF-FC44-D265E85DA5B8}"/>
+          </ac:picMkLst>
+        </pc:picChg>
+      </pc:sldChg>
+      <pc:sldChg chg="new del">
+        <pc:chgData name="Pedro Ivo" userId="4f6aea6a96d750ea" providerId="LiveId" clId="{0D5EFEB1-8AA6-4329-AEDD-EC20076641CE}" dt="2022-05-19T01:08:59.890" v="228" actId="47"/>
+        <pc:sldMkLst>
+          <pc:docMk/>
+          <pc:sldMk cId="692788961" sldId="1661"/>
+        </pc:sldMkLst>
+      </pc:sldChg>
+      <pc:sldChg chg="addSp delSp modSp add mod">
+        <pc:chgData name="Pedro Ivo" userId="4f6aea6a96d750ea" providerId="LiveId" clId="{0D5EFEB1-8AA6-4329-AEDD-EC20076641CE}" dt="2022-05-19T01:12:00.082" v="242" actId="1076"/>
+        <pc:sldMkLst>
+          <pc:docMk/>
+          <pc:sldMk cId="2290741998" sldId="1661"/>
+        </pc:sldMkLst>
+        <pc:spChg chg="mod">
+          <ac:chgData name="Pedro Ivo" userId="4f6aea6a96d750ea" providerId="LiveId" clId="{0D5EFEB1-8AA6-4329-AEDD-EC20076641CE}" dt="2022-05-19T01:10:33.895" v="234" actId="20577"/>
+          <ac:spMkLst>
+            <pc:docMk/>
+            <pc:sldMk cId="2290741998" sldId="1661"/>
+            <ac:spMk id="4" creationId="{B4592494-1416-AE9A-9FC6-CCF47C8CBBEC}"/>
+          </ac:spMkLst>
+        </pc:spChg>
+        <pc:picChg chg="add mod">
+          <ac:chgData name="Pedro Ivo" userId="4f6aea6a96d750ea" providerId="LiveId" clId="{0D5EFEB1-8AA6-4329-AEDD-EC20076641CE}" dt="2022-05-19T01:12:00.082" v="242" actId="1076"/>
+          <ac:picMkLst>
+            <pc:docMk/>
+            <pc:sldMk cId="2290741998" sldId="1661"/>
+            <ac:picMk id="6" creationId="{77E81A63-61AE-D9E1-E81A-17B8023CB493}"/>
+          </ac:picMkLst>
+        </pc:picChg>
+        <pc:picChg chg="del">
+          <ac:chgData name="Pedro Ivo" userId="4f6aea6a96d750ea" providerId="LiveId" clId="{0D5EFEB1-8AA6-4329-AEDD-EC20076641CE}" dt="2022-05-19T01:09:14.559" v="230" actId="478"/>
+          <ac:picMkLst>
+            <pc:docMk/>
+            <pc:sldMk cId="2290741998" sldId="1661"/>
+            <ac:picMk id="12" creationId="{01E017F8-2DD4-35AF-FC44-D265E85DA5B8}"/>
+          </ac:picMkLst>
+        </pc:picChg>
+      </pc:sldChg>
+      <pc:sldChg chg="addSp delSp modSp add mod">
+        <pc:chgData name="Pedro Ivo" userId="4f6aea6a96d750ea" providerId="LiveId" clId="{0D5EFEB1-8AA6-4329-AEDD-EC20076641CE}" dt="2022-05-19T01:14:10.082" v="270" actId="20577"/>
+        <pc:sldMkLst>
+          <pc:docMk/>
+          <pc:sldMk cId="2641994444" sldId="1662"/>
+        </pc:sldMkLst>
+        <pc:spChg chg="mod">
+          <ac:chgData name="Pedro Ivo" userId="4f6aea6a96d750ea" providerId="LiveId" clId="{0D5EFEB1-8AA6-4329-AEDD-EC20076641CE}" dt="2022-05-19T01:14:10.082" v="270" actId="20577"/>
+          <ac:spMkLst>
+            <pc:docMk/>
+            <pc:sldMk cId="2641994444" sldId="1662"/>
+            <ac:spMk id="4" creationId="{B4592494-1416-AE9A-9FC6-CCF47C8CBBEC}"/>
+          </ac:spMkLst>
+        </pc:spChg>
+        <pc:picChg chg="del">
+          <ac:chgData name="Pedro Ivo" userId="4f6aea6a96d750ea" providerId="LiveId" clId="{0D5EFEB1-8AA6-4329-AEDD-EC20076641CE}" dt="2022-05-19T01:12:19.826" v="249" actId="478"/>
+          <ac:picMkLst>
+            <pc:docMk/>
+            <pc:sldMk cId="2641994444" sldId="1662"/>
+            <ac:picMk id="6" creationId="{77E81A63-61AE-D9E1-E81A-17B8023CB493}"/>
+          </ac:picMkLst>
+        </pc:picChg>
+        <pc:picChg chg="add mod">
+          <ac:chgData name="Pedro Ivo" userId="4f6aea6a96d750ea" providerId="LiveId" clId="{0D5EFEB1-8AA6-4329-AEDD-EC20076641CE}" dt="2022-05-19T01:12:37.551" v="252" actId="1076"/>
+          <ac:picMkLst>
+            <pc:docMk/>
+            <pc:sldMk cId="2641994444" sldId="1662"/>
+            <ac:picMk id="7" creationId="{AF609F6D-B137-AE28-B065-2301DDE1CB05}"/>
+          </ac:picMkLst>
+        </pc:picChg>
+      </pc:sldChg>
+      <pc:sldChg chg="addSp delSp modSp add mod">
+        <pc:chgData name="Pedro Ivo" userId="4f6aea6a96d750ea" providerId="LiveId" clId="{0D5EFEB1-8AA6-4329-AEDD-EC20076641CE}" dt="2022-05-19T01:14:26.236" v="276" actId="20577"/>
+        <pc:sldMkLst>
+          <pc:docMk/>
+          <pc:sldMk cId="1312941090" sldId="1663"/>
+        </pc:sldMkLst>
+        <pc:spChg chg="mod">
+          <ac:chgData name="Pedro Ivo" userId="4f6aea6a96d750ea" providerId="LiveId" clId="{0D5EFEB1-8AA6-4329-AEDD-EC20076641CE}" dt="2022-05-19T01:14:26.236" v="276" actId="20577"/>
+          <ac:spMkLst>
+            <pc:docMk/>
+            <pc:sldMk cId="1312941090" sldId="1663"/>
+            <ac:spMk id="4" creationId="{B4592494-1416-AE9A-9FC6-CCF47C8CBBEC}"/>
+          </ac:spMkLst>
+        </pc:spChg>
+        <pc:picChg chg="del">
+          <ac:chgData name="Pedro Ivo" userId="4f6aea6a96d750ea" providerId="LiveId" clId="{0D5EFEB1-8AA6-4329-AEDD-EC20076641CE}" dt="2022-05-19T01:12:50.967" v="253" actId="478"/>
+          <ac:picMkLst>
+            <pc:docMk/>
+            <pc:sldMk cId="1312941090" sldId="1663"/>
+            <ac:picMk id="6" creationId="{77E81A63-61AE-D9E1-E81A-17B8023CB493}"/>
+          </ac:picMkLst>
+        </pc:picChg>
+        <pc:picChg chg="add mod">
+          <ac:chgData name="Pedro Ivo" userId="4f6aea6a96d750ea" providerId="LiveId" clId="{0D5EFEB1-8AA6-4329-AEDD-EC20076641CE}" dt="2022-05-19T01:13:19.322" v="264" actId="1076"/>
+          <ac:picMkLst>
+            <pc:docMk/>
+            <pc:sldMk cId="1312941090" sldId="1663"/>
+            <ac:picMk id="7" creationId="{350F77D3-59BA-11C1-68D7-AD88CDA585EF}"/>
+          </ac:picMkLst>
+        </pc:picChg>
+      </pc:sldChg>
+      <pc:sldChg chg="addSp delSp modSp add mod ord">
+        <pc:chgData name="Pedro Ivo" userId="4f6aea6a96d750ea" providerId="LiveId" clId="{0D5EFEB1-8AA6-4329-AEDD-EC20076641CE}" dt="2022-05-19T01:14:16.205" v="271" actId="20577"/>
+        <pc:sldMkLst>
+          <pc:docMk/>
+          <pc:sldMk cId="62508892" sldId="1664"/>
+        </pc:sldMkLst>
+        <pc:spChg chg="mod">
+          <ac:chgData name="Pedro Ivo" userId="4f6aea6a96d750ea" providerId="LiveId" clId="{0D5EFEB1-8AA6-4329-AEDD-EC20076641CE}" dt="2022-05-19T01:14:16.205" v="271" actId="20577"/>
+          <ac:spMkLst>
+            <pc:docMk/>
+            <pc:sldMk cId="62508892" sldId="1664"/>
+            <ac:spMk id="4" creationId="{B4592494-1416-AE9A-9FC6-CCF47C8CBBEC}"/>
+          </ac:spMkLst>
+        </pc:spChg>
+        <pc:picChg chg="del">
+          <ac:chgData name="Pedro Ivo" userId="4f6aea6a96d750ea" providerId="LiveId" clId="{0D5EFEB1-8AA6-4329-AEDD-EC20076641CE}" dt="2022-05-19T01:12:53.525" v="254" actId="478"/>
+          <ac:picMkLst>
+            <pc:docMk/>
+            <pc:sldMk cId="62508892" sldId="1664"/>
+            <ac:picMk id="6" creationId="{77E81A63-61AE-D9E1-E81A-17B8023CB493}"/>
+          </ac:picMkLst>
+        </pc:picChg>
+        <pc:picChg chg="add mod">
+          <ac:chgData name="Pedro Ivo" userId="4f6aea6a96d750ea" providerId="LiveId" clId="{0D5EFEB1-8AA6-4329-AEDD-EC20076641CE}" dt="2022-05-19T01:13:58.249" v="268" actId="1076"/>
+          <ac:picMkLst>
+            <pc:docMk/>
+            <pc:sldMk cId="62508892" sldId="1664"/>
+            <ac:picMk id="7" creationId="{AA525163-CB5B-F823-B35E-95CE1D66B60A}"/>
           </ac:picMkLst>
         </pc:picChg>
       </pc:sldChg>
@@ -4630,8 +4765,8 @@
           </a:p>
         </p:txBody>
       </p:sp>
-      <mc:AlternateContent xmlns:mc="http://schemas.openxmlformats.org/markup-compatibility/2006">
-        <mc:Choice xmlns:a14="http://schemas.microsoft.com/office/drawing/2010/main" Requires="a14">
+      <mc:AlternateContent xmlns:mc="http://schemas.openxmlformats.org/markup-compatibility/2006" xmlns:a14="http://schemas.microsoft.com/office/drawing/2010/main">
+        <mc:Choice Requires="a14">
           <p:sp>
             <p:nvSpPr>
               <p:cNvPr id="4" name="Retângulo 3"/>
@@ -5006,7 +5141,7 @@
             </p:txBody>
           </p:sp>
         </mc:Choice>
-        <mc:Fallback>
+        <mc:Fallback xmlns="">
           <p:sp>
             <p:nvSpPr>
               <p:cNvPr id="4" name="Retângulo 3"/>
@@ -5199,8 +5334,8 @@
           </a:p>
         </p:txBody>
       </p:sp>
-      <mc:AlternateContent xmlns:mc="http://schemas.openxmlformats.org/markup-compatibility/2006">
-        <mc:Choice xmlns:a14="http://schemas.microsoft.com/office/drawing/2010/main" Requires="a14">
+      <mc:AlternateContent xmlns:mc="http://schemas.openxmlformats.org/markup-compatibility/2006" xmlns:a14="http://schemas.microsoft.com/office/drawing/2010/main">
+        <mc:Choice Requires="a14">
           <p:sp>
             <p:nvSpPr>
               <p:cNvPr id="2" name="CaixaDeTexto 1">
@@ -5229,6 +5364,7 @@
               </a:bodyPr>
               <a:lstStyle/>
               <a:p>
+                <a:pPr/>
                 <a14:m>
                   <m:oMathPara xmlns:m="http://schemas.openxmlformats.org/officeDocument/2006/math">
                     <m:oMathParaPr>
@@ -5452,7 +5588,7 @@
             </p:txBody>
           </p:sp>
         </mc:Choice>
-        <mc:Fallback>
+        <mc:Fallback xmlns="">
           <p:sp>
             <p:nvSpPr>
               <p:cNvPr id="2" name="CaixaDeTexto 1">
@@ -5565,8 +5701,8 @@
           </a:p>
         </p:txBody>
       </p:sp>
-      <mc:AlternateContent xmlns:mc="http://schemas.openxmlformats.org/markup-compatibility/2006">
-        <mc:Choice xmlns:a14="http://schemas.microsoft.com/office/drawing/2010/main" Requires="a14">
+      <mc:AlternateContent xmlns:mc="http://schemas.openxmlformats.org/markup-compatibility/2006" xmlns:a14="http://schemas.microsoft.com/office/drawing/2010/main">
+        <mc:Choice Requires="a14">
           <p:sp>
             <p:nvSpPr>
               <p:cNvPr id="2" name="CaixaDeTexto 1">
@@ -5595,6 +5731,7 @@
               </a:bodyPr>
               <a:lstStyle/>
               <a:p>
+                <a:pPr/>
                 <a14:m>
                   <m:oMathPara xmlns:m="http://schemas.openxmlformats.org/officeDocument/2006/math">
                     <m:oMathParaPr>
@@ -5783,7 +5920,7 @@
             </p:txBody>
           </p:sp>
         </mc:Choice>
-        <mc:Fallback>
+        <mc:Fallback xmlns="">
           <p:sp>
             <p:nvSpPr>
               <p:cNvPr id="2" name="CaixaDeTexto 1">
@@ -5828,8 +5965,8 @@
           </p:sp>
         </mc:Fallback>
       </mc:AlternateContent>
-      <mc:AlternateContent xmlns:mc="http://schemas.openxmlformats.org/markup-compatibility/2006">
-        <mc:Choice xmlns:a14="http://schemas.microsoft.com/office/drawing/2010/main" Requires="a14">
+      <mc:AlternateContent xmlns:mc="http://schemas.openxmlformats.org/markup-compatibility/2006" xmlns:a14="http://schemas.microsoft.com/office/drawing/2010/main">
+        <mc:Choice Requires="a14">
           <p:sp>
             <p:nvSpPr>
               <p:cNvPr id="4" name="Retângulo 3">
@@ -5891,7 +6028,7 @@
             </p:txBody>
           </p:sp>
         </mc:Choice>
-        <mc:Fallback>
+        <mc:Fallback xmlns="">
           <p:sp>
             <p:nvSpPr>
               <p:cNvPr id="4" name="Retângulo 3">
@@ -5958,8 +6095,8 @@
         </p:blipFill>
         <p:spPr>
           <a:xfrm>
-            <a:off x="1164577" y="1757924"/>
-            <a:ext cx="6814845" cy="4543230"/>
+            <a:off x="1062001" y="1496495"/>
+            <a:ext cx="7020000" cy="4680000"/>
           </a:xfrm>
           <a:prstGeom prst="rect">
             <a:avLst/>
@@ -6068,6 +6205,2230 @@
 </p:sld>
 </file>
 
+<file path=ppt/slides/slide5.xml><?xml version="1.0" encoding="utf-8"?>
+<p:sld xmlns:a="http://schemas.openxmlformats.org/drawingml/2006/main" xmlns:r="http://schemas.openxmlformats.org/officeDocument/2006/relationships" xmlns:p="http://schemas.openxmlformats.org/presentationml/2006/main">
+  <p:cSld>
+    <p:spTree>
+      <p:nvGrpSpPr>
+        <p:cNvPr id="1" name=""/>
+        <p:cNvGrpSpPr/>
+        <p:nvPr/>
+      </p:nvGrpSpPr>
+      <p:grpSpPr>
+        <a:xfrm>
+          <a:off x="0" y="0"/>
+          <a:ext cx="0" cy="0"/>
+          <a:chOff x="0" y="0"/>
+          <a:chExt cx="0" cy="0"/>
+        </a:xfrm>
+      </p:grpSpPr>
+      <p:sp>
+        <p:nvSpPr>
+          <p:cNvPr id="3" name="CaixaDeTexto 2"/>
+          <p:cNvSpPr txBox="1"/>
+          <p:nvPr/>
+        </p:nvSpPr>
+        <p:spPr>
+          <a:xfrm>
+            <a:off x="292608" y="240405"/>
+            <a:ext cx="1306448" cy="461665"/>
+          </a:xfrm>
+          <a:prstGeom prst="rect">
+            <a:avLst/>
+          </a:prstGeom>
+          <a:noFill/>
+        </p:spPr>
+        <p:txBody>
+          <a:bodyPr wrap="none" rtlCol="0">
+            <a:spAutoFit/>
+          </a:bodyPr>
+          <a:lstStyle/>
+          <a:p>
+            <a:r>
+              <a:rPr lang="pt-BR" sz="2400" b="1" dirty="0">
+                <a:solidFill>
+                  <a:srgbClr val="FF0000"/>
+                </a:solidFill>
+                <a:latin typeface="Cambria Math" panose="02040503050406030204" pitchFamily="18" charset="0"/>
+                <a:ea typeface="Cambria Math" panose="02040503050406030204" pitchFamily="18" charset="0"/>
+              </a:rPr>
+              <a:t>Exemplo</a:t>
+            </a:r>
+          </a:p>
+        </p:txBody>
+      </p:sp>
+      <mc:AlternateContent xmlns:mc="http://schemas.openxmlformats.org/markup-compatibility/2006" xmlns:a14="http://schemas.microsoft.com/office/drawing/2010/main">
+        <mc:Choice Requires="a14">
+          <p:sp>
+            <p:nvSpPr>
+              <p:cNvPr id="2" name="CaixaDeTexto 1">
+                <a:extLst>
+                  <a:ext uri="{FF2B5EF4-FFF2-40B4-BE49-F238E27FC236}">
+                    <a16:creationId xmlns:a16="http://schemas.microsoft.com/office/drawing/2014/main" id="{51A5F16D-9446-8B12-E280-836A42F986E4}"/>
+                  </a:ext>
+                </a:extLst>
+              </p:cNvPr>
+              <p:cNvSpPr txBox="1"/>
+              <p:nvPr/>
+            </p:nvSpPr>
+            <p:spPr>
+              <a:xfrm>
+                <a:off x="656492" y="961155"/>
+                <a:ext cx="3501407" cy="755528"/>
+              </a:xfrm>
+              <a:prstGeom prst="rect">
+                <a:avLst/>
+              </a:prstGeom>
+              <a:noFill/>
+            </p:spPr>
+            <p:txBody>
+              <a:bodyPr wrap="none" lIns="0" tIns="0" rIns="0" bIns="0" rtlCol="0">
+                <a:spAutoFit/>
+              </a:bodyPr>
+              <a:lstStyle/>
+              <a:p>
+                <a:pPr/>
+                <a14:m>
+                  <m:oMathPara xmlns:m="http://schemas.openxmlformats.org/officeDocument/2006/math">
+                    <m:oMathParaPr>
+                      <m:jc m:val="centerGroup"/>
+                    </m:oMathParaPr>
+                    <m:oMath xmlns:m="http://schemas.openxmlformats.org/officeDocument/2006/math">
+                      <m:nary>
+                        <m:naryPr>
+                          <m:chr m:val="∑"/>
+                          <m:ctrlPr>
+                            <a:rPr lang="pt-BR" i="1" smtClean="0">
+                              <a:latin typeface="Cambria Math" panose="02040503050406030204" pitchFamily="18" charset="0"/>
+                              <a:ea typeface="Cambria Math" panose="02040503050406030204" pitchFamily="18" charset="0"/>
+                            </a:rPr>
+                          </m:ctrlPr>
+                        </m:naryPr>
+                        <m:sub>
+                          <m:r>
+                            <m:rPr>
+                              <m:brk m:alnAt="23"/>
+                            </m:rPr>
+                            <a:rPr lang="pt-BR" i="1">
+                              <a:latin typeface="Cambria Math" panose="02040503050406030204" pitchFamily="18" charset="0"/>
+                              <a:ea typeface="Cambria Math" panose="02040503050406030204" pitchFamily="18" charset="0"/>
+                            </a:rPr>
+                            <m:t>𝑛</m:t>
+                          </m:r>
+                          <m:r>
+                            <a:rPr lang="pt-BR" i="1">
+                              <a:latin typeface="Cambria Math" panose="02040503050406030204" pitchFamily="18" charset="0"/>
+                              <a:ea typeface="Cambria Math" panose="02040503050406030204" pitchFamily="18" charset="0"/>
+                            </a:rPr>
+                            <m:t>=0</m:t>
+                          </m:r>
+                        </m:sub>
+                        <m:sup>
+                          <m:r>
+                            <a:rPr lang="pt-BR" i="1">
+                              <a:latin typeface="Cambria Math" panose="02040503050406030204" pitchFamily="18" charset="0"/>
+                              <a:ea typeface="Cambria Math" panose="02040503050406030204" pitchFamily="18" charset="0"/>
+                            </a:rPr>
+                            <m:t>∞</m:t>
+                          </m:r>
+                        </m:sup>
+                        <m:e>
+                          <m:sSup>
+                            <m:sSupPr>
+                              <m:ctrlPr>
+                                <a:rPr lang="pt-BR" i="1">
+                                  <a:latin typeface="Cambria Math" panose="02040503050406030204" pitchFamily="18" charset="0"/>
+                                  <a:ea typeface="Cambria Math" panose="02040503050406030204" pitchFamily="18" charset="0"/>
+                                </a:rPr>
+                              </m:ctrlPr>
+                            </m:sSupPr>
+                            <m:e>
+                              <m:r>
+                                <a:rPr lang="pt-BR" i="1">
+                                  <a:latin typeface="Cambria Math" panose="02040503050406030204" pitchFamily="18" charset="0"/>
+                                  <a:ea typeface="Cambria Math" panose="02040503050406030204" pitchFamily="18" charset="0"/>
+                                </a:rPr>
+                                <m:t>𝑥</m:t>
+                              </m:r>
+                            </m:e>
+                            <m:sup>
+                              <m:r>
+                                <a:rPr lang="pt-BR" i="1">
+                                  <a:latin typeface="Cambria Math" panose="02040503050406030204" pitchFamily="18" charset="0"/>
+                                  <a:ea typeface="Cambria Math" panose="02040503050406030204" pitchFamily="18" charset="0"/>
+                                </a:rPr>
+                                <m:t>𝑛</m:t>
+                              </m:r>
+                            </m:sup>
+                          </m:sSup>
+                        </m:e>
+                      </m:nary>
+                      <m:r>
+                        <a:rPr lang="pt-BR" i="1">
+                          <a:latin typeface="Cambria Math" panose="02040503050406030204" pitchFamily="18" charset="0"/>
+                          <a:ea typeface="Cambria Math" panose="02040503050406030204" pitchFamily="18" charset="0"/>
+                        </a:rPr>
+                        <m:t>=</m:t>
+                      </m:r>
+                      <m:r>
+                        <a:rPr lang="en-US" b="0" i="1" smtClean="0">
+                          <a:latin typeface="Cambria Math" panose="02040503050406030204" pitchFamily="18" charset="0"/>
+                          <a:ea typeface="Cambria Math" panose="02040503050406030204" pitchFamily="18" charset="0"/>
+                        </a:rPr>
+                        <m:t>1</m:t>
+                      </m:r>
+                      <m:r>
+                        <a:rPr lang="pt-BR" i="1">
+                          <a:latin typeface="Cambria Math" panose="02040503050406030204" pitchFamily="18" charset="0"/>
+                          <a:ea typeface="Cambria Math" panose="02040503050406030204" pitchFamily="18" charset="0"/>
+                        </a:rPr>
+                        <m:t>+</m:t>
+                      </m:r>
+                      <m:r>
+                        <a:rPr lang="en-US" i="1">
+                          <a:latin typeface="Cambria Math" panose="02040503050406030204" pitchFamily="18" charset="0"/>
+                          <a:ea typeface="Cambria Math" panose="02040503050406030204" pitchFamily="18" charset="0"/>
+                        </a:rPr>
+                        <m:t>𝑥</m:t>
+                      </m:r>
+                      <m:r>
+                        <a:rPr lang="pt-BR" i="1">
+                          <a:latin typeface="Cambria Math" panose="02040503050406030204" pitchFamily="18" charset="0"/>
+                          <a:ea typeface="Cambria Math" panose="02040503050406030204" pitchFamily="18" charset="0"/>
+                        </a:rPr>
+                        <m:t>+</m:t>
+                      </m:r>
+                      <m:sSup>
+                        <m:sSupPr>
+                          <m:ctrlPr>
+                            <a:rPr lang="pt-BR" i="1">
+                              <a:latin typeface="Cambria Math" panose="02040503050406030204" pitchFamily="18" charset="0"/>
+                              <a:ea typeface="Cambria Math" panose="02040503050406030204" pitchFamily="18" charset="0"/>
+                            </a:rPr>
+                          </m:ctrlPr>
+                        </m:sSupPr>
+                        <m:e>
+                          <m:r>
+                            <a:rPr lang="pt-BR" i="1">
+                              <a:latin typeface="Cambria Math" panose="02040503050406030204" pitchFamily="18" charset="0"/>
+                              <a:ea typeface="Cambria Math" panose="02040503050406030204" pitchFamily="18" charset="0"/>
+                            </a:rPr>
+                            <m:t>𝑥</m:t>
+                          </m:r>
+                        </m:e>
+                        <m:sup>
+                          <m:r>
+                            <a:rPr lang="en-US" i="1">
+                              <a:latin typeface="Cambria Math" panose="02040503050406030204" pitchFamily="18" charset="0"/>
+                              <a:ea typeface="Cambria Math" panose="02040503050406030204" pitchFamily="18" charset="0"/>
+                            </a:rPr>
+                            <m:t>2</m:t>
+                          </m:r>
+                        </m:sup>
+                      </m:sSup>
+                      <m:r>
+                        <a:rPr lang="pt-BR" i="1">
+                          <a:latin typeface="Cambria Math" panose="02040503050406030204" pitchFamily="18" charset="0"/>
+                          <a:ea typeface="Cambria Math" panose="02040503050406030204" pitchFamily="18" charset="0"/>
+                        </a:rPr>
+                        <m:t>+…+</m:t>
+                      </m:r>
+                      <m:sSup>
+                        <m:sSupPr>
+                          <m:ctrlPr>
+                            <a:rPr lang="pt-BR" i="1">
+                              <a:latin typeface="Cambria Math" panose="02040503050406030204" pitchFamily="18" charset="0"/>
+                              <a:ea typeface="Cambria Math" panose="02040503050406030204" pitchFamily="18" charset="0"/>
+                            </a:rPr>
+                          </m:ctrlPr>
+                        </m:sSupPr>
+                        <m:e>
+                          <m:r>
+                            <a:rPr lang="pt-BR" i="1">
+                              <a:latin typeface="Cambria Math" panose="02040503050406030204" pitchFamily="18" charset="0"/>
+                              <a:ea typeface="Cambria Math" panose="02040503050406030204" pitchFamily="18" charset="0"/>
+                            </a:rPr>
+                            <m:t>𝑥</m:t>
+                          </m:r>
+                        </m:e>
+                        <m:sup>
+                          <m:r>
+                            <a:rPr lang="pt-BR" i="1">
+                              <a:latin typeface="Cambria Math" panose="02040503050406030204" pitchFamily="18" charset="0"/>
+                              <a:ea typeface="Cambria Math" panose="02040503050406030204" pitchFamily="18" charset="0"/>
+                            </a:rPr>
+                            <m:t>𝑛</m:t>
+                          </m:r>
+                        </m:sup>
+                      </m:sSup>
+                      <m:r>
+                        <a:rPr lang="pt-BR" i="1">
+                          <a:latin typeface="Cambria Math" panose="02040503050406030204" pitchFamily="18" charset="0"/>
+                          <a:ea typeface="Cambria Math" panose="02040503050406030204" pitchFamily="18" charset="0"/>
+                        </a:rPr>
+                        <m:t>+…</m:t>
+                      </m:r>
+                    </m:oMath>
+                  </m:oMathPara>
+                </a14:m>
+                <a:endParaRPr lang="pt-BR" dirty="0"/>
+              </a:p>
+            </p:txBody>
+          </p:sp>
+        </mc:Choice>
+        <mc:Fallback xmlns="">
+          <p:sp>
+            <p:nvSpPr>
+              <p:cNvPr id="2" name="CaixaDeTexto 1">
+                <a:extLst>
+                  <a:ext uri="{FF2B5EF4-FFF2-40B4-BE49-F238E27FC236}">
+                    <a16:creationId xmlns:a16="http://schemas.microsoft.com/office/drawing/2014/main" id="{51A5F16D-9446-8B12-E280-836A42F986E4}"/>
+                  </a:ext>
+                </a:extLst>
+              </p:cNvPr>
+              <p:cNvSpPr txBox="1">
+                <a:spLocks noRot="1" noChangeAspect="1" noMove="1" noResize="1" noEditPoints="1" noAdjustHandles="1" noChangeArrowheads="1" noChangeShapeType="1" noTextEdit="1"/>
+              </p:cNvSpPr>
+              <p:nvPr/>
+            </p:nvSpPr>
+            <p:spPr>
+              <a:xfrm>
+                <a:off x="656492" y="961155"/>
+                <a:ext cx="3501407" cy="755528"/>
+              </a:xfrm>
+              <a:prstGeom prst="rect">
+                <a:avLst/>
+              </a:prstGeom>
+              <a:blipFill>
+                <a:blip r:embed="rId3"/>
+                <a:stretch>
+                  <a:fillRect/>
+                </a:stretch>
+              </a:blipFill>
+            </p:spPr>
+            <p:txBody>
+              <a:bodyPr/>
+              <a:lstStyle/>
+              <a:p>
+                <a:r>
+                  <a:rPr lang="pt-BR">
+                    <a:noFill/>
+                  </a:rPr>
+                  <a:t> </a:t>
+                </a:r>
+              </a:p>
+            </p:txBody>
+          </p:sp>
+        </mc:Fallback>
+      </mc:AlternateContent>
+      <mc:AlternateContent xmlns:mc="http://schemas.openxmlformats.org/markup-compatibility/2006">
+        <mc:Choice xmlns:a14="http://schemas.microsoft.com/office/drawing/2010/main" Requires="a14">
+          <p:sp>
+            <p:nvSpPr>
+              <p:cNvPr id="4" name="Retângulo 3">
+                <a:extLst>
+                  <a:ext uri="{FF2B5EF4-FFF2-40B4-BE49-F238E27FC236}">
+                    <a16:creationId xmlns:a16="http://schemas.microsoft.com/office/drawing/2014/main" id="{B4592494-1416-AE9A-9FC6-CCF47C8CBBEC}"/>
+                  </a:ext>
+                </a:extLst>
+              </p:cNvPr>
+              <p:cNvSpPr/>
+              <p:nvPr/>
+            </p:nvSpPr>
+            <p:spPr>
+              <a:xfrm>
+                <a:off x="4986103" y="1065608"/>
+                <a:ext cx="2345084" cy="430887"/>
+              </a:xfrm>
+              <a:prstGeom prst="rect">
+                <a:avLst/>
+              </a:prstGeom>
+            </p:spPr>
+            <p:txBody>
+              <a:bodyPr wrap="square">
+                <a:spAutoFit/>
+              </a:bodyPr>
+              <a:lstStyle/>
+              <a:p>
+                <a:pPr algn="just"/>
+                <a:r>
+                  <a:rPr lang="en-US" sz="2200" dirty="0">
+                    <a:latin typeface="Cambria Math" panose="02040503050406030204" pitchFamily="18" charset="0"/>
+                    <a:ea typeface="Cambria Math" panose="02040503050406030204" pitchFamily="18" charset="0"/>
+                  </a:rPr>
+                  <a:t>Quando </a:t>
+                </a:r>
+                <a14:m>
+                  <m:oMath xmlns:m="http://schemas.openxmlformats.org/officeDocument/2006/math">
+                    <m:r>
+                      <a:rPr lang="en-US" sz="2200" b="0" i="1" smtClean="0">
+                        <a:latin typeface="Cambria Math" panose="02040503050406030204" pitchFamily="18" charset="0"/>
+                        <a:ea typeface="Cambria Math" panose="02040503050406030204" pitchFamily="18" charset="0"/>
+                      </a:rPr>
+                      <m:t>𝑥</m:t>
+                    </m:r>
+                    <m:r>
+                      <a:rPr lang="en-US" sz="2200" b="0" i="1" smtClean="0">
+                        <a:latin typeface="Cambria Math" panose="02040503050406030204" pitchFamily="18" charset="0"/>
+                        <a:ea typeface="Cambria Math" panose="02040503050406030204" pitchFamily="18" charset="0"/>
+                      </a:rPr>
+                      <m:t>=−1</m:t>
+                    </m:r>
+                  </m:oMath>
+                </a14:m>
+                <a:endParaRPr lang="en-US" sz="2200" b="0" dirty="0">
+                  <a:latin typeface="Cambria Math" panose="02040503050406030204" pitchFamily="18" charset="0"/>
+                  <a:ea typeface="Cambria Math" panose="02040503050406030204" pitchFamily="18" charset="0"/>
+                </a:endParaRPr>
+              </a:p>
+            </p:txBody>
+          </p:sp>
+        </mc:Choice>
+        <mc:Fallback>
+          <p:sp>
+            <p:nvSpPr>
+              <p:cNvPr id="4" name="Retângulo 3">
+                <a:extLst>
+                  <a:ext uri="{FF2B5EF4-FFF2-40B4-BE49-F238E27FC236}">
+                    <a16:creationId xmlns:a16="http://schemas.microsoft.com/office/drawing/2014/main" id="{B4592494-1416-AE9A-9FC6-CCF47C8CBBEC}"/>
+                  </a:ext>
+                </a:extLst>
+              </p:cNvPr>
+              <p:cNvSpPr>
+                <a:spLocks noRot="1" noChangeAspect="1" noMove="1" noResize="1" noEditPoints="1" noAdjustHandles="1" noChangeArrowheads="1" noChangeShapeType="1" noTextEdit="1"/>
+              </p:cNvSpPr>
+              <p:nvPr/>
+            </p:nvSpPr>
+            <p:spPr>
+              <a:xfrm>
+                <a:off x="4986103" y="1065608"/>
+                <a:ext cx="2345084" cy="430887"/>
+              </a:xfrm>
+              <a:prstGeom prst="rect">
+                <a:avLst/>
+              </a:prstGeom>
+              <a:blipFill>
+                <a:blip r:embed="rId4"/>
+                <a:stretch>
+                  <a:fillRect l="-3377" t="-10000" b="-28571"/>
+                </a:stretch>
+              </a:blipFill>
+            </p:spPr>
+            <p:txBody>
+              <a:bodyPr/>
+              <a:lstStyle/>
+              <a:p>
+                <a:r>
+                  <a:rPr lang="pt-BR">
+                    <a:noFill/>
+                  </a:rPr>
+                  <a:t> </a:t>
+                </a:r>
+              </a:p>
+            </p:txBody>
+          </p:sp>
+        </mc:Fallback>
+      </mc:AlternateContent>
+      <p:pic>
+        <p:nvPicPr>
+          <p:cNvPr id="6" name="Imagem 5" descr="Gráfico, Gráfico de linhas&#10;&#10;Descrição gerada automaticamente">
+            <a:extLst>
+              <a:ext uri="{FF2B5EF4-FFF2-40B4-BE49-F238E27FC236}">
+                <a16:creationId xmlns:a16="http://schemas.microsoft.com/office/drawing/2014/main" id="{77E81A63-61AE-D9E1-E81A-17B8023CB493}"/>
+              </a:ext>
+            </a:extLst>
+          </p:cNvPr>
+          <p:cNvPicPr>
+            <a:picLocks noChangeAspect="1"/>
+          </p:cNvPicPr>
+          <p:nvPr/>
+        </p:nvPicPr>
+        <p:blipFill>
+          <a:blip r:embed="rId5"/>
+          <a:stretch>
+            <a:fillRect/>
+          </a:stretch>
+        </p:blipFill>
+        <p:spPr>
+          <a:xfrm>
+            <a:off x="1062001" y="1496495"/>
+            <a:ext cx="7020000" cy="4680000"/>
+          </a:xfrm>
+          <a:prstGeom prst="rect">
+            <a:avLst/>
+          </a:prstGeom>
+        </p:spPr>
+      </p:pic>
+    </p:spTree>
+    <p:custDataLst>
+      <p:tags r:id="rId1"/>
+    </p:custDataLst>
+    <p:extLst>
+      <p:ext uri="{BB962C8B-B14F-4D97-AF65-F5344CB8AC3E}">
+        <p14:creationId xmlns:p14="http://schemas.microsoft.com/office/powerpoint/2010/main" val="2290741998"/>
+      </p:ext>
+    </p:extLst>
+  </p:cSld>
+  <p:clrMapOvr>
+    <a:masterClrMapping/>
+  </p:clrMapOvr>
+  <p:timing>
+    <p:tnLst>
+      <p:par>
+        <p:cTn id="1" dur="indefinite" restart="never" nodeType="tmRoot">
+          <p:childTnLst>
+            <p:seq concurrent="1" nextAc="seek">
+              <p:cTn id="2" dur="indefinite" nodeType="mainSeq">
+                <p:childTnLst>
+                  <p:par>
+                    <p:cTn id="3" fill="hold">
+                      <p:stCondLst>
+                        <p:cond delay="indefinite"/>
+                      </p:stCondLst>
+                      <p:childTnLst>
+                        <p:par>
+                          <p:cTn id="4" fill="hold">
+                            <p:stCondLst>
+                              <p:cond delay="0"/>
+                            </p:stCondLst>
+                            <p:childTnLst>
+                              <p:par>
+                                <p:cTn id="5" presetID="10" presetClass="entr" presetSubtype="0" fill="hold" grpId="0" nodeType="clickEffect">
+                                  <p:stCondLst>
+                                    <p:cond delay="0"/>
+                                  </p:stCondLst>
+                                  <p:childTnLst>
+                                    <p:set>
+                                      <p:cBhvr>
+                                        <p:cTn id="6" dur="1" fill="hold">
+                                          <p:stCondLst>
+                                            <p:cond delay="0"/>
+                                          </p:stCondLst>
+                                        </p:cTn>
+                                        <p:tgtEl>
+                                          <p:spTgt spid="4"/>
+                                        </p:tgtEl>
+                                        <p:attrNameLst>
+                                          <p:attrName>style.visibility</p:attrName>
+                                        </p:attrNameLst>
+                                      </p:cBhvr>
+                                      <p:to>
+                                        <p:strVal val="visible"/>
+                                      </p:to>
+                                    </p:set>
+                                    <p:animEffect transition="in" filter="fade">
+                                      <p:cBhvr>
+                                        <p:cTn id="7" dur="500"/>
+                                        <p:tgtEl>
+                                          <p:spTgt spid="4"/>
+                                        </p:tgtEl>
+                                      </p:cBhvr>
+                                    </p:animEffect>
+                                  </p:childTnLst>
+                                </p:cTn>
+                              </p:par>
+                            </p:childTnLst>
+                          </p:cTn>
+                        </p:par>
+                      </p:childTnLst>
+                    </p:cTn>
+                  </p:par>
+                </p:childTnLst>
+              </p:cTn>
+              <p:prevCondLst>
+                <p:cond evt="onPrev" delay="0">
+                  <p:tgtEl>
+                    <p:sldTgt/>
+                  </p:tgtEl>
+                </p:cond>
+              </p:prevCondLst>
+              <p:nextCondLst>
+                <p:cond evt="onNext" delay="0">
+                  <p:tgtEl>
+                    <p:sldTgt/>
+                  </p:tgtEl>
+                </p:cond>
+              </p:nextCondLst>
+            </p:seq>
+          </p:childTnLst>
+        </p:cTn>
+      </p:par>
+    </p:tnLst>
+    <p:bldLst>
+      <p:bldP spid="4" grpId="0"/>
+    </p:bldLst>
+  </p:timing>
+</p:sld>
+</file>
+
+<file path=ppt/slides/slide6.xml><?xml version="1.0" encoding="utf-8"?>
+<p:sld xmlns:a="http://schemas.openxmlformats.org/drawingml/2006/main" xmlns:r="http://schemas.openxmlformats.org/officeDocument/2006/relationships" xmlns:p="http://schemas.openxmlformats.org/presentationml/2006/main">
+  <p:cSld>
+    <p:spTree>
+      <p:nvGrpSpPr>
+        <p:cNvPr id="1" name=""/>
+        <p:cNvGrpSpPr/>
+        <p:nvPr/>
+      </p:nvGrpSpPr>
+      <p:grpSpPr>
+        <a:xfrm>
+          <a:off x="0" y="0"/>
+          <a:ext cx="0" cy="0"/>
+          <a:chOff x="0" y="0"/>
+          <a:chExt cx="0" cy="0"/>
+        </a:xfrm>
+      </p:grpSpPr>
+      <p:sp>
+        <p:nvSpPr>
+          <p:cNvPr id="3" name="CaixaDeTexto 2"/>
+          <p:cNvSpPr txBox="1"/>
+          <p:nvPr/>
+        </p:nvSpPr>
+        <p:spPr>
+          <a:xfrm>
+            <a:off x="292608" y="240405"/>
+            <a:ext cx="1306448" cy="461665"/>
+          </a:xfrm>
+          <a:prstGeom prst="rect">
+            <a:avLst/>
+          </a:prstGeom>
+          <a:noFill/>
+        </p:spPr>
+        <p:txBody>
+          <a:bodyPr wrap="none" rtlCol="0">
+            <a:spAutoFit/>
+          </a:bodyPr>
+          <a:lstStyle/>
+          <a:p>
+            <a:r>
+              <a:rPr lang="pt-BR" sz="2400" b="1" dirty="0">
+                <a:solidFill>
+                  <a:srgbClr val="FF0000"/>
+                </a:solidFill>
+                <a:latin typeface="Cambria Math" panose="02040503050406030204" pitchFamily="18" charset="0"/>
+                <a:ea typeface="Cambria Math" panose="02040503050406030204" pitchFamily="18" charset="0"/>
+              </a:rPr>
+              <a:t>Exemplo</a:t>
+            </a:r>
+          </a:p>
+        </p:txBody>
+      </p:sp>
+      <mc:AlternateContent xmlns:mc="http://schemas.openxmlformats.org/markup-compatibility/2006" xmlns:a14="http://schemas.microsoft.com/office/drawing/2010/main">
+        <mc:Choice Requires="a14">
+          <p:sp>
+            <p:nvSpPr>
+              <p:cNvPr id="2" name="CaixaDeTexto 1">
+                <a:extLst>
+                  <a:ext uri="{FF2B5EF4-FFF2-40B4-BE49-F238E27FC236}">
+                    <a16:creationId xmlns:a16="http://schemas.microsoft.com/office/drawing/2014/main" id="{51A5F16D-9446-8B12-E280-836A42F986E4}"/>
+                  </a:ext>
+                </a:extLst>
+              </p:cNvPr>
+              <p:cNvSpPr txBox="1"/>
+              <p:nvPr/>
+            </p:nvSpPr>
+            <p:spPr>
+              <a:xfrm>
+                <a:off x="656492" y="961155"/>
+                <a:ext cx="3501407" cy="755528"/>
+              </a:xfrm>
+              <a:prstGeom prst="rect">
+                <a:avLst/>
+              </a:prstGeom>
+              <a:noFill/>
+            </p:spPr>
+            <p:txBody>
+              <a:bodyPr wrap="none" lIns="0" tIns="0" rIns="0" bIns="0" rtlCol="0">
+                <a:spAutoFit/>
+              </a:bodyPr>
+              <a:lstStyle/>
+              <a:p>
+                <a:pPr/>
+                <a14:m>
+                  <m:oMathPara xmlns:m="http://schemas.openxmlformats.org/officeDocument/2006/math">
+                    <m:oMathParaPr>
+                      <m:jc m:val="centerGroup"/>
+                    </m:oMathParaPr>
+                    <m:oMath xmlns:m="http://schemas.openxmlformats.org/officeDocument/2006/math">
+                      <m:nary>
+                        <m:naryPr>
+                          <m:chr m:val="∑"/>
+                          <m:ctrlPr>
+                            <a:rPr lang="pt-BR" i="1" smtClean="0">
+                              <a:latin typeface="Cambria Math" panose="02040503050406030204" pitchFamily="18" charset="0"/>
+                              <a:ea typeface="Cambria Math" panose="02040503050406030204" pitchFamily="18" charset="0"/>
+                            </a:rPr>
+                          </m:ctrlPr>
+                        </m:naryPr>
+                        <m:sub>
+                          <m:r>
+                            <m:rPr>
+                              <m:brk m:alnAt="23"/>
+                            </m:rPr>
+                            <a:rPr lang="pt-BR" i="1">
+                              <a:latin typeface="Cambria Math" panose="02040503050406030204" pitchFamily="18" charset="0"/>
+                              <a:ea typeface="Cambria Math" panose="02040503050406030204" pitchFamily="18" charset="0"/>
+                            </a:rPr>
+                            <m:t>𝑛</m:t>
+                          </m:r>
+                          <m:r>
+                            <a:rPr lang="pt-BR" i="1">
+                              <a:latin typeface="Cambria Math" panose="02040503050406030204" pitchFamily="18" charset="0"/>
+                              <a:ea typeface="Cambria Math" panose="02040503050406030204" pitchFamily="18" charset="0"/>
+                            </a:rPr>
+                            <m:t>=0</m:t>
+                          </m:r>
+                        </m:sub>
+                        <m:sup>
+                          <m:r>
+                            <a:rPr lang="pt-BR" i="1">
+                              <a:latin typeface="Cambria Math" panose="02040503050406030204" pitchFamily="18" charset="0"/>
+                              <a:ea typeface="Cambria Math" panose="02040503050406030204" pitchFamily="18" charset="0"/>
+                            </a:rPr>
+                            <m:t>∞</m:t>
+                          </m:r>
+                        </m:sup>
+                        <m:e>
+                          <m:sSup>
+                            <m:sSupPr>
+                              <m:ctrlPr>
+                                <a:rPr lang="pt-BR" i="1">
+                                  <a:latin typeface="Cambria Math" panose="02040503050406030204" pitchFamily="18" charset="0"/>
+                                  <a:ea typeface="Cambria Math" panose="02040503050406030204" pitchFamily="18" charset="0"/>
+                                </a:rPr>
+                              </m:ctrlPr>
+                            </m:sSupPr>
+                            <m:e>
+                              <m:r>
+                                <a:rPr lang="pt-BR" i="1">
+                                  <a:latin typeface="Cambria Math" panose="02040503050406030204" pitchFamily="18" charset="0"/>
+                                  <a:ea typeface="Cambria Math" panose="02040503050406030204" pitchFamily="18" charset="0"/>
+                                </a:rPr>
+                                <m:t>𝑥</m:t>
+                              </m:r>
+                            </m:e>
+                            <m:sup>
+                              <m:r>
+                                <a:rPr lang="pt-BR" i="1">
+                                  <a:latin typeface="Cambria Math" panose="02040503050406030204" pitchFamily="18" charset="0"/>
+                                  <a:ea typeface="Cambria Math" panose="02040503050406030204" pitchFamily="18" charset="0"/>
+                                </a:rPr>
+                                <m:t>𝑛</m:t>
+                              </m:r>
+                            </m:sup>
+                          </m:sSup>
+                        </m:e>
+                      </m:nary>
+                      <m:r>
+                        <a:rPr lang="pt-BR" i="1">
+                          <a:latin typeface="Cambria Math" panose="02040503050406030204" pitchFamily="18" charset="0"/>
+                          <a:ea typeface="Cambria Math" panose="02040503050406030204" pitchFamily="18" charset="0"/>
+                        </a:rPr>
+                        <m:t>=</m:t>
+                      </m:r>
+                      <m:r>
+                        <a:rPr lang="en-US" b="0" i="1" smtClean="0">
+                          <a:latin typeface="Cambria Math" panose="02040503050406030204" pitchFamily="18" charset="0"/>
+                          <a:ea typeface="Cambria Math" panose="02040503050406030204" pitchFamily="18" charset="0"/>
+                        </a:rPr>
+                        <m:t>1</m:t>
+                      </m:r>
+                      <m:r>
+                        <a:rPr lang="pt-BR" i="1">
+                          <a:latin typeface="Cambria Math" panose="02040503050406030204" pitchFamily="18" charset="0"/>
+                          <a:ea typeface="Cambria Math" panose="02040503050406030204" pitchFamily="18" charset="0"/>
+                        </a:rPr>
+                        <m:t>+</m:t>
+                      </m:r>
+                      <m:r>
+                        <a:rPr lang="en-US" i="1">
+                          <a:latin typeface="Cambria Math" panose="02040503050406030204" pitchFamily="18" charset="0"/>
+                          <a:ea typeface="Cambria Math" panose="02040503050406030204" pitchFamily="18" charset="0"/>
+                        </a:rPr>
+                        <m:t>𝑥</m:t>
+                      </m:r>
+                      <m:r>
+                        <a:rPr lang="pt-BR" i="1">
+                          <a:latin typeface="Cambria Math" panose="02040503050406030204" pitchFamily="18" charset="0"/>
+                          <a:ea typeface="Cambria Math" panose="02040503050406030204" pitchFamily="18" charset="0"/>
+                        </a:rPr>
+                        <m:t>+</m:t>
+                      </m:r>
+                      <m:sSup>
+                        <m:sSupPr>
+                          <m:ctrlPr>
+                            <a:rPr lang="pt-BR" i="1">
+                              <a:latin typeface="Cambria Math" panose="02040503050406030204" pitchFamily="18" charset="0"/>
+                              <a:ea typeface="Cambria Math" panose="02040503050406030204" pitchFamily="18" charset="0"/>
+                            </a:rPr>
+                          </m:ctrlPr>
+                        </m:sSupPr>
+                        <m:e>
+                          <m:r>
+                            <a:rPr lang="pt-BR" i="1">
+                              <a:latin typeface="Cambria Math" panose="02040503050406030204" pitchFamily="18" charset="0"/>
+                              <a:ea typeface="Cambria Math" panose="02040503050406030204" pitchFamily="18" charset="0"/>
+                            </a:rPr>
+                            <m:t>𝑥</m:t>
+                          </m:r>
+                        </m:e>
+                        <m:sup>
+                          <m:r>
+                            <a:rPr lang="en-US" i="1">
+                              <a:latin typeface="Cambria Math" panose="02040503050406030204" pitchFamily="18" charset="0"/>
+                              <a:ea typeface="Cambria Math" panose="02040503050406030204" pitchFamily="18" charset="0"/>
+                            </a:rPr>
+                            <m:t>2</m:t>
+                          </m:r>
+                        </m:sup>
+                      </m:sSup>
+                      <m:r>
+                        <a:rPr lang="pt-BR" i="1">
+                          <a:latin typeface="Cambria Math" panose="02040503050406030204" pitchFamily="18" charset="0"/>
+                          <a:ea typeface="Cambria Math" panose="02040503050406030204" pitchFamily="18" charset="0"/>
+                        </a:rPr>
+                        <m:t>+…+</m:t>
+                      </m:r>
+                      <m:sSup>
+                        <m:sSupPr>
+                          <m:ctrlPr>
+                            <a:rPr lang="pt-BR" i="1">
+                              <a:latin typeface="Cambria Math" panose="02040503050406030204" pitchFamily="18" charset="0"/>
+                              <a:ea typeface="Cambria Math" panose="02040503050406030204" pitchFamily="18" charset="0"/>
+                            </a:rPr>
+                          </m:ctrlPr>
+                        </m:sSupPr>
+                        <m:e>
+                          <m:r>
+                            <a:rPr lang="pt-BR" i="1">
+                              <a:latin typeface="Cambria Math" panose="02040503050406030204" pitchFamily="18" charset="0"/>
+                              <a:ea typeface="Cambria Math" panose="02040503050406030204" pitchFamily="18" charset="0"/>
+                            </a:rPr>
+                            <m:t>𝑥</m:t>
+                          </m:r>
+                        </m:e>
+                        <m:sup>
+                          <m:r>
+                            <a:rPr lang="pt-BR" i="1">
+                              <a:latin typeface="Cambria Math" panose="02040503050406030204" pitchFamily="18" charset="0"/>
+                              <a:ea typeface="Cambria Math" panose="02040503050406030204" pitchFamily="18" charset="0"/>
+                            </a:rPr>
+                            <m:t>𝑛</m:t>
+                          </m:r>
+                        </m:sup>
+                      </m:sSup>
+                      <m:r>
+                        <a:rPr lang="pt-BR" i="1">
+                          <a:latin typeface="Cambria Math" panose="02040503050406030204" pitchFamily="18" charset="0"/>
+                          <a:ea typeface="Cambria Math" panose="02040503050406030204" pitchFamily="18" charset="0"/>
+                        </a:rPr>
+                        <m:t>+…</m:t>
+                      </m:r>
+                    </m:oMath>
+                  </m:oMathPara>
+                </a14:m>
+                <a:endParaRPr lang="pt-BR" dirty="0"/>
+              </a:p>
+            </p:txBody>
+          </p:sp>
+        </mc:Choice>
+        <mc:Fallback xmlns="">
+          <p:sp>
+            <p:nvSpPr>
+              <p:cNvPr id="2" name="CaixaDeTexto 1">
+                <a:extLst>
+                  <a:ext uri="{FF2B5EF4-FFF2-40B4-BE49-F238E27FC236}">
+                    <a16:creationId xmlns:a16="http://schemas.microsoft.com/office/drawing/2014/main" id="{51A5F16D-9446-8B12-E280-836A42F986E4}"/>
+                  </a:ext>
+                </a:extLst>
+              </p:cNvPr>
+              <p:cNvSpPr txBox="1">
+                <a:spLocks noRot="1" noChangeAspect="1" noMove="1" noResize="1" noEditPoints="1" noAdjustHandles="1" noChangeArrowheads="1" noChangeShapeType="1" noTextEdit="1"/>
+              </p:cNvSpPr>
+              <p:nvPr/>
+            </p:nvSpPr>
+            <p:spPr>
+              <a:xfrm>
+                <a:off x="656492" y="961155"/>
+                <a:ext cx="3501407" cy="755528"/>
+              </a:xfrm>
+              <a:prstGeom prst="rect">
+                <a:avLst/>
+              </a:prstGeom>
+              <a:blipFill>
+                <a:blip r:embed="rId3"/>
+                <a:stretch>
+                  <a:fillRect/>
+                </a:stretch>
+              </a:blipFill>
+            </p:spPr>
+            <p:txBody>
+              <a:bodyPr/>
+              <a:lstStyle/>
+              <a:p>
+                <a:r>
+                  <a:rPr lang="pt-BR">
+                    <a:noFill/>
+                  </a:rPr>
+                  <a:t> </a:t>
+                </a:r>
+              </a:p>
+            </p:txBody>
+          </p:sp>
+        </mc:Fallback>
+      </mc:AlternateContent>
+      <mc:AlternateContent xmlns:mc="http://schemas.openxmlformats.org/markup-compatibility/2006">
+        <mc:Choice xmlns:a14="http://schemas.microsoft.com/office/drawing/2010/main" Requires="a14">
+          <p:sp>
+            <p:nvSpPr>
+              <p:cNvPr id="4" name="Retângulo 3">
+                <a:extLst>
+                  <a:ext uri="{FF2B5EF4-FFF2-40B4-BE49-F238E27FC236}">
+                    <a16:creationId xmlns:a16="http://schemas.microsoft.com/office/drawing/2014/main" id="{B4592494-1416-AE9A-9FC6-CCF47C8CBBEC}"/>
+                  </a:ext>
+                </a:extLst>
+              </p:cNvPr>
+              <p:cNvSpPr/>
+              <p:nvPr/>
+            </p:nvSpPr>
+            <p:spPr>
+              <a:xfrm>
+                <a:off x="4986103" y="1065608"/>
+                <a:ext cx="2345084" cy="430887"/>
+              </a:xfrm>
+              <a:prstGeom prst="rect">
+                <a:avLst/>
+              </a:prstGeom>
+            </p:spPr>
+            <p:txBody>
+              <a:bodyPr wrap="square">
+                <a:spAutoFit/>
+              </a:bodyPr>
+              <a:lstStyle/>
+              <a:p>
+                <a:pPr algn="just"/>
+                <a:r>
+                  <a:rPr lang="en-US" sz="2200" dirty="0">
+                    <a:latin typeface="Cambria Math" panose="02040503050406030204" pitchFamily="18" charset="0"/>
+                    <a:ea typeface="Cambria Math" panose="02040503050406030204" pitchFamily="18" charset="0"/>
+                  </a:rPr>
+                  <a:t>Quando </a:t>
+                </a:r>
+                <a14:m>
+                  <m:oMath xmlns:m="http://schemas.openxmlformats.org/officeDocument/2006/math">
+                    <m:r>
+                      <a:rPr lang="en-US" sz="2200" b="0" i="1" smtClean="0">
+                        <a:latin typeface="Cambria Math" panose="02040503050406030204" pitchFamily="18" charset="0"/>
+                        <a:ea typeface="Cambria Math" panose="02040503050406030204" pitchFamily="18" charset="0"/>
+                      </a:rPr>
+                      <m:t>𝑥</m:t>
+                    </m:r>
+                    <m:r>
+                      <a:rPr lang="en-US" sz="2200" b="0" i="1" smtClean="0">
+                        <a:latin typeface="Cambria Math" panose="02040503050406030204" pitchFamily="18" charset="0"/>
+                        <a:ea typeface="Cambria Math" panose="02040503050406030204" pitchFamily="18" charset="0"/>
+                      </a:rPr>
+                      <m:t>=−0</m:t>
+                    </m:r>
+                  </m:oMath>
+                </a14:m>
+                <a:endParaRPr lang="en-US" sz="2200" b="0" dirty="0">
+                  <a:latin typeface="Cambria Math" panose="02040503050406030204" pitchFamily="18" charset="0"/>
+                  <a:ea typeface="Cambria Math" panose="02040503050406030204" pitchFamily="18" charset="0"/>
+                </a:endParaRPr>
+              </a:p>
+            </p:txBody>
+          </p:sp>
+        </mc:Choice>
+        <mc:Fallback>
+          <p:sp>
+            <p:nvSpPr>
+              <p:cNvPr id="4" name="Retângulo 3">
+                <a:extLst>
+                  <a:ext uri="{FF2B5EF4-FFF2-40B4-BE49-F238E27FC236}">
+                    <a16:creationId xmlns:a16="http://schemas.microsoft.com/office/drawing/2014/main" id="{B4592494-1416-AE9A-9FC6-CCF47C8CBBEC}"/>
+                  </a:ext>
+                </a:extLst>
+              </p:cNvPr>
+              <p:cNvSpPr>
+                <a:spLocks noRot="1" noChangeAspect="1" noMove="1" noResize="1" noEditPoints="1" noAdjustHandles="1" noChangeArrowheads="1" noChangeShapeType="1" noTextEdit="1"/>
+              </p:cNvSpPr>
+              <p:nvPr/>
+            </p:nvSpPr>
+            <p:spPr>
+              <a:xfrm>
+                <a:off x="4986103" y="1065608"/>
+                <a:ext cx="2345084" cy="430887"/>
+              </a:xfrm>
+              <a:prstGeom prst="rect">
+                <a:avLst/>
+              </a:prstGeom>
+              <a:blipFill>
+                <a:blip r:embed="rId4"/>
+                <a:stretch>
+                  <a:fillRect l="-3377" t="-10000" b="-28571"/>
+                </a:stretch>
+              </a:blipFill>
+            </p:spPr>
+            <p:txBody>
+              <a:bodyPr/>
+              <a:lstStyle/>
+              <a:p>
+                <a:r>
+                  <a:rPr lang="pt-BR">
+                    <a:noFill/>
+                  </a:rPr>
+                  <a:t> </a:t>
+                </a:r>
+              </a:p>
+            </p:txBody>
+          </p:sp>
+        </mc:Fallback>
+      </mc:AlternateContent>
+      <p:pic>
+        <p:nvPicPr>
+          <p:cNvPr id="7" name="Imagem 6" descr="Gráfico, Gráfico de linhas&#10;&#10;Descrição gerada automaticamente">
+            <a:extLst>
+              <a:ext uri="{FF2B5EF4-FFF2-40B4-BE49-F238E27FC236}">
+                <a16:creationId xmlns:a16="http://schemas.microsoft.com/office/drawing/2014/main" id="{AF609F6D-B137-AE28-B065-2301DDE1CB05}"/>
+              </a:ext>
+            </a:extLst>
+          </p:cNvPr>
+          <p:cNvPicPr>
+            <a:picLocks noChangeAspect="1"/>
+          </p:cNvPicPr>
+          <p:nvPr/>
+        </p:nvPicPr>
+        <p:blipFill>
+          <a:blip r:embed="rId5"/>
+          <a:stretch>
+            <a:fillRect/>
+          </a:stretch>
+        </p:blipFill>
+        <p:spPr>
+          <a:xfrm>
+            <a:off x="1062001" y="1496495"/>
+            <a:ext cx="7020000" cy="4680000"/>
+          </a:xfrm>
+          <a:prstGeom prst="rect">
+            <a:avLst/>
+          </a:prstGeom>
+        </p:spPr>
+      </p:pic>
+    </p:spTree>
+    <p:custDataLst>
+      <p:tags r:id="rId1"/>
+    </p:custDataLst>
+    <p:extLst>
+      <p:ext uri="{BB962C8B-B14F-4D97-AF65-F5344CB8AC3E}">
+        <p14:creationId xmlns:p14="http://schemas.microsoft.com/office/powerpoint/2010/main" val="2641994444"/>
+      </p:ext>
+    </p:extLst>
+  </p:cSld>
+  <p:clrMapOvr>
+    <a:masterClrMapping/>
+  </p:clrMapOvr>
+  <p:timing>
+    <p:tnLst>
+      <p:par>
+        <p:cTn id="1" dur="indefinite" restart="never" nodeType="tmRoot">
+          <p:childTnLst>
+            <p:seq concurrent="1" nextAc="seek">
+              <p:cTn id="2" dur="indefinite" nodeType="mainSeq">
+                <p:childTnLst>
+                  <p:par>
+                    <p:cTn id="3" fill="hold">
+                      <p:stCondLst>
+                        <p:cond delay="indefinite"/>
+                      </p:stCondLst>
+                      <p:childTnLst>
+                        <p:par>
+                          <p:cTn id="4" fill="hold">
+                            <p:stCondLst>
+                              <p:cond delay="0"/>
+                            </p:stCondLst>
+                            <p:childTnLst>
+                              <p:par>
+                                <p:cTn id="5" presetID="10" presetClass="entr" presetSubtype="0" fill="hold" grpId="0" nodeType="clickEffect">
+                                  <p:stCondLst>
+                                    <p:cond delay="0"/>
+                                  </p:stCondLst>
+                                  <p:childTnLst>
+                                    <p:set>
+                                      <p:cBhvr>
+                                        <p:cTn id="6" dur="1" fill="hold">
+                                          <p:stCondLst>
+                                            <p:cond delay="0"/>
+                                          </p:stCondLst>
+                                        </p:cTn>
+                                        <p:tgtEl>
+                                          <p:spTgt spid="4"/>
+                                        </p:tgtEl>
+                                        <p:attrNameLst>
+                                          <p:attrName>style.visibility</p:attrName>
+                                        </p:attrNameLst>
+                                      </p:cBhvr>
+                                      <p:to>
+                                        <p:strVal val="visible"/>
+                                      </p:to>
+                                    </p:set>
+                                    <p:animEffect transition="in" filter="fade">
+                                      <p:cBhvr>
+                                        <p:cTn id="7" dur="500"/>
+                                        <p:tgtEl>
+                                          <p:spTgt spid="4"/>
+                                        </p:tgtEl>
+                                      </p:cBhvr>
+                                    </p:animEffect>
+                                  </p:childTnLst>
+                                </p:cTn>
+                              </p:par>
+                            </p:childTnLst>
+                          </p:cTn>
+                        </p:par>
+                      </p:childTnLst>
+                    </p:cTn>
+                  </p:par>
+                </p:childTnLst>
+              </p:cTn>
+              <p:prevCondLst>
+                <p:cond evt="onPrev" delay="0">
+                  <p:tgtEl>
+                    <p:sldTgt/>
+                  </p:tgtEl>
+                </p:cond>
+              </p:prevCondLst>
+              <p:nextCondLst>
+                <p:cond evt="onNext" delay="0">
+                  <p:tgtEl>
+                    <p:sldTgt/>
+                  </p:tgtEl>
+                </p:cond>
+              </p:nextCondLst>
+            </p:seq>
+          </p:childTnLst>
+        </p:cTn>
+      </p:par>
+    </p:tnLst>
+    <p:bldLst>
+      <p:bldP spid="4" grpId="0"/>
+    </p:bldLst>
+  </p:timing>
+</p:sld>
+</file>
+
+<file path=ppt/slides/slide7.xml><?xml version="1.0" encoding="utf-8"?>
+<p:sld xmlns:a="http://schemas.openxmlformats.org/drawingml/2006/main" xmlns:r="http://schemas.openxmlformats.org/officeDocument/2006/relationships" xmlns:p="http://schemas.openxmlformats.org/presentationml/2006/main">
+  <p:cSld>
+    <p:spTree>
+      <p:nvGrpSpPr>
+        <p:cNvPr id="1" name=""/>
+        <p:cNvGrpSpPr/>
+        <p:nvPr/>
+      </p:nvGrpSpPr>
+      <p:grpSpPr>
+        <a:xfrm>
+          <a:off x="0" y="0"/>
+          <a:ext cx="0" cy="0"/>
+          <a:chOff x="0" y="0"/>
+          <a:chExt cx="0" cy="0"/>
+        </a:xfrm>
+      </p:grpSpPr>
+      <p:sp>
+        <p:nvSpPr>
+          <p:cNvPr id="3" name="CaixaDeTexto 2"/>
+          <p:cNvSpPr txBox="1"/>
+          <p:nvPr/>
+        </p:nvSpPr>
+        <p:spPr>
+          <a:xfrm>
+            <a:off x="292608" y="240405"/>
+            <a:ext cx="1306448" cy="461665"/>
+          </a:xfrm>
+          <a:prstGeom prst="rect">
+            <a:avLst/>
+          </a:prstGeom>
+          <a:noFill/>
+        </p:spPr>
+        <p:txBody>
+          <a:bodyPr wrap="none" rtlCol="0">
+            <a:spAutoFit/>
+          </a:bodyPr>
+          <a:lstStyle/>
+          <a:p>
+            <a:r>
+              <a:rPr lang="pt-BR" sz="2400" b="1" dirty="0">
+                <a:solidFill>
+                  <a:srgbClr val="FF0000"/>
+                </a:solidFill>
+                <a:latin typeface="Cambria Math" panose="02040503050406030204" pitchFamily="18" charset="0"/>
+                <a:ea typeface="Cambria Math" panose="02040503050406030204" pitchFamily="18" charset="0"/>
+              </a:rPr>
+              <a:t>Exemplo</a:t>
+            </a:r>
+          </a:p>
+        </p:txBody>
+      </p:sp>
+      <mc:AlternateContent xmlns:mc="http://schemas.openxmlformats.org/markup-compatibility/2006" xmlns:a14="http://schemas.microsoft.com/office/drawing/2010/main">
+        <mc:Choice Requires="a14">
+          <p:sp>
+            <p:nvSpPr>
+              <p:cNvPr id="2" name="CaixaDeTexto 1">
+                <a:extLst>
+                  <a:ext uri="{FF2B5EF4-FFF2-40B4-BE49-F238E27FC236}">
+                    <a16:creationId xmlns:a16="http://schemas.microsoft.com/office/drawing/2014/main" id="{51A5F16D-9446-8B12-E280-836A42F986E4}"/>
+                  </a:ext>
+                </a:extLst>
+              </p:cNvPr>
+              <p:cNvSpPr txBox="1"/>
+              <p:nvPr/>
+            </p:nvSpPr>
+            <p:spPr>
+              <a:xfrm>
+                <a:off x="656492" y="961155"/>
+                <a:ext cx="3501407" cy="755528"/>
+              </a:xfrm>
+              <a:prstGeom prst="rect">
+                <a:avLst/>
+              </a:prstGeom>
+              <a:noFill/>
+            </p:spPr>
+            <p:txBody>
+              <a:bodyPr wrap="none" lIns="0" tIns="0" rIns="0" bIns="0" rtlCol="0">
+                <a:spAutoFit/>
+              </a:bodyPr>
+              <a:lstStyle/>
+              <a:p>
+                <a:pPr/>
+                <a14:m>
+                  <m:oMathPara xmlns:m="http://schemas.openxmlformats.org/officeDocument/2006/math">
+                    <m:oMathParaPr>
+                      <m:jc m:val="centerGroup"/>
+                    </m:oMathParaPr>
+                    <m:oMath xmlns:m="http://schemas.openxmlformats.org/officeDocument/2006/math">
+                      <m:nary>
+                        <m:naryPr>
+                          <m:chr m:val="∑"/>
+                          <m:ctrlPr>
+                            <a:rPr lang="pt-BR" i="1" smtClean="0">
+                              <a:latin typeface="Cambria Math" panose="02040503050406030204" pitchFamily="18" charset="0"/>
+                              <a:ea typeface="Cambria Math" panose="02040503050406030204" pitchFamily="18" charset="0"/>
+                            </a:rPr>
+                          </m:ctrlPr>
+                        </m:naryPr>
+                        <m:sub>
+                          <m:r>
+                            <m:rPr>
+                              <m:brk m:alnAt="23"/>
+                            </m:rPr>
+                            <a:rPr lang="pt-BR" i="1">
+                              <a:latin typeface="Cambria Math" panose="02040503050406030204" pitchFamily="18" charset="0"/>
+                              <a:ea typeface="Cambria Math" panose="02040503050406030204" pitchFamily="18" charset="0"/>
+                            </a:rPr>
+                            <m:t>𝑛</m:t>
+                          </m:r>
+                          <m:r>
+                            <a:rPr lang="pt-BR" i="1">
+                              <a:latin typeface="Cambria Math" panose="02040503050406030204" pitchFamily="18" charset="0"/>
+                              <a:ea typeface="Cambria Math" panose="02040503050406030204" pitchFamily="18" charset="0"/>
+                            </a:rPr>
+                            <m:t>=0</m:t>
+                          </m:r>
+                        </m:sub>
+                        <m:sup>
+                          <m:r>
+                            <a:rPr lang="pt-BR" i="1">
+                              <a:latin typeface="Cambria Math" panose="02040503050406030204" pitchFamily="18" charset="0"/>
+                              <a:ea typeface="Cambria Math" panose="02040503050406030204" pitchFamily="18" charset="0"/>
+                            </a:rPr>
+                            <m:t>∞</m:t>
+                          </m:r>
+                        </m:sup>
+                        <m:e>
+                          <m:sSup>
+                            <m:sSupPr>
+                              <m:ctrlPr>
+                                <a:rPr lang="pt-BR" i="1">
+                                  <a:latin typeface="Cambria Math" panose="02040503050406030204" pitchFamily="18" charset="0"/>
+                                  <a:ea typeface="Cambria Math" panose="02040503050406030204" pitchFamily="18" charset="0"/>
+                                </a:rPr>
+                              </m:ctrlPr>
+                            </m:sSupPr>
+                            <m:e>
+                              <m:r>
+                                <a:rPr lang="pt-BR" i="1">
+                                  <a:latin typeface="Cambria Math" panose="02040503050406030204" pitchFamily="18" charset="0"/>
+                                  <a:ea typeface="Cambria Math" panose="02040503050406030204" pitchFamily="18" charset="0"/>
+                                </a:rPr>
+                                <m:t>𝑥</m:t>
+                              </m:r>
+                            </m:e>
+                            <m:sup>
+                              <m:r>
+                                <a:rPr lang="pt-BR" i="1">
+                                  <a:latin typeface="Cambria Math" panose="02040503050406030204" pitchFamily="18" charset="0"/>
+                                  <a:ea typeface="Cambria Math" panose="02040503050406030204" pitchFamily="18" charset="0"/>
+                                </a:rPr>
+                                <m:t>𝑛</m:t>
+                              </m:r>
+                            </m:sup>
+                          </m:sSup>
+                        </m:e>
+                      </m:nary>
+                      <m:r>
+                        <a:rPr lang="pt-BR" i="1">
+                          <a:latin typeface="Cambria Math" panose="02040503050406030204" pitchFamily="18" charset="0"/>
+                          <a:ea typeface="Cambria Math" panose="02040503050406030204" pitchFamily="18" charset="0"/>
+                        </a:rPr>
+                        <m:t>=</m:t>
+                      </m:r>
+                      <m:r>
+                        <a:rPr lang="en-US" b="0" i="1" smtClean="0">
+                          <a:latin typeface="Cambria Math" panose="02040503050406030204" pitchFamily="18" charset="0"/>
+                          <a:ea typeface="Cambria Math" panose="02040503050406030204" pitchFamily="18" charset="0"/>
+                        </a:rPr>
+                        <m:t>1</m:t>
+                      </m:r>
+                      <m:r>
+                        <a:rPr lang="pt-BR" i="1">
+                          <a:latin typeface="Cambria Math" panose="02040503050406030204" pitchFamily="18" charset="0"/>
+                          <a:ea typeface="Cambria Math" panose="02040503050406030204" pitchFamily="18" charset="0"/>
+                        </a:rPr>
+                        <m:t>+</m:t>
+                      </m:r>
+                      <m:r>
+                        <a:rPr lang="en-US" i="1">
+                          <a:latin typeface="Cambria Math" panose="02040503050406030204" pitchFamily="18" charset="0"/>
+                          <a:ea typeface="Cambria Math" panose="02040503050406030204" pitchFamily="18" charset="0"/>
+                        </a:rPr>
+                        <m:t>𝑥</m:t>
+                      </m:r>
+                      <m:r>
+                        <a:rPr lang="pt-BR" i="1">
+                          <a:latin typeface="Cambria Math" panose="02040503050406030204" pitchFamily="18" charset="0"/>
+                          <a:ea typeface="Cambria Math" panose="02040503050406030204" pitchFamily="18" charset="0"/>
+                        </a:rPr>
+                        <m:t>+</m:t>
+                      </m:r>
+                      <m:sSup>
+                        <m:sSupPr>
+                          <m:ctrlPr>
+                            <a:rPr lang="pt-BR" i="1">
+                              <a:latin typeface="Cambria Math" panose="02040503050406030204" pitchFamily="18" charset="0"/>
+                              <a:ea typeface="Cambria Math" panose="02040503050406030204" pitchFamily="18" charset="0"/>
+                            </a:rPr>
+                          </m:ctrlPr>
+                        </m:sSupPr>
+                        <m:e>
+                          <m:r>
+                            <a:rPr lang="pt-BR" i="1">
+                              <a:latin typeface="Cambria Math" panose="02040503050406030204" pitchFamily="18" charset="0"/>
+                              <a:ea typeface="Cambria Math" panose="02040503050406030204" pitchFamily="18" charset="0"/>
+                            </a:rPr>
+                            <m:t>𝑥</m:t>
+                          </m:r>
+                        </m:e>
+                        <m:sup>
+                          <m:r>
+                            <a:rPr lang="en-US" i="1">
+                              <a:latin typeface="Cambria Math" panose="02040503050406030204" pitchFamily="18" charset="0"/>
+                              <a:ea typeface="Cambria Math" panose="02040503050406030204" pitchFamily="18" charset="0"/>
+                            </a:rPr>
+                            <m:t>2</m:t>
+                          </m:r>
+                        </m:sup>
+                      </m:sSup>
+                      <m:r>
+                        <a:rPr lang="pt-BR" i="1">
+                          <a:latin typeface="Cambria Math" panose="02040503050406030204" pitchFamily="18" charset="0"/>
+                          <a:ea typeface="Cambria Math" panose="02040503050406030204" pitchFamily="18" charset="0"/>
+                        </a:rPr>
+                        <m:t>+…+</m:t>
+                      </m:r>
+                      <m:sSup>
+                        <m:sSupPr>
+                          <m:ctrlPr>
+                            <a:rPr lang="pt-BR" i="1">
+                              <a:latin typeface="Cambria Math" panose="02040503050406030204" pitchFamily="18" charset="0"/>
+                              <a:ea typeface="Cambria Math" panose="02040503050406030204" pitchFamily="18" charset="0"/>
+                            </a:rPr>
+                          </m:ctrlPr>
+                        </m:sSupPr>
+                        <m:e>
+                          <m:r>
+                            <a:rPr lang="pt-BR" i="1">
+                              <a:latin typeface="Cambria Math" panose="02040503050406030204" pitchFamily="18" charset="0"/>
+                              <a:ea typeface="Cambria Math" panose="02040503050406030204" pitchFamily="18" charset="0"/>
+                            </a:rPr>
+                            <m:t>𝑥</m:t>
+                          </m:r>
+                        </m:e>
+                        <m:sup>
+                          <m:r>
+                            <a:rPr lang="pt-BR" i="1">
+                              <a:latin typeface="Cambria Math" panose="02040503050406030204" pitchFamily="18" charset="0"/>
+                              <a:ea typeface="Cambria Math" panose="02040503050406030204" pitchFamily="18" charset="0"/>
+                            </a:rPr>
+                            <m:t>𝑛</m:t>
+                          </m:r>
+                        </m:sup>
+                      </m:sSup>
+                      <m:r>
+                        <a:rPr lang="pt-BR" i="1">
+                          <a:latin typeface="Cambria Math" panose="02040503050406030204" pitchFamily="18" charset="0"/>
+                          <a:ea typeface="Cambria Math" panose="02040503050406030204" pitchFamily="18" charset="0"/>
+                        </a:rPr>
+                        <m:t>+…</m:t>
+                      </m:r>
+                    </m:oMath>
+                  </m:oMathPara>
+                </a14:m>
+                <a:endParaRPr lang="pt-BR" dirty="0"/>
+              </a:p>
+            </p:txBody>
+          </p:sp>
+        </mc:Choice>
+        <mc:Fallback xmlns="">
+          <p:sp>
+            <p:nvSpPr>
+              <p:cNvPr id="2" name="CaixaDeTexto 1">
+                <a:extLst>
+                  <a:ext uri="{FF2B5EF4-FFF2-40B4-BE49-F238E27FC236}">
+                    <a16:creationId xmlns:a16="http://schemas.microsoft.com/office/drawing/2014/main" id="{51A5F16D-9446-8B12-E280-836A42F986E4}"/>
+                  </a:ext>
+                </a:extLst>
+              </p:cNvPr>
+              <p:cNvSpPr txBox="1">
+                <a:spLocks noRot="1" noChangeAspect="1" noMove="1" noResize="1" noEditPoints="1" noAdjustHandles="1" noChangeArrowheads="1" noChangeShapeType="1" noTextEdit="1"/>
+              </p:cNvSpPr>
+              <p:nvPr/>
+            </p:nvSpPr>
+            <p:spPr>
+              <a:xfrm>
+                <a:off x="656492" y="961155"/>
+                <a:ext cx="3501407" cy="755528"/>
+              </a:xfrm>
+              <a:prstGeom prst="rect">
+                <a:avLst/>
+              </a:prstGeom>
+              <a:blipFill>
+                <a:blip r:embed="rId3"/>
+                <a:stretch>
+                  <a:fillRect/>
+                </a:stretch>
+              </a:blipFill>
+            </p:spPr>
+            <p:txBody>
+              <a:bodyPr/>
+              <a:lstStyle/>
+              <a:p>
+                <a:r>
+                  <a:rPr lang="pt-BR">
+                    <a:noFill/>
+                  </a:rPr>
+                  <a:t> </a:t>
+                </a:r>
+              </a:p>
+            </p:txBody>
+          </p:sp>
+        </mc:Fallback>
+      </mc:AlternateContent>
+      <mc:AlternateContent xmlns:mc="http://schemas.openxmlformats.org/markup-compatibility/2006">
+        <mc:Choice xmlns:a14="http://schemas.microsoft.com/office/drawing/2010/main" Requires="a14">
+          <p:sp>
+            <p:nvSpPr>
+              <p:cNvPr id="4" name="Retângulo 3">
+                <a:extLst>
+                  <a:ext uri="{FF2B5EF4-FFF2-40B4-BE49-F238E27FC236}">
+                    <a16:creationId xmlns:a16="http://schemas.microsoft.com/office/drawing/2014/main" id="{B4592494-1416-AE9A-9FC6-CCF47C8CBBEC}"/>
+                  </a:ext>
+                </a:extLst>
+              </p:cNvPr>
+              <p:cNvSpPr/>
+              <p:nvPr/>
+            </p:nvSpPr>
+            <p:spPr>
+              <a:xfrm>
+                <a:off x="4986103" y="1065608"/>
+                <a:ext cx="2345084" cy="430887"/>
+              </a:xfrm>
+              <a:prstGeom prst="rect">
+                <a:avLst/>
+              </a:prstGeom>
+            </p:spPr>
+            <p:txBody>
+              <a:bodyPr wrap="square">
+                <a:spAutoFit/>
+              </a:bodyPr>
+              <a:lstStyle/>
+              <a:p>
+                <a:pPr algn="just"/>
+                <a:r>
+                  <a:rPr lang="en-US" sz="2200" dirty="0">
+                    <a:latin typeface="Cambria Math" panose="02040503050406030204" pitchFamily="18" charset="0"/>
+                    <a:ea typeface="Cambria Math" panose="02040503050406030204" pitchFamily="18" charset="0"/>
+                  </a:rPr>
+                  <a:t>Quando </a:t>
+                </a:r>
+                <a14:m>
+                  <m:oMath xmlns:m="http://schemas.openxmlformats.org/officeDocument/2006/math">
+                    <m:r>
+                      <a:rPr lang="en-US" sz="2200" b="0" i="1" smtClean="0">
+                        <a:latin typeface="Cambria Math" panose="02040503050406030204" pitchFamily="18" charset="0"/>
+                        <a:ea typeface="Cambria Math" panose="02040503050406030204" pitchFamily="18" charset="0"/>
+                      </a:rPr>
+                      <m:t>𝑥</m:t>
+                    </m:r>
+                    <m:r>
+                      <a:rPr lang="en-US" sz="2200" b="0" i="1" smtClean="0">
+                        <a:latin typeface="Cambria Math" panose="02040503050406030204" pitchFamily="18" charset="0"/>
+                        <a:ea typeface="Cambria Math" panose="02040503050406030204" pitchFamily="18" charset="0"/>
+                      </a:rPr>
+                      <m:t>=1</m:t>
+                    </m:r>
+                  </m:oMath>
+                </a14:m>
+                <a:endParaRPr lang="en-US" sz="2200" b="0" dirty="0">
+                  <a:latin typeface="Cambria Math" panose="02040503050406030204" pitchFamily="18" charset="0"/>
+                  <a:ea typeface="Cambria Math" panose="02040503050406030204" pitchFamily="18" charset="0"/>
+                </a:endParaRPr>
+              </a:p>
+            </p:txBody>
+          </p:sp>
+        </mc:Choice>
+        <mc:Fallback>
+          <p:sp>
+            <p:nvSpPr>
+              <p:cNvPr id="4" name="Retângulo 3">
+                <a:extLst>
+                  <a:ext uri="{FF2B5EF4-FFF2-40B4-BE49-F238E27FC236}">
+                    <a16:creationId xmlns:a16="http://schemas.microsoft.com/office/drawing/2014/main" id="{B4592494-1416-AE9A-9FC6-CCF47C8CBBEC}"/>
+                  </a:ext>
+                </a:extLst>
+              </p:cNvPr>
+              <p:cNvSpPr>
+                <a:spLocks noRot="1" noChangeAspect="1" noMove="1" noResize="1" noEditPoints="1" noAdjustHandles="1" noChangeArrowheads="1" noChangeShapeType="1" noTextEdit="1"/>
+              </p:cNvSpPr>
+              <p:nvPr/>
+            </p:nvSpPr>
+            <p:spPr>
+              <a:xfrm>
+                <a:off x="4986103" y="1065608"/>
+                <a:ext cx="2345084" cy="430887"/>
+              </a:xfrm>
+              <a:prstGeom prst="rect">
+                <a:avLst/>
+              </a:prstGeom>
+              <a:blipFill>
+                <a:blip r:embed="rId4"/>
+                <a:stretch>
+                  <a:fillRect l="-3377" t="-10000" b="-28571"/>
+                </a:stretch>
+              </a:blipFill>
+            </p:spPr>
+            <p:txBody>
+              <a:bodyPr/>
+              <a:lstStyle/>
+              <a:p>
+                <a:r>
+                  <a:rPr lang="pt-BR">
+                    <a:noFill/>
+                  </a:rPr>
+                  <a:t> </a:t>
+                </a:r>
+              </a:p>
+            </p:txBody>
+          </p:sp>
+        </mc:Fallback>
+      </mc:AlternateContent>
+      <p:pic>
+        <p:nvPicPr>
+          <p:cNvPr id="7" name="Imagem 6" descr="Gráfico, Gráfico de linhas&#10;&#10;Descrição gerada automaticamente">
+            <a:extLst>
+              <a:ext uri="{FF2B5EF4-FFF2-40B4-BE49-F238E27FC236}">
+                <a16:creationId xmlns:a16="http://schemas.microsoft.com/office/drawing/2014/main" id="{AA525163-CB5B-F823-B35E-95CE1D66B60A}"/>
+              </a:ext>
+            </a:extLst>
+          </p:cNvPr>
+          <p:cNvPicPr>
+            <a:picLocks noChangeAspect="1"/>
+          </p:cNvPicPr>
+          <p:nvPr/>
+        </p:nvPicPr>
+        <p:blipFill>
+          <a:blip r:embed="rId5"/>
+          <a:stretch>
+            <a:fillRect/>
+          </a:stretch>
+        </p:blipFill>
+        <p:spPr>
+          <a:xfrm>
+            <a:off x="1062001" y="1496495"/>
+            <a:ext cx="7020000" cy="4680000"/>
+          </a:xfrm>
+          <a:prstGeom prst="rect">
+            <a:avLst/>
+          </a:prstGeom>
+        </p:spPr>
+      </p:pic>
+    </p:spTree>
+    <p:custDataLst>
+      <p:tags r:id="rId1"/>
+    </p:custDataLst>
+    <p:extLst>
+      <p:ext uri="{BB962C8B-B14F-4D97-AF65-F5344CB8AC3E}">
+        <p14:creationId xmlns:p14="http://schemas.microsoft.com/office/powerpoint/2010/main" val="62508892"/>
+      </p:ext>
+    </p:extLst>
+  </p:cSld>
+  <p:clrMapOvr>
+    <a:masterClrMapping/>
+  </p:clrMapOvr>
+  <p:timing>
+    <p:tnLst>
+      <p:par>
+        <p:cTn id="1" dur="indefinite" restart="never" nodeType="tmRoot">
+          <p:childTnLst>
+            <p:seq concurrent="1" nextAc="seek">
+              <p:cTn id="2" dur="indefinite" nodeType="mainSeq">
+                <p:childTnLst>
+                  <p:par>
+                    <p:cTn id="3" fill="hold">
+                      <p:stCondLst>
+                        <p:cond delay="indefinite"/>
+                      </p:stCondLst>
+                      <p:childTnLst>
+                        <p:par>
+                          <p:cTn id="4" fill="hold">
+                            <p:stCondLst>
+                              <p:cond delay="0"/>
+                            </p:stCondLst>
+                            <p:childTnLst>
+                              <p:par>
+                                <p:cTn id="5" presetID="10" presetClass="entr" presetSubtype="0" fill="hold" grpId="0" nodeType="clickEffect">
+                                  <p:stCondLst>
+                                    <p:cond delay="0"/>
+                                  </p:stCondLst>
+                                  <p:childTnLst>
+                                    <p:set>
+                                      <p:cBhvr>
+                                        <p:cTn id="6" dur="1" fill="hold">
+                                          <p:stCondLst>
+                                            <p:cond delay="0"/>
+                                          </p:stCondLst>
+                                        </p:cTn>
+                                        <p:tgtEl>
+                                          <p:spTgt spid="4"/>
+                                        </p:tgtEl>
+                                        <p:attrNameLst>
+                                          <p:attrName>style.visibility</p:attrName>
+                                        </p:attrNameLst>
+                                      </p:cBhvr>
+                                      <p:to>
+                                        <p:strVal val="visible"/>
+                                      </p:to>
+                                    </p:set>
+                                    <p:animEffect transition="in" filter="fade">
+                                      <p:cBhvr>
+                                        <p:cTn id="7" dur="500"/>
+                                        <p:tgtEl>
+                                          <p:spTgt spid="4"/>
+                                        </p:tgtEl>
+                                      </p:cBhvr>
+                                    </p:animEffect>
+                                  </p:childTnLst>
+                                </p:cTn>
+                              </p:par>
+                            </p:childTnLst>
+                          </p:cTn>
+                        </p:par>
+                      </p:childTnLst>
+                    </p:cTn>
+                  </p:par>
+                </p:childTnLst>
+              </p:cTn>
+              <p:prevCondLst>
+                <p:cond evt="onPrev" delay="0">
+                  <p:tgtEl>
+                    <p:sldTgt/>
+                  </p:tgtEl>
+                </p:cond>
+              </p:prevCondLst>
+              <p:nextCondLst>
+                <p:cond evt="onNext" delay="0">
+                  <p:tgtEl>
+                    <p:sldTgt/>
+                  </p:tgtEl>
+                </p:cond>
+              </p:nextCondLst>
+            </p:seq>
+          </p:childTnLst>
+        </p:cTn>
+      </p:par>
+    </p:tnLst>
+    <p:bldLst>
+      <p:bldP spid="4" grpId="0"/>
+    </p:bldLst>
+  </p:timing>
+</p:sld>
+</file>
+
+<file path=ppt/slides/slide8.xml><?xml version="1.0" encoding="utf-8"?>
+<p:sld xmlns:a="http://schemas.openxmlformats.org/drawingml/2006/main" xmlns:r="http://schemas.openxmlformats.org/officeDocument/2006/relationships" xmlns:p="http://schemas.openxmlformats.org/presentationml/2006/main">
+  <p:cSld>
+    <p:spTree>
+      <p:nvGrpSpPr>
+        <p:cNvPr id="1" name=""/>
+        <p:cNvGrpSpPr/>
+        <p:nvPr/>
+      </p:nvGrpSpPr>
+      <p:grpSpPr>
+        <a:xfrm>
+          <a:off x="0" y="0"/>
+          <a:ext cx="0" cy="0"/>
+          <a:chOff x="0" y="0"/>
+          <a:chExt cx="0" cy="0"/>
+        </a:xfrm>
+      </p:grpSpPr>
+      <p:sp>
+        <p:nvSpPr>
+          <p:cNvPr id="3" name="CaixaDeTexto 2"/>
+          <p:cNvSpPr txBox="1"/>
+          <p:nvPr/>
+        </p:nvSpPr>
+        <p:spPr>
+          <a:xfrm>
+            <a:off x="292608" y="240405"/>
+            <a:ext cx="1306448" cy="461665"/>
+          </a:xfrm>
+          <a:prstGeom prst="rect">
+            <a:avLst/>
+          </a:prstGeom>
+          <a:noFill/>
+        </p:spPr>
+        <p:txBody>
+          <a:bodyPr wrap="none" rtlCol="0">
+            <a:spAutoFit/>
+          </a:bodyPr>
+          <a:lstStyle/>
+          <a:p>
+            <a:r>
+              <a:rPr lang="pt-BR" sz="2400" b="1" dirty="0">
+                <a:solidFill>
+                  <a:srgbClr val="FF0000"/>
+                </a:solidFill>
+                <a:latin typeface="Cambria Math" panose="02040503050406030204" pitchFamily="18" charset="0"/>
+                <a:ea typeface="Cambria Math" panose="02040503050406030204" pitchFamily="18" charset="0"/>
+              </a:rPr>
+              <a:t>Exemplo</a:t>
+            </a:r>
+          </a:p>
+        </p:txBody>
+      </p:sp>
+      <mc:AlternateContent xmlns:mc="http://schemas.openxmlformats.org/markup-compatibility/2006" xmlns:a14="http://schemas.microsoft.com/office/drawing/2010/main">
+        <mc:Choice Requires="a14">
+          <p:sp>
+            <p:nvSpPr>
+              <p:cNvPr id="2" name="CaixaDeTexto 1">
+                <a:extLst>
+                  <a:ext uri="{FF2B5EF4-FFF2-40B4-BE49-F238E27FC236}">
+                    <a16:creationId xmlns:a16="http://schemas.microsoft.com/office/drawing/2014/main" id="{51A5F16D-9446-8B12-E280-836A42F986E4}"/>
+                  </a:ext>
+                </a:extLst>
+              </p:cNvPr>
+              <p:cNvSpPr txBox="1"/>
+              <p:nvPr/>
+            </p:nvSpPr>
+            <p:spPr>
+              <a:xfrm>
+                <a:off x="656492" y="961155"/>
+                <a:ext cx="3501407" cy="755528"/>
+              </a:xfrm>
+              <a:prstGeom prst="rect">
+                <a:avLst/>
+              </a:prstGeom>
+              <a:noFill/>
+            </p:spPr>
+            <p:txBody>
+              <a:bodyPr wrap="none" lIns="0" tIns="0" rIns="0" bIns="0" rtlCol="0">
+                <a:spAutoFit/>
+              </a:bodyPr>
+              <a:lstStyle/>
+              <a:p>
+                <a:pPr/>
+                <a14:m>
+                  <m:oMathPara xmlns:m="http://schemas.openxmlformats.org/officeDocument/2006/math">
+                    <m:oMathParaPr>
+                      <m:jc m:val="centerGroup"/>
+                    </m:oMathParaPr>
+                    <m:oMath xmlns:m="http://schemas.openxmlformats.org/officeDocument/2006/math">
+                      <m:nary>
+                        <m:naryPr>
+                          <m:chr m:val="∑"/>
+                          <m:ctrlPr>
+                            <a:rPr lang="pt-BR" i="1" smtClean="0">
+                              <a:latin typeface="Cambria Math" panose="02040503050406030204" pitchFamily="18" charset="0"/>
+                              <a:ea typeface="Cambria Math" panose="02040503050406030204" pitchFamily="18" charset="0"/>
+                            </a:rPr>
+                          </m:ctrlPr>
+                        </m:naryPr>
+                        <m:sub>
+                          <m:r>
+                            <m:rPr>
+                              <m:brk m:alnAt="23"/>
+                            </m:rPr>
+                            <a:rPr lang="pt-BR" i="1">
+                              <a:latin typeface="Cambria Math" panose="02040503050406030204" pitchFamily="18" charset="0"/>
+                              <a:ea typeface="Cambria Math" panose="02040503050406030204" pitchFamily="18" charset="0"/>
+                            </a:rPr>
+                            <m:t>𝑛</m:t>
+                          </m:r>
+                          <m:r>
+                            <a:rPr lang="pt-BR" i="1">
+                              <a:latin typeface="Cambria Math" panose="02040503050406030204" pitchFamily="18" charset="0"/>
+                              <a:ea typeface="Cambria Math" panose="02040503050406030204" pitchFamily="18" charset="0"/>
+                            </a:rPr>
+                            <m:t>=0</m:t>
+                          </m:r>
+                        </m:sub>
+                        <m:sup>
+                          <m:r>
+                            <a:rPr lang="pt-BR" i="1">
+                              <a:latin typeface="Cambria Math" panose="02040503050406030204" pitchFamily="18" charset="0"/>
+                              <a:ea typeface="Cambria Math" panose="02040503050406030204" pitchFamily="18" charset="0"/>
+                            </a:rPr>
+                            <m:t>∞</m:t>
+                          </m:r>
+                        </m:sup>
+                        <m:e>
+                          <m:sSup>
+                            <m:sSupPr>
+                              <m:ctrlPr>
+                                <a:rPr lang="pt-BR" i="1">
+                                  <a:latin typeface="Cambria Math" panose="02040503050406030204" pitchFamily="18" charset="0"/>
+                                  <a:ea typeface="Cambria Math" panose="02040503050406030204" pitchFamily="18" charset="0"/>
+                                </a:rPr>
+                              </m:ctrlPr>
+                            </m:sSupPr>
+                            <m:e>
+                              <m:r>
+                                <a:rPr lang="pt-BR" i="1">
+                                  <a:latin typeface="Cambria Math" panose="02040503050406030204" pitchFamily="18" charset="0"/>
+                                  <a:ea typeface="Cambria Math" panose="02040503050406030204" pitchFamily="18" charset="0"/>
+                                </a:rPr>
+                                <m:t>𝑥</m:t>
+                              </m:r>
+                            </m:e>
+                            <m:sup>
+                              <m:r>
+                                <a:rPr lang="pt-BR" i="1">
+                                  <a:latin typeface="Cambria Math" panose="02040503050406030204" pitchFamily="18" charset="0"/>
+                                  <a:ea typeface="Cambria Math" panose="02040503050406030204" pitchFamily="18" charset="0"/>
+                                </a:rPr>
+                                <m:t>𝑛</m:t>
+                              </m:r>
+                            </m:sup>
+                          </m:sSup>
+                        </m:e>
+                      </m:nary>
+                      <m:r>
+                        <a:rPr lang="pt-BR" i="1">
+                          <a:latin typeface="Cambria Math" panose="02040503050406030204" pitchFamily="18" charset="0"/>
+                          <a:ea typeface="Cambria Math" panose="02040503050406030204" pitchFamily="18" charset="0"/>
+                        </a:rPr>
+                        <m:t>=</m:t>
+                      </m:r>
+                      <m:r>
+                        <a:rPr lang="en-US" b="0" i="1" smtClean="0">
+                          <a:latin typeface="Cambria Math" panose="02040503050406030204" pitchFamily="18" charset="0"/>
+                          <a:ea typeface="Cambria Math" panose="02040503050406030204" pitchFamily="18" charset="0"/>
+                        </a:rPr>
+                        <m:t>1</m:t>
+                      </m:r>
+                      <m:r>
+                        <a:rPr lang="pt-BR" i="1">
+                          <a:latin typeface="Cambria Math" panose="02040503050406030204" pitchFamily="18" charset="0"/>
+                          <a:ea typeface="Cambria Math" panose="02040503050406030204" pitchFamily="18" charset="0"/>
+                        </a:rPr>
+                        <m:t>+</m:t>
+                      </m:r>
+                      <m:r>
+                        <a:rPr lang="en-US" i="1">
+                          <a:latin typeface="Cambria Math" panose="02040503050406030204" pitchFamily="18" charset="0"/>
+                          <a:ea typeface="Cambria Math" panose="02040503050406030204" pitchFamily="18" charset="0"/>
+                        </a:rPr>
+                        <m:t>𝑥</m:t>
+                      </m:r>
+                      <m:r>
+                        <a:rPr lang="pt-BR" i="1">
+                          <a:latin typeface="Cambria Math" panose="02040503050406030204" pitchFamily="18" charset="0"/>
+                          <a:ea typeface="Cambria Math" panose="02040503050406030204" pitchFamily="18" charset="0"/>
+                        </a:rPr>
+                        <m:t>+</m:t>
+                      </m:r>
+                      <m:sSup>
+                        <m:sSupPr>
+                          <m:ctrlPr>
+                            <a:rPr lang="pt-BR" i="1">
+                              <a:latin typeface="Cambria Math" panose="02040503050406030204" pitchFamily="18" charset="0"/>
+                              <a:ea typeface="Cambria Math" panose="02040503050406030204" pitchFamily="18" charset="0"/>
+                            </a:rPr>
+                          </m:ctrlPr>
+                        </m:sSupPr>
+                        <m:e>
+                          <m:r>
+                            <a:rPr lang="pt-BR" i="1">
+                              <a:latin typeface="Cambria Math" panose="02040503050406030204" pitchFamily="18" charset="0"/>
+                              <a:ea typeface="Cambria Math" panose="02040503050406030204" pitchFamily="18" charset="0"/>
+                            </a:rPr>
+                            <m:t>𝑥</m:t>
+                          </m:r>
+                        </m:e>
+                        <m:sup>
+                          <m:r>
+                            <a:rPr lang="en-US" i="1">
+                              <a:latin typeface="Cambria Math" panose="02040503050406030204" pitchFamily="18" charset="0"/>
+                              <a:ea typeface="Cambria Math" panose="02040503050406030204" pitchFamily="18" charset="0"/>
+                            </a:rPr>
+                            <m:t>2</m:t>
+                          </m:r>
+                        </m:sup>
+                      </m:sSup>
+                      <m:r>
+                        <a:rPr lang="pt-BR" i="1">
+                          <a:latin typeface="Cambria Math" panose="02040503050406030204" pitchFamily="18" charset="0"/>
+                          <a:ea typeface="Cambria Math" panose="02040503050406030204" pitchFamily="18" charset="0"/>
+                        </a:rPr>
+                        <m:t>+…+</m:t>
+                      </m:r>
+                      <m:sSup>
+                        <m:sSupPr>
+                          <m:ctrlPr>
+                            <a:rPr lang="pt-BR" i="1">
+                              <a:latin typeface="Cambria Math" panose="02040503050406030204" pitchFamily="18" charset="0"/>
+                              <a:ea typeface="Cambria Math" panose="02040503050406030204" pitchFamily="18" charset="0"/>
+                            </a:rPr>
+                          </m:ctrlPr>
+                        </m:sSupPr>
+                        <m:e>
+                          <m:r>
+                            <a:rPr lang="pt-BR" i="1">
+                              <a:latin typeface="Cambria Math" panose="02040503050406030204" pitchFamily="18" charset="0"/>
+                              <a:ea typeface="Cambria Math" panose="02040503050406030204" pitchFamily="18" charset="0"/>
+                            </a:rPr>
+                            <m:t>𝑥</m:t>
+                          </m:r>
+                        </m:e>
+                        <m:sup>
+                          <m:r>
+                            <a:rPr lang="pt-BR" i="1">
+                              <a:latin typeface="Cambria Math" panose="02040503050406030204" pitchFamily="18" charset="0"/>
+                              <a:ea typeface="Cambria Math" panose="02040503050406030204" pitchFamily="18" charset="0"/>
+                            </a:rPr>
+                            <m:t>𝑛</m:t>
+                          </m:r>
+                        </m:sup>
+                      </m:sSup>
+                      <m:r>
+                        <a:rPr lang="pt-BR" i="1">
+                          <a:latin typeface="Cambria Math" panose="02040503050406030204" pitchFamily="18" charset="0"/>
+                          <a:ea typeface="Cambria Math" panose="02040503050406030204" pitchFamily="18" charset="0"/>
+                        </a:rPr>
+                        <m:t>+…</m:t>
+                      </m:r>
+                    </m:oMath>
+                  </m:oMathPara>
+                </a14:m>
+                <a:endParaRPr lang="pt-BR" dirty="0"/>
+              </a:p>
+            </p:txBody>
+          </p:sp>
+        </mc:Choice>
+        <mc:Fallback xmlns="">
+          <p:sp>
+            <p:nvSpPr>
+              <p:cNvPr id="2" name="CaixaDeTexto 1">
+                <a:extLst>
+                  <a:ext uri="{FF2B5EF4-FFF2-40B4-BE49-F238E27FC236}">
+                    <a16:creationId xmlns:a16="http://schemas.microsoft.com/office/drawing/2014/main" id="{51A5F16D-9446-8B12-E280-836A42F986E4}"/>
+                  </a:ext>
+                </a:extLst>
+              </p:cNvPr>
+              <p:cNvSpPr txBox="1">
+                <a:spLocks noRot="1" noChangeAspect="1" noMove="1" noResize="1" noEditPoints="1" noAdjustHandles="1" noChangeArrowheads="1" noChangeShapeType="1" noTextEdit="1"/>
+              </p:cNvSpPr>
+              <p:nvPr/>
+            </p:nvSpPr>
+            <p:spPr>
+              <a:xfrm>
+                <a:off x="656492" y="961155"/>
+                <a:ext cx="3501407" cy="755528"/>
+              </a:xfrm>
+              <a:prstGeom prst="rect">
+                <a:avLst/>
+              </a:prstGeom>
+              <a:blipFill>
+                <a:blip r:embed="rId3"/>
+                <a:stretch>
+                  <a:fillRect/>
+                </a:stretch>
+              </a:blipFill>
+            </p:spPr>
+            <p:txBody>
+              <a:bodyPr/>
+              <a:lstStyle/>
+              <a:p>
+                <a:r>
+                  <a:rPr lang="pt-BR">
+                    <a:noFill/>
+                  </a:rPr>
+                  <a:t> </a:t>
+                </a:r>
+              </a:p>
+            </p:txBody>
+          </p:sp>
+        </mc:Fallback>
+      </mc:AlternateContent>
+      <mc:AlternateContent xmlns:mc="http://schemas.openxmlformats.org/markup-compatibility/2006">
+        <mc:Choice xmlns:a14="http://schemas.microsoft.com/office/drawing/2010/main" Requires="a14">
+          <p:sp>
+            <p:nvSpPr>
+              <p:cNvPr id="4" name="Retângulo 3">
+                <a:extLst>
+                  <a:ext uri="{FF2B5EF4-FFF2-40B4-BE49-F238E27FC236}">
+                    <a16:creationId xmlns:a16="http://schemas.microsoft.com/office/drawing/2014/main" id="{B4592494-1416-AE9A-9FC6-CCF47C8CBBEC}"/>
+                  </a:ext>
+                </a:extLst>
+              </p:cNvPr>
+              <p:cNvSpPr/>
+              <p:nvPr/>
+            </p:nvSpPr>
+            <p:spPr>
+              <a:xfrm>
+                <a:off x="4986103" y="1065608"/>
+                <a:ext cx="2345084" cy="430887"/>
+              </a:xfrm>
+              <a:prstGeom prst="rect">
+                <a:avLst/>
+              </a:prstGeom>
+            </p:spPr>
+            <p:txBody>
+              <a:bodyPr wrap="square">
+                <a:spAutoFit/>
+              </a:bodyPr>
+              <a:lstStyle/>
+              <a:p>
+                <a:pPr algn="just"/>
+                <a:r>
+                  <a:rPr lang="en-US" sz="2200" dirty="0">
+                    <a:latin typeface="Cambria Math" panose="02040503050406030204" pitchFamily="18" charset="0"/>
+                    <a:ea typeface="Cambria Math" panose="02040503050406030204" pitchFamily="18" charset="0"/>
+                  </a:rPr>
+                  <a:t>Quando </a:t>
+                </a:r>
+                <a14:m>
+                  <m:oMath xmlns:m="http://schemas.openxmlformats.org/officeDocument/2006/math">
+                    <m:r>
+                      <a:rPr lang="en-US" sz="2200" b="0" i="1" smtClean="0">
+                        <a:latin typeface="Cambria Math" panose="02040503050406030204" pitchFamily="18" charset="0"/>
+                        <a:ea typeface="Cambria Math" panose="02040503050406030204" pitchFamily="18" charset="0"/>
+                      </a:rPr>
+                      <m:t>𝑥</m:t>
+                    </m:r>
+                    <m:r>
+                      <a:rPr lang="en-US" sz="2200" b="0" i="1" smtClean="0">
+                        <a:latin typeface="Cambria Math" panose="02040503050406030204" pitchFamily="18" charset="0"/>
+                        <a:ea typeface="Cambria Math" panose="02040503050406030204" pitchFamily="18" charset="0"/>
+                      </a:rPr>
+                      <m:t>=1,3</m:t>
+                    </m:r>
+                  </m:oMath>
+                </a14:m>
+                <a:endParaRPr lang="en-US" sz="2200" b="0">
+                  <a:latin typeface="Cambria Math" panose="02040503050406030204" pitchFamily="18" charset="0"/>
+                  <a:ea typeface="Cambria Math" panose="02040503050406030204" pitchFamily="18" charset="0"/>
+                </a:endParaRPr>
+              </a:p>
+            </p:txBody>
+          </p:sp>
+        </mc:Choice>
+        <mc:Fallback>
+          <p:sp>
+            <p:nvSpPr>
+              <p:cNvPr id="4" name="Retângulo 3">
+                <a:extLst>
+                  <a:ext uri="{FF2B5EF4-FFF2-40B4-BE49-F238E27FC236}">
+                    <a16:creationId xmlns:a16="http://schemas.microsoft.com/office/drawing/2014/main" id="{B4592494-1416-AE9A-9FC6-CCF47C8CBBEC}"/>
+                  </a:ext>
+                </a:extLst>
+              </p:cNvPr>
+              <p:cNvSpPr>
+                <a:spLocks noRot="1" noChangeAspect="1" noMove="1" noResize="1" noEditPoints="1" noAdjustHandles="1" noChangeArrowheads="1" noChangeShapeType="1" noTextEdit="1"/>
+              </p:cNvSpPr>
+              <p:nvPr/>
+            </p:nvSpPr>
+            <p:spPr>
+              <a:xfrm>
+                <a:off x="4986103" y="1065608"/>
+                <a:ext cx="2345084" cy="430887"/>
+              </a:xfrm>
+              <a:prstGeom prst="rect">
+                <a:avLst/>
+              </a:prstGeom>
+              <a:blipFill>
+                <a:blip r:embed="rId4"/>
+                <a:stretch>
+                  <a:fillRect l="-3377" t="-10000" b="-28571"/>
+                </a:stretch>
+              </a:blipFill>
+            </p:spPr>
+            <p:txBody>
+              <a:bodyPr/>
+              <a:lstStyle/>
+              <a:p>
+                <a:r>
+                  <a:rPr lang="pt-BR">
+                    <a:noFill/>
+                  </a:rPr>
+                  <a:t> </a:t>
+                </a:r>
+              </a:p>
+            </p:txBody>
+          </p:sp>
+        </mc:Fallback>
+      </mc:AlternateContent>
+      <p:pic>
+        <p:nvPicPr>
+          <p:cNvPr id="7" name="Imagem 6" descr="Gráfico, Gráfico de linhas&#10;&#10;Descrição gerada automaticamente">
+            <a:extLst>
+              <a:ext uri="{FF2B5EF4-FFF2-40B4-BE49-F238E27FC236}">
+                <a16:creationId xmlns:a16="http://schemas.microsoft.com/office/drawing/2014/main" id="{350F77D3-59BA-11C1-68D7-AD88CDA585EF}"/>
+              </a:ext>
+            </a:extLst>
+          </p:cNvPr>
+          <p:cNvPicPr>
+            <a:picLocks noChangeAspect="1"/>
+          </p:cNvPicPr>
+          <p:nvPr/>
+        </p:nvPicPr>
+        <p:blipFill>
+          <a:blip r:embed="rId5"/>
+          <a:stretch>
+            <a:fillRect/>
+          </a:stretch>
+        </p:blipFill>
+        <p:spPr>
+          <a:xfrm>
+            <a:off x="1062001" y="1496495"/>
+            <a:ext cx="7020000" cy="4680000"/>
+          </a:xfrm>
+          <a:prstGeom prst="rect">
+            <a:avLst/>
+          </a:prstGeom>
+        </p:spPr>
+      </p:pic>
+    </p:spTree>
+    <p:custDataLst>
+      <p:tags r:id="rId1"/>
+    </p:custDataLst>
+    <p:extLst>
+      <p:ext uri="{BB962C8B-B14F-4D97-AF65-F5344CB8AC3E}">
+        <p14:creationId xmlns:p14="http://schemas.microsoft.com/office/powerpoint/2010/main" val="1312941090"/>
+      </p:ext>
+    </p:extLst>
+  </p:cSld>
+  <p:clrMapOvr>
+    <a:masterClrMapping/>
+  </p:clrMapOvr>
+  <p:timing>
+    <p:tnLst>
+      <p:par>
+        <p:cTn id="1" dur="indefinite" restart="never" nodeType="tmRoot">
+          <p:childTnLst>
+            <p:seq concurrent="1" nextAc="seek">
+              <p:cTn id="2" dur="indefinite" nodeType="mainSeq">
+                <p:childTnLst>
+                  <p:par>
+                    <p:cTn id="3" fill="hold">
+                      <p:stCondLst>
+                        <p:cond delay="indefinite"/>
+                      </p:stCondLst>
+                      <p:childTnLst>
+                        <p:par>
+                          <p:cTn id="4" fill="hold">
+                            <p:stCondLst>
+                              <p:cond delay="0"/>
+                            </p:stCondLst>
+                            <p:childTnLst>
+                              <p:par>
+                                <p:cTn id="5" presetID="10" presetClass="entr" presetSubtype="0" fill="hold" grpId="0" nodeType="clickEffect">
+                                  <p:stCondLst>
+                                    <p:cond delay="0"/>
+                                  </p:stCondLst>
+                                  <p:childTnLst>
+                                    <p:set>
+                                      <p:cBhvr>
+                                        <p:cTn id="6" dur="1" fill="hold">
+                                          <p:stCondLst>
+                                            <p:cond delay="0"/>
+                                          </p:stCondLst>
+                                        </p:cTn>
+                                        <p:tgtEl>
+                                          <p:spTgt spid="4"/>
+                                        </p:tgtEl>
+                                        <p:attrNameLst>
+                                          <p:attrName>style.visibility</p:attrName>
+                                        </p:attrNameLst>
+                                      </p:cBhvr>
+                                      <p:to>
+                                        <p:strVal val="visible"/>
+                                      </p:to>
+                                    </p:set>
+                                    <p:animEffect transition="in" filter="fade">
+                                      <p:cBhvr>
+                                        <p:cTn id="7" dur="500"/>
+                                        <p:tgtEl>
+                                          <p:spTgt spid="4"/>
+                                        </p:tgtEl>
+                                      </p:cBhvr>
+                                    </p:animEffect>
+                                  </p:childTnLst>
+                                </p:cTn>
+                              </p:par>
+                            </p:childTnLst>
+                          </p:cTn>
+                        </p:par>
+                      </p:childTnLst>
+                    </p:cTn>
+                  </p:par>
+                </p:childTnLst>
+              </p:cTn>
+              <p:prevCondLst>
+                <p:cond evt="onPrev" delay="0">
+                  <p:tgtEl>
+                    <p:sldTgt/>
+                  </p:tgtEl>
+                </p:cond>
+              </p:prevCondLst>
+              <p:nextCondLst>
+                <p:cond evt="onNext" delay="0">
+                  <p:tgtEl>
+                    <p:sldTgt/>
+                  </p:tgtEl>
+                </p:cond>
+              </p:nextCondLst>
+            </p:seq>
+          </p:childTnLst>
+        </p:cTn>
+      </p:par>
+    </p:tnLst>
+    <p:bldLst>
+      <p:bldP spid="4" grpId="0"/>
+    </p:bldLst>
+  </p:timing>
+</p:sld>
+</file>
+
 <file path=ppt/tags/tag1.xml><?xml version="1.0" encoding="utf-8"?>
 <p:tagLst xmlns:a="http://schemas.openxmlformats.org/drawingml/2006/main" xmlns:r="http://schemas.openxmlformats.org/officeDocument/2006/relationships" xmlns:p="http://schemas.openxmlformats.org/presentationml/2006/main">
   <p:tag name="TIMING" val="|6.2|7.7|10.3|7.1|5.5"/>
@@ -6081,6 +8442,30 @@
 </file>
 
 <file path=ppt/tags/tag3.xml><?xml version="1.0" encoding="utf-8"?>
+<p:tagLst xmlns:a="http://schemas.openxmlformats.org/drawingml/2006/main" xmlns:r="http://schemas.openxmlformats.org/officeDocument/2006/relationships" xmlns:p="http://schemas.openxmlformats.org/presentationml/2006/main">
+  <p:tag name="TIMING" val="|6.2|7.7|10.3|7.1|5.5"/>
+</p:tagLst>
+</file>
+
+<file path=ppt/tags/tag4.xml><?xml version="1.0" encoding="utf-8"?>
+<p:tagLst xmlns:a="http://schemas.openxmlformats.org/drawingml/2006/main" xmlns:r="http://schemas.openxmlformats.org/officeDocument/2006/relationships" xmlns:p="http://schemas.openxmlformats.org/presentationml/2006/main">
+  <p:tag name="TIMING" val="|6.2|7.7|10.3|7.1|5.5"/>
+</p:tagLst>
+</file>
+
+<file path=ppt/tags/tag5.xml><?xml version="1.0" encoding="utf-8"?>
+<p:tagLst xmlns:a="http://schemas.openxmlformats.org/drawingml/2006/main" xmlns:r="http://schemas.openxmlformats.org/officeDocument/2006/relationships" xmlns:p="http://schemas.openxmlformats.org/presentationml/2006/main">
+  <p:tag name="TIMING" val="|6.2|7.7|10.3|7.1|5.5"/>
+</p:tagLst>
+</file>
+
+<file path=ppt/tags/tag6.xml><?xml version="1.0" encoding="utf-8"?>
+<p:tagLst xmlns:a="http://schemas.openxmlformats.org/drawingml/2006/main" xmlns:r="http://schemas.openxmlformats.org/officeDocument/2006/relationships" xmlns:p="http://schemas.openxmlformats.org/presentationml/2006/main">
+  <p:tag name="TIMING" val="|6.2|7.7|10.3|7.1|5.5"/>
+</p:tagLst>
+</file>
+
+<file path=ppt/tags/tag7.xml><?xml version="1.0" encoding="utf-8"?>
 <p:tagLst xmlns:a="http://schemas.openxmlformats.org/drawingml/2006/main" xmlns:r="http://schemas.openxmlformats.org/officeDocument/2006/relationships" xmlns:p="http://schemas.openxmlformats.org/presentationml/2006/main">
   <p:tag name="TIMING" val="|6.2|7.7|10.3|7.1|5.5"/>
 </p:tagLst>

--- a/Matvar/APS/Séries de Potência.pptx
+++ b/Matvar/APS/Séries de Potência.pptx
@@ -5,10 +5,10 @@
     <p:sldMasterId id="2147483651" r:id="rId1"/>
   </p:sldMasterIdLst>
   <p:notesMasterIdLst>
-    <p:notesMasterId r:id="rId10"/>
+    <p:notesMasterId r:id="rId11"/>
   </p:notesMasterIdLst>
   <p:handoutMasterIdLst>
-    <p:handoutMasterId r:id="rId11"/>
+    <p:handoutMasterId r:id="rId12"/>
   </p:handoutMasterIdLst>
   <p:sldIdLst>
     <p:sldId id="1526" r:id="rId2"/>
@@ -19,6 +19,7 @@
     <p:sldId id="1662" r:id="rId7"/>
     <p:sldId id="1664" r:id="rId8"/>
     <p:sldId id="1663" r:id="rId9"/>
+    <p:sldId id="1665" r:id="rId10"/>
   </p:sldIdLst>
   <p:sldSz cx="9144000" cy="6858000" type="screen4x3"/>
   <p:notesSz cx="6797675" cy="9928225"/>
@@ -163,7 +164,7 @@
 <file path=ppt/revisionInfo.xml><?xml version="1.0" encoding="utf-8"?>
 <p1510:revInfo xmlns:a="http://schemas.openxmlformats.org/drawingml/2006/main" xmlns:r="http://schemas.openxmlformats.org/officeDocument/2006/relationships" xmlns:p1510="http://schemas.microsoft.com/office/powerpoint/2015/10/main">
   <p1510:revLst>
-    <p1510:client id="{0D5EFEB1-8AA6-4329-AEDD-EC20076641CE}" v="151" dt="2022-05-19T01:14:26.236"/>
+    <p1510:client id="{0D5EFEB1-8AA6-4329-AEDD-EC20076641CE}" v="154" dt="2022-05-19T11:58:02.648"/>
   </p1510:revLst>
 </p1510:revInfo>
 </file>
@@ -172,8 +173,8 @@
 <pc:chgInfo xmlns:a="http://schemas.openxmlformats.org/drawingml/2006/main" xmlns:r="http://schemas.openxmlformats.org/officeDocument/2006/relationships" xmlns:ac="http://schemas.microsoft.com/office/drawing/2013/main/command" xmlns:pc="http://schemas.microsoft.com/office/powerpoint/2013/main/command">
   <pc:docChgLst>
     <pc:chgData name="Pedro Ivo" userId="4f6aea6a96d750ea" providerId="LiveId" clId="{0D5EFEB1-8AA6-4329-AEDD-EC20076641CE}"/>
-    <pc:docChg chg="custSel addSld delSld modSld sldOrd">
-      <pc:chgData name="Pedro Ivo" userId="4f6aea6a96d750ea" providerId="LiveId" clId="{0D5EFEB1-8AA6-4329-AEDD-EC20076641CE}" dt="2022-05-19T01:14:26.236" v="276" actId="20577"/>
+    <pc:docChg chg="undo custSel addSld delSld modSld sldOrd">
+      <pc:chgData name="Pedro Ivo" userId="4f6aea6a96d750ea" providerId="LiveId" clId="{0D5EFEB1-8AA6-4329-AEDD-EC20076641CE}" dt="2022-05-19T11:58:04.842" v="285" actId="962"/>
       <pc:docMkLst>
         <pc:docMk/>
       </pc:docMkLst>
@@ -626,6 +627,44 @@
           </ac:picMkLst>
         </pc:picChg>
       </pc:sldChg>
+      <pc:sldChg chg="addSp delSp modSp add mod delAnim">
+        <pc:chgData name="Pedro Ivo" userId="4f6aea6a96d750ea" providerId="LiveId" clId="{0D5EFEB1-8AA6-4329-AEDD-EC20076641CE}" dt="2022-05-19T11:58:04.842" v="285" actId="962"/>
+        <pc:sldMkLst>
+          <pc:docMk/>
+          <pc:sldMk cId="3943509360" sldId="1665"/>
+        </pc:sldMkLst>
+        <pc:spChg chg="del mod">
+          <ac:chgData name="Pedro Ivo" userId="4f6aea6a96d750ea" providerId="LiveId" clId="{0D5EFEB1-8AA6-4329-AEDD-EC20076641CE}" dt="2022-05-19T11:48:36.294" v="282" actId="478"/>
+          <ac:spMkLst>
+            <pc:docMk/>
+            <pc:sldMk cId="3943509360" sldId="1665"/>
+            <ac:spMk id="4" creationId="{B4592494-1416-AE9A-9FC6-CCF47C8CBBEC}"/>
+          </ac:spMkLst>
+        </pc:spChg>
+        <pc:picChg chg="add mod">
+          <ac:chgData name="Pedro Ivo" userId="4f6aea6a96d750ea" providerId="LiveId" clId="{0D5EFEB1-8AA6-4329-AEDD-EC20076641CE}" dt="2022-05-19T11:58:04.842" v="285" actId="962"/>
+          <ac:picMkLst>
+            <pc:docMk/>
+            <pc:sldMk cId="3943509360" sldId="1665"/>
+            <ac:picMk id="6" creationId="{91EEAB5A-D47C-5520-936D-85BFC128201F}"/>
+          </ac:picMkLst>
+        </pc:picChg>
+        <pc:picChg chg="del">
+          <ac:chgData name="Pedro Ivo" userId="4f6aea6a96d750ea" providerId="LiveId" clId="{0D5EFEB1-8AA6-4329-AEDD-EC20076641CE}" dt="2022-05-19T11:48:27.834" v="278" actId="478"/>
+          <ac:picMkLst>
+            <pc:docMk/>
+            <pc:sldMk cId="3943509360" sldId="1665"/>
+            <ac:picMk id="7" creationId="{350F77D3-59BA-11C1-68D7-AD88CDA585EF}"/>
+          </ac:picMkLst>
+        </pc:picChg>
+      </pc:sldChg>
+      <pc:sldChg chg="new del">
+        <pc:chgData name="Pedro Ivo" userId="4f6aea6a96d750ea" providerId="LiveId" clId="{0D5EFEB1-8AA6-4329-AEDD-EC20076641CE}" dt="2022-05-19T11:48:33.879" v="281" actId="680"/>
+        <pc:sldMkLst>
+          <pc:docMk/>
+          <pc:sldMk cId="2659815549" sldId="1666"/>
+        </pc:sldMkLst>
+      </pc:sldChg>
       <pc:sldMasterChg chg="delSldLayout">
         <pc:chgData name="Pedro Ivo" userId="4f6aea6a96d750ea" providerId="LiveId" clId="{0D5EFEB1-8AA6-4329-AEDD-EC20076641CE}" dt="2022-05-18T19:25:56.831" v="177" actId="47"/>
         <pc:sldMasterMkLst>
@@ -747,7 +786,7 @@
           <a:p>
             <a:fld id="{7F3229DB-0D11-4239-B106-355B736614B3}" type="datetimeFigureOut">
               <a:rPr lang="pt-BR" smtClean="0"/>
-              <a:t>18/05/2022</a:t>
+              <a:t>19/05/2022</a:t>
             </a:fld>
             <a:endParaRPr lang="pt-BR"/>
           </a:p>
@@ -912,7 +951,7 @@
           <a:p>
             <a:fld id="{8E9F3387-6852-4167-A065-1B417E5289FE}" type="datetimeFigureOut">
               <a:rPr lang="pt-BR" smtClean="0"/>
-              <a:t>18/05/2022</a:t>
+              <a:t>19/05/2022</a:t>
             </a:fld>
             <a:endParaRPr lang="pt-BR"/>
           </a:p>
@@ -1306,7 +1345,7 @@
             <a:fld id="{F2B7900D-0734-4F15-9F08-6F03FB6F6514}" type="datetimeFigureOut">
               <a:rPr lang="pt-BR" smtClean="0"/>
               <a:pPr/>
-              <a:t>18/05/2022</a:t>
+              <a:t>19/05/2022</a:t>
             </a:fld>
             <a:endParaRPr lang="pt-BR" dirty="0"/>
           </a:p>
@@ -1960,7 +1999,7 @@
           <a:p>
             <a:fld id="{F2B7900D-0734-4F15-9F08-6F03FB6F6514}" type="datetimeFigureOut">
               <a:rPr lang="pt-BR" smtClean="0"/>
-              <a:t>18/05/2022</a:t>
+              <a:t>19/05/2022</a:t>
             </a:fld>
             <a:endParaRPr lang="pt-BR"/>
           </a:p>
@@ -2444,7 +2483,7 @@
           <a:p>
             <a:fld id="{F2B7900D-0734-4F15-9F08-6F03FB6F6514}" type="datetimeFigureOut">
               <a:rPr lang="pt-BR" smtClean="0"/>
-              <a:t>18/05/2022</a:t>
+              <a:t>19/05/2022</a:t>
             </a:fld>
             <a:endParaRPr lang="pt-BR"/>
           </a:p>
@@ -2788,7 +2827,7 @@
           <a:p>
             <a:fld id="{F2B7900D-0734-4F15-9F08-6F03FB6F6514}" type="datetimeFigureOut">
               <a:rPr lang="pt-BR" smtClean="0"/>
-              <a:t>18/05/2022</a:t>
+              <a:t>19/05/2022</a:t>
             </a:fld>
             <a:endParaRPr lang="pt-BR"/>
           </a:p>
@@ -3302,7 +3341,7 @@
           <a:p>
             <a:fld id="{F2B7900D-0734-4F15-9F08-6F03FB6F6514}" type="datetimeFigureOut">
               <a:rPr lang="pt-BR" smtClean="0"/>
-              <a:t>18/05/2022</a:t>
+              <a:t>19/05/2022</a:t>
             </a:fld>
             <a:endParaRPr lang="pt-BR"/>
           </a:p>
@@ -4281,7 +4320,7 @@
             <a:fld id="{F2B7900D-0734-4F15-9F08-6F03FB6F6514}" type="datetimeFigureOut">
               <a:rPr lang="pt-BR" smtClean="0"/>
               <a:pPr/>
-              <a:t>18/05/2022</a:t>
+              <a:t>19/05/2022</a:t>
             </a:fld>
             <a:endParaRPr lang="pt-BR" dirty="0"/>
           </a:p>
@@ -6521,8 +6560,8 @@
           </p:sp>
         </mc:Fallback>
       </mc:AlternateContent>
-      <mc:AlternateContent xmlns:mc="http://schemas.openxmlformats.org/markup-compatibility/2006">
-        <mc:Choice xmlns:a14="http://schemas.microsoft.com/office/drawing/2010/main" Requires="a14">
+      <mc:AlternateContent xmlns:mc="http://schemas.openxmlformats.org/markup-compatibility/2006" xmlns:a14="http://schemas.microsoft.com/office/drawing/2010/main">
+        <mc:Choice Requires="a14">
           <p:sp>
             <p:nvSpPr>
               <p:cNvPr id="4" name="Retângulo 3">
@@ -6584,7 +6623,7 @@
             </p:txBody>
           </p:sp>
         </mc:Choice>
-        <mc:Fallback>
+        <mc:Fallback xmlns="">
           <p:sp>
             <p:nvSpPr>
               <p:cNvPr id="4" name="Retângulo 3">
@@ -7077,8 +7116,8 @@
           </p:sp>
         </mc:Fallback>
       </mc:AlternateContent>
-      <mc:AlternateContent xmlns:mc="http://schemas.openxmlformats.org/markup-compatibility/2006">
-        <mc:Choice xmlns:a14="http://schemas.microsoft.com/office/drawing/2010/main" Requires="a14">
+      <mc:AlternateContent xmlns:mc="http://schemas.openxmlformats.org/markup-compatibility/2006" xmlns:a14="http://schemas.microsoft.com/office/drawing/2010/main">
+        <mc:Choice Requires="a14">
           <p:sp>
             <p:nvSpPr>
               <p:cNvPr id="4" name="Retângulo 3">
@@ -7140,7 +7179,7 @@
             </p:txBody>
           </p:sp>
         </mc:Choice>
-        <mc:Fallback>
+        <mc:Fallback xmlns="">
           <p:sp>
             <p:nvSpPr>
               <p:cNvPr id="4" name="Retângulo 3">
@@ -7633,8 +7672,8 @@
           </p:sp>
         </mc:Fallback>
       </mc:AlternateContent>
-      <mc:AlternateContent xmlns:mc="http://schemas.openxmlformats.org/markup-compatibility/2006">
-        <mc:Choice xmlns:a14="http://schemas.microsoft.com/office/drawing/2010/main" Requires="a14">
+      <mc:AlternateContent xmlns:mc="http://schemas.openxmlformats.org/markup-compatibility/2006" xmlns:a14="http://schemas.microsoft.com/office/drawing/2010/main">
+        <mc:Choice Requires="a14">
           <p:sp>
             <p:nvSpPr>
               <p:cNvPr id="4" name="Retângulo 3">
@@ -7696,7 +7735,7 @@
             </p:txBody>
           </p:sp>
         </mc:Choice>
-        <mc:Fallback>
+        <mc:Fallback xmlns="">
           <p:sp>
             <p:nvSpPr>
               <p:cNvPr id="4" name="Retângulo 3">
@@ -8189,8 +8228,8 @@
           </p:sp>
         </mc:Fallback>
       </mc:AlternateContent>
-      <mc:AlternateContent xmlns:mc="http://schemas.openxmlformats.org/markup-compatibility/2006">
-        <mc:Choice xmlns:a14="http://schemas.microsoft.com/office/drawing/2010/main" Requires="a14">
+      <mc:AlternateContent xmlns:mc="http://schemas.openxmlformats.org/markup-compatibility/2006" xmlns:a14="http://schemas.microsoft.com/office/drawing/2010/main">
+        <mc:Choice Requires="a14">
           <p:sp>
             <p:nvSpPr>
               <p:cNvPr id="4" name="Retângulo 3">
@@ -8252,7 +8291,7 @@
             </p:txBody>
           </p:sp>
         </mc:Choice>
-        <mc:Fallback>
+        <mc:Fallback xmlns="">
           <p:sp>
             <p:nvSpPr>
               <p:cNvPr id="4" name="Retângulo 3">
@@ -8429,6 +8468,368 @@
 </p:sld>
 </file>
 
+<file path=ppt/slides/slide9.xml><?xml version="1.0" encoding="utf-8"?>
+<p:sld xmlns:a="http://schemas.openxmlformats.org/drawingml/2006/main" xmlns:r="http://schemas.openxmlformats.org/officeDocument/2006/relationships" xmlns:p="http://schemas.openxmlformats.org/presentationml/2006/main">
+  <p:cSld>
+    <p:spTree>
+      <p:nvGrpSpPr>
+        <p:cNvPr id="1" name=""/>
+        <p:cNvGrpSpPr/>
+        <p:nvPr/>
+      </p:nvGrpSpPr>
+      <p:grpSpPr>
+        <a:xfrm>
+          <a:off x="0" y="0"/>
+          <a:ext cx="0" cy="0"/>
+          <a:chOff x="0" y="0"/>
+          <a:chExt cx="0" cy="0"/>
+        </a:xfrm>
+      </p:grpSpPr>
+      <p:sp>
+        <p:nvSpPr>
+          <p:cNvPr id="3" name="CaixaDeTexto 2"/>
+          <p:cNvSpPr txBox="1"/>
+          <p:nvPr/>
+        </p:nvSpPr>
+        <p:spPr>
+          <a:xfrm>
+            <a:off x="292608" y="240405"/>
+            <a:ext cx="1306448" cy="461665"/>
+          </a:xfrm>
+          <a:prstGeom prst="rect">
+            <a:avLst/>
+          </a:prstGeom>
+          <a:noFill/>
+        </p:spPr>
+        <p:txBody>
+          <a:bodyPr wrap="none" rtlCol="0">
+            <a:spAutoFit/>
+          </a:bodyPr>
+          <a:lstStyle/>
+          <a:p>
+            <a:r>
+              <a:rPr lang="pt-BR" sz="2400" b="1" dirty="0">
+                <a:solidFill>
+                  <a:srgbClr val="FF0000"/>
+                </a:solidFill>
+                <a:latin typeface="Cambria Math" panose="02040503050406030204" pitchFamily="18" charset="0"/>
+                <a:ea typeface="Cambria Math" panose="02040503050406030204" pitchFamily="18" charset="0"/>
+              </a:rPr>
+              <a:t>Exemplo</a:t>
+            </a:r>
+          </a:p>
+        </p:txBody>
+      </p:sp>
+      <mc:AlternateContent xmlns:mc="http://schemas.openxmlformats.org/markup-compatibility/2006" xmlns:a14="http://schemas.microsoft.com/office/drawing/2010/main">
+        <mc:Choice Requires="a14">
+          <p:sp>
+            <p:nvSpPr>
+              <p:cNvPr id="2" name="CaixaDeTexto 1">
+                <a:extLst>
+                  <a:ext uri="{FF2B5EF4-FFF2-40B4-BE49-F238E27FC236}">
+                    <a16:creationId xmlns:a16="http://schemas.microsoft.com/office/drawing/2014/main" id="{51A5F16D-9446-8B12-E280-836A42F986E4}"/>
+                  </a:ext>
+                </a:extLst>
+              </p:cNvPr>
+              <p:cNvSpPr txBox="1"/>
+              <p:nvPr/>
+            </p:nvSpPr>
+            <p:spPr>
+              <a:xfrm>
+                <a:off x="656492" y="961155"/>
+                <a:ext cx="3501407" cy="755528"/>
+              </a:xfrm>
+              <a:prstGeom prst="rect">
+                <a:avLst/>
+              </a:prstGeom>
+              <a:noFill/>
+            </p:spPr>
+            <p:txBody>
+              <a:bodyPr wrap="none" lIns="0" tIns="0" rIns="0" bIns="0" rtlCol="0">
+                <a:spAutoFit/>
+              </a:bodyPr>
+              <a:lstStyle/>
+              <a:p>
+                <a:pPr/>
+                <a14:m>
+                  <m:oMathPara xmlns:m="http://schemas.openxmlformats.org/officeDocument/2006/math">
+                    <m:oMathParaPr>
+                      <m:jc m:val="centerGroup"/>
+                    </m:oMathParaPr>
+                    <m:oMath xmlns:m="http://schemas.openxmlformats.org/officeDocument/2006/math">
+                      <m:nary>
+                        <m:naryPr>
+                          <m:chr m:val="∑"/>
+                          <m:ctrlPr>
+                            <a:rPr lang="pt-BR" i="1" smtClean="0">
+                              <a:latin typeface="Cambria Math" panose="02040503050406030204" pitchFamily="18" charset="0"/>
+                              <a:ea typeface="Cambria Math" panose="02040503050406030204" pitchFamily="18" charset="0"/>
+                            </a:rPr>
+                          </m:ctrlPr>
+                        </m:naryPr>
+                        <m:sub>
+                          <m:r>
+                            <m:rPr>
+                              <m:brk m:alnAt="23"/>
+                            </m:rPr>
+                            <a:rPr lang="pt-BR" i="1">
+                              <a:latin typeface="Cambria Math" panose="02040503050406030204" pitchFamily="18" charset="0"/>
+                              <a:ea typeface="Cambria Math" panose="02040503050406030204" pitchFamily="18" charset="0"/>
+                            </a:rPr>
+                            <m:t>𝑛</m:t>
+                          </m:r>
+                          <m:r>
+                            <a:rPr lang="pt-BR" i="1">
+                              <a:latin typeface="Cambria Math" panose="02040503050406030204" pitchFamily="18" charset="0"/>
+                              <a:ea typeface="Cambria Math" panose="02040503050406030204" pitchFamily="18" charset="0"/>
+                            </a:rPr>
+                            <m:t>=0</m:t>
+                          </m:r>
+                        </m:sub>
+                        <m:sup>
+                          <m:r>
+                            <a:rPr lang="pt-BR" i="1">
+                              <a:latin typeface="Cambria Math" panose="02040503050406030204" pitchFamily="18" charset="0"/>
+                              <a:ea typeface="Cambria Math" panose="02040503050406030204" pitchFamily="18" charset="0"/>
+                            </a:rPr>
+                            <m:t>∞</m:t>
+                          </m:r>
+                        </m:sup>
+                        <m:e>
+                          <m:sSup>
+                            <m:sSupPr>
+                              <m:ctrlPr>
+                                <a:rPr lang="pt-BR" i="1">
+                                  <a:latin typeface="Cambria Math" panose="02040503050406030204" pitchFamily="18" charset="0"/>
+                                  <a:ea typeface="Cambria Math" panose="02040503050406030204" pitchFamily="18" charset="0"/>
+                                </a:rPr>
+                              </m:ctrlPr>
+                            </m:sSupPr>
+                            <m:e>
+                              <m:r>
+                                <a:rPr lang="pt-BR" i="1">
+                                  <a:latin typeface="Cambria Math" panose="02040503050406030204" pitchFamily="18" charset="0"/>
+                                  <a:ea typeface="Cambria Math" panose="02040503050406030204" pitchFamily="18" charset="0"/>
+                                </a:rPr>
+                                <m:t>𝑥</m:t>
+                              </m:r>
+                            </m:e>
+                            <m:sup>
+                              <m:r>
+                                <a:rPr lang="pt-BR" i="1">
+                                  <a:latin typeface="Cambria Math" panose="02040503050406030204" pitchFamily="18" charset="0"/>
+                                  <a:ea typeface="Cambria Math" panose="02040503050406030204" pitchFamily="18" charset="0"/>
+                                </a:rPr>
+                                <m:t>𝑛</m:t>
+                              </m:r>
+                            </m:sup>
+                          </m:sSup>
+                        </m:e>
+                      </m:nary>
+                      <m:r>
+                        <a:rPr lang="pt-BR" i="1">
+                          <a:latin typeface="Cambria Math" panose="02040503050406030204" pitchFamily="18" charset="0"/>
+                          <a:ea typeface="Cambria Math" panose="02040503050406030204" pitchFamily="18" charset="0"/>
+                        </a:rPr>
+                        <m:t>=</m:t>
+                      </m:r>
+                      <m:r>
+                        <a:rPr lang="en-US" b="0" i="1" smtClean="0">
+                          <a:latin typeface="Cambria Math" panose="02040503050406030204" pitchFamily="18" charset="0"/>
+                          <a:ea typeface="Cambria Math" panose="02040503050406030204" pitchFamily="18" charset="0"/>
+                        </a:rPr>
+                        <m:t>1</m:t>
+                      </m:r>
+                      <m:r>
+                        <a:rPr lang="pt-BR" i="1">
+                          <a:latin typeface="Cambria Math" panose="02040503050406030204" pitchFamily="18" charset="0"/>
+                          <a:ea typeface="Cambria Math" panose="02040503050406030204" pitchFamily="18" charset="0"/>
+                        </a:rPr>
+                        <m:t>+</m:t>
+                      </m:r>
+                      <m:r>
+                        <a:rPr lang="en-US" i="1">
+                          <a:latin typeface="Cambria Math" panose="02040503050406030204" pitchFamily="18" charset="0"/>
+                          <a:ea typeface="Cambria Math" panose="02040503050406030204" pitchFamily="18" charset="0"/>
+                        </a:rPr>
+                        <m:t>𝑥</m:t>
+                      </m:r>
+                      <m:r>
+                        <a:rPr lang="pt-BR" i="1">
+                          <a:latin typeface="Cambria Math" panose="02040503050406030204" pitchFamily="18" charset="0"/>
+                          <a:ea typeface="Cambria Math" panose="02040503050406030204" pitchFamily="18" charset="0"/>
+                        </a:rPr>
+                        <m:t>+</m:t>
+                      </m:r>
+                      <m:sSup>
+                        <m:sSupPr>
+                          <m:ctrlPr>
+                            <a:rPr lang="pt-BR" i="1">
+                              <a:latin typeface="Cambria Math" panose="02040503050406030204" pitchFamily="18" charset="0"/>
+                              <a:ea typeface="Cambria Math" panose="02040503050406030204" pitchFamily="18" charset="0"/>
+                            </a:rPr>
+                          </m:ctrlPr>
+                        </m:sSupPr>
+                        <m:e>
+                          <m:r>
+                            <a:rPr lang="pt-BR" i="1">
+                              <a:latin typeface="Cambria Math" panose="02040503050406030204" pitchFamily="18" charset="0"/>
+                              <a:ea typeface="Cambria Math" panose="02040503050406030204" pitchFamily="18" charset="0"/>
+                            </a:rPr>
+                            <m:t>𝑥</m:t>
+                          </m:r>
+                        </m:e>
+                        <m:sup>
+                          <m:r>
+                            <a:rPr lang="en-US" i="1">
+                              <a:latin typeface="Cambria Math" panose="02040503050406030204" pitchFamily="18" charset="0"/>
+                              <a:ea typeface="Cambria Math" panose="02040503050406030204" pitchFamily="18" charset="0"/>
+                            </a:rPr>
+                            <m:t>2</m:t>
+                          </m:r>
+                        </m:sup>
+                      </m:sSup>
+                      <m:r>
+                        <a:rPr lang="pt-BR" i="1">
+                          <a:latin typeface="Cambria Math" panose="02040503050406030204" pitchFamily="18" charset="0"/>
+                          <a:ea typeface="Cambria Math" panose="02040503050406030204" pitchFamily="18" charset="0"/>
+                        </a:rPr>
+                        <m:t>+…+</m:t>
+                      </m:r>
+                      <m:sSup>
+                        <m:sSupPr>
+                          <m:ctrlPr>
+                            <a:rPr lang="pt-BR" i="1">
+                              <a:latin typeface="Cambria Math" panose="02040503050406030204" pitchFamily="18" charset="0"/>
+                              <a:ea typeface="Cambria Math" panose="02040503050406030204" pitchFamily="18" charset="0"/>
+                            </a:rPr>
+                          </m:ctrlPr>
+                        </m:sSupPr>
+                        <m:e>
+                          <m:r>
+                            <a:rPr lang="pt-BR" i="1">
+                              <a:latin typeface="Cambria Math" panose="02040503050406030204" pitchFamily="18" charset="0"/>
+                              <a:ea typeface="Cambria Math" panose="02040503050406030204" pitchFamily="18" charset="0"/>
+                            </a:rPr>
+                            <m:t>𝑥</m:t>
+                          </m:r>
+                        </m:e>
+                        <m:sup>
+                          <m:r>
+                            <a:rPr lang="pt-BR" i="1">
+                              <a:latin typeface="Cambria Math" panose="02040503050406030204" pitchFamily="18" charset="0"/>
+                              <a:ea typeface="Cambria Math" panose="02040503050406030204" pitchFamily="18" charset="0"/>
+                            </a:rPr>
+                            <m:t>𝑛</m:t>
+                          </m:r>
+                        </m:sup>
+                      </m:sSup>
+                      <m:r>
+                        <a:rPr lang="pt-BR" i="1">
+                          <a:latin typeface="Cambria Math" panose="02040503050406030204" pitchFamily="18" charset="0"/>
+                          <a:ea typeface="Cambria Math" panose="02040503050406030204" pitchFamily="18" charset="0"/>
+                        </a:rPr>
+                        <m:t>+…</m:t>
+                      </m:r>
+                    </m:oMath>
+                  </m:oMathPara>
+                </a14:m>
+                <a:endParaRPr lang="pt-BR" dirty="0"/>
+              </a:p>
+            </p:txBody>
+          </p:sp>
+        </mc:Choice>
+        <mc:Fallback xmlns="">
+          <p:sp>
+            <p:nvSpPr>
+              <p:cNvPr id="2" name="CaixaDeTexto 1">
+                <a:extLst>
+                  <a:ext uri="{FF2B5EF4-FFF2-40B4-BE49-F238E27FC236}">
+                    <a16:creationId xmlns:a16="http://schemas.microsoft.com/office/drawing/2014/main" id="{51A5F16D-9446-8B12-E280-836A42F986E4}"/>
+                  </a:ext>
+                </a:extLst>
+              </p:cNvPr>
+              <p:cNvSpPr txBox="1">
+                <a:spLocks noRot="1" noChangeAspect="1" noMove="1" noResize="1" noEditPoints="1" noAdjustHandles="1" noChangeArrowheads="1" noChangeShapeType="1" noTextEdit="1"/>
+              </p:cNvSpPr>
+              <p:nvPr/>
+            </p:nvSpPr>
+            <p:spPr>
+              <a:xfrm>
+                <a:off x="656492" y="961155"/>
+                <a:ext cx="3501407" cy="755528"/>
+              </a:xfrm>
+              <a:prstGeom prst="rect">
+                <a:avLst/>
+              </a:prstGeom>
+              <a:blipFill>
+                <a:blip r:embed="rId3"/>
+                <a:stretch>
+                  <a:fillRect/>
+                </a:stretch>
+              </a:blipFill>
+            </p:spPr>
+            <p:txBody>
+              <a:bodyPr/>
+              <a:lstStyle/>
+              <a:p>
+                <a:r>
+                  <a:rPr lang="pt-BR">
+                    <a:noFill/>
+                  </a:rPr>
+                  <a:t> </a:t>
+                </a:r>
+              </a:p>
+            </p:txBody>
+          </p:sp>
+        </mc:Fallback>
+      </mc:AlternateContent>
+      <p:pic>
+        <p:nvPicPr>
+          <p:cNvPr id="6" name="Imagem 5" descr="Gráfico, Gráfico de linhas&#10;&#10;Descrição gerada automaticamente">
+            <a:extLst>
+              <a:ext uri="{FF2B5EF4-FFF2-40B4-BE49-F238E27FC236}">
+                <a16:creationId xmlns:a16="http://schemas.microsoft.com/office/drawing/2014/main" id="{91EEAB5A-D47C-5520-936D-85BFC128201F}"/>
+              </a:ext>
+            </a:extLst>
+          </p:cNvPr>
+          <p:cNvPicPr>
+            <a:picLocks noChangeAspect="1"/>
+          </p:cNvPicPr>
+          <p:nvPr/>
+        </p:nvPicPr>
+        <p:blipFill>
+          <a:blip r:embed="rId4"/>
+          <a:stretch>
+            <a:fillRect/>
+          </a:stretch>
+        </p:blipFill>
+        <p:spPr>
+          <a:xfrm>
+            <a:off x="1828800" y="1600200"/>
+            <a:ext cx="5486400" cy="3657600"/>
+          </a:xfrm>
+          <a:prstGeom prst="rect">
+            <a:avLst/>
+          </a:prstGeom>
+        </p:spPr>
+      </p:pic>
+    </p:spTree>
+    <p:custDataLst>
+      <p:tags r:id="rId1"/>
+    </p:custDataLst>
+    <p:extLst>
+      <p:ext uri="{BB962C8B-B14F-4D97-AF65-F5344CB8AC3E}">
+        <p14:creationId xmlns:p14="http://schemas.microsoft.com/office/powerpoint/2010/main" val="3943509360"/>
+      </p:ext>
+    </p:extLst>
+  </p:cSld>
+  <p:clrMapOvr>
+    <a:masterClrMapping/>
+  </p:clrMapOvr>
+</p:sld>
+</file>
+
 <file path=ppt/tags/tag1.xml><?xml version="1.0" encoding="utf-8"?>
 <p:tagLst xmlns:a="http://schemas.openxmlformats.org/drawingml/2006/main" xmlns:r="http://schemas.openxmlformats.org/officeDocument/2006/relationships" xmlns:p="http://schemas.openxmlformats.org/presentationml/2006/main">
   <p:tag name="TIMING" val="|6.2|7.7|10.3|7.1|5.5"/>
@@ -8466,6 +8867,12 @@
 </file>
 
 <file path=ppt/tags/tag7.xml><?xml version="1.0" encoding="utf-8"?>
+<p:tagLst xmlns:a="http://schemas.openxmlformats.org/drawingml/2006/main" xmlns:r="http://schemas.openxmlformats.org/officeDocument/2006/relationships" xmlns:p="http://schemas.openxmlformats.org/presentationml/2006/main">
+  <p:tag name="TIMING" val="|6.2|7.7|10.3|7.1|5.5"/>
+</p:tagLst>
+</file>
+
+<file path=ppt/tags/tag8.xml><?xml version="1.0" encoding="utf-8"?>
 <p:tagLst xmlns:a="http://schemas.openxmlformats.org/drawingml/2006/main" xmlns:r="http://schemas.openxmlformats.org/officeDocument/2006/relationships" xmlns:p="http://schemas.openxmlformats.org/presentationml/2006/main">
   <p:tag name="TIMING" val="|6.2|7.7|10.3|7.1|5.5"/>
 </p:tagLst>

--- a/Matvar/APS/Séries de Potência.pptx
+++ b/Matvar/APS/Séries de Potência.pptx
@@ -5,10 +5,10 @@
     <p:sldMasterId id="2147483651" r:id="rId1"/>
   </p:sldMasterIdLst>
   <p:notesMasterIdLst>
-    <p:notesMasterId r:id="rId11"/>
+    <p:notesMasterId r:id="rId14"/>
   </p:notesMasterIdLst>
   <p:handoutMasterIdLst>
-    <p:handoutMasterId r:id="rId12"/>
+    <p:handoutMasterId r:id="rId15"/>
   </p:handoutMasterIdLst>
   <p:sldIdLst>
     <p:sldId id="1526" r:id="rId2"/>
@@ -17,9 +17,12 @@
     <p:sldId id="1660" r:id="rId5"/>
     <p:sldId id="1661" r:id="rId6"/>
     <p:sldId id="1662" r:id="rId7"/>
-    <p:sldId id="1664" r:id="rId8"/>
-    <p:sldId id="1663" r:id="rId9"/>
-    <p:sldId id="1665" r:id="rId10"/>
+    <p:sldId id="1666" r:id="rId8"/>
+    <p:sldId id="1667" r:id="rId9"/>
+    <p:sldId id="1664" r:id="rId10"/>
+    <p:sldId id="1663" r:id="rId11"/>
+    <p:sldId id="1665" r:id="rId12"/>
+    <p:sldId id="1668" r:id="rId13"/>
   </p:sldIdLst>
   <p:sldSz cx="9144000" cy="6858000" type="screen4x3"/>
   <p:notesSz cx="6797675" cy="9928225"/>
@@ -4752,6 +4755,1286 @@
 </p:sld>
 </file>
 
+<file path=ppt/slides/slide10.xml><?xml version="1.0" encoding="utf-8"?>
+<p:sld xmlns:a="http://schemas.openxmlformats.org/drawingml/2006/main" xmlns:r="http://schemas.openxmlformats.org/officeDocument/2006/relationships" xmlns:p="http://schemas.openxmlformats.org/presentationml/2006/main">
+  <p:cSld>
+    <p:spTree>
+      <p:nvGrpSpPr>
+        <p:cNvPr id="1" name=""/>
+        <p:cNvGrpSpPr/>
+        <p:nvPr/>
+      </p:nvGrpSpPr>
+      <p:grpSpPr>
+        <a:xfrm>
+          <a:off x="0" y="0"/>
+          <a:ext cx="0" cy="0"/>
+          <a:chOff x="0" y="0"/>
+          <a:chExt cx="0" cy="0"/>
+        </a:xfrm>
+      </p:grpSpPr>
+      <p:sp>
+        <p:nvSpPr>
+          <p:cNvPr id="3" name="CaixaDeTexto 2"/>
+          <p:cNvSpPr txBox="1"/>
+          <p:nvPr/>
+        </p:nvSpPr>
+        <p:spPr>
+          <a:xfrm>
+            <a:off x="292608" y="240405"/>
+            <a:ext cx="1306448" cy="461665"/>
+          </a:xfrm>
+          <a:prstGeom prst="rect">
+            <a:avLst/>
+          </a:prstGeom>
+          <a:noFill/>
+        </p:spPr>
+        <p:txBody>
+          <a:bodyPr wrap="none" rtlCol="0">
+            <a:spAutoFit/>
+          </a:bodyPr>
+          <a:lstStyle/>
+          <a:p>
+            <a:r>
+              <a:rPr lang="pt-BR" sz="2400" b="1" dirty="0">
+                <a:solidFill>
+                  <a:srgbClr val="FF0000"/>
+                </a:solidFill>
+                <a:latin typeface="Cambria Math" panose="02040503050406030204" pitchFamily="18" charset="0"/>
+                <a:ea typeface="Cambria Math" panose="02040503050406030204" pitchFamily="18" charset="0"/>
+              </a:rPr>
+              <a:t>Exemplo</a:t>
+            </a:r>
+          </a:p>
+        </p:txBody>
+      </p:sp>
+      <mc:AlternateContent xmlns:mc="http://schemas.openxmlformats.org/markup-compatibility/2006" xmlns:a14="http://schemas.microsoft.com/office/drawing/2010/main">
+        <mc:Choice Requires="a14">
+          <p:sp>
+            <p:nvSpPr>
+              <p:cNvPr id="2" name="CaixaDeTexto 1">
+                <a:extLst>
+                  <a:ext uri="{FF2B5EF4-FFF2-40B4-BE49-F238E27FC236}">
+                    <a16:creationId xmlns:a16="http://schemas.microsoft.com/office/drawing/2014/main" id="{51A5F16D-9446-8B12-E280-836A42F986E4}"/>
+                  </a:ext>
+                </a:extLst>
+              </p:cNvPr>
+              <p:cNvSpPr txBox="1"/>
+              <p:nvPr/>
+            </p:nvSpPr>
+            <p:spPr>
+              <a:xfrm>
+                <a:off x="656492" y="961155"/>
+                <a:ext cx="3501407" cy="755528"/>
+              </a:xfrm>
+              <a:prstGeom prst="rect">
+                <a:avLst/>
+              </a:prstGeom>
+              <a:noFill/>
+            </p:spPr>
+            <p:txBody>
+              <a:bodyPr wrap="none" lIns="0" tIns="0" rIns="0" bIns="0" rtlCol="0">
+                <a:spAutoFit/>
+              </a:bodyPr>
+              <a:lstStyle/>
+              <a:p>
+                <a:pPr/>
+                <a14:m>
+                  <m:oMathPara xmlns:m="http://schemas.openxmlformats.org/officeDocument/2006/math">
+                    <m:oMathParaPr>
+                      <m:jc m:val="centerGroup"/>
+                    </m:oMathParaPr>
+                    <m:oMath xmlns:m="http://schemas.openxmlformats.org/officeDocument/2006/math">
+                      <m:nary>
+                        <m:naryPr>
+                          <m:chr m:val="∑"/>
+                          <m:ctrlPr>
+                            <a:rPr lang="pt-BR" i="1" smtClean="0">
+                              <a:latin typeface="Cambria Math" panose="02040503050406030204" pitchFamily="18" charset="0"/>
+                              <a:ea typeface="Cambria Math" panose="02040503050406030204" pitchFamily="18" charset="0"/>
+                            </a:rPr>
+                          </m:ctrlPr>
+                        </m:naryPr>
+                        <m:sub>
+                          <m:r>
+                            <m:rPr>
+                              <m:brk m:alnAt="23"/>
+                            </m:rPr>
+                            <a:rPr lang="pt-BR" i="1">
+                              <a:latin typeface="Cambria Math" panose="02040503050406030204" pitchFamily="18" charset="0"/>
+                              <a:ea typeface="Cambria Math" panose="02040503050406030204" pitchFamily="18" charset="0"/>
+                            </a:rPr>
+                            <m:t>𝑛</m:t>
+                          </m:r>
+                          <m:r>
+                            <a:rPr lang="pt-BR" i="1">
+                              <a:latin typeface="Cambria Math" panose="02040503050406030204" pitchFamily="18" charset="0"/>
+                              <a:ea typeface="Cambria Math" panose="02040503050406030204" pitchFamily="18" charset="0"/>
+                            </a:rPr>
+                            <m:t>=0</m:t>
+                          </m:r>
+                        </m:sub>
+                        <m:sup>
+                          <m:r>
+                            <a:rPr lang="pt-BR" i="1">
+                              <a:latin typeface="Cambria Math" panose="02040503050406030204" pitchFamily="18" charset="0"/>
+                              <a:ea typeface="Cambria Math" panose="02040503050406030204" pitchFamily="18" charset="0"/>
+                            </a:rPr>
+                            <m:t>∞</m:t>
+                          </m:r>
+                        </m:sup>
+                        <m:e>
+                          <m:sSup>
+                            <m:sSupPr>
+                              <m:ctrlPr>
+                                <a:rPr lang="pt-BR" i="1">
+                                  <a:latin typeface="Cambria Math" panose="02040503050406030204" pitchFamily="18" charset="0"/>
+                                  <a:ea typeface="Cambria Math" panose="02040503050406030204" pitchFamily="18" charset="0"/>
+                                </a:rPr>
+                              </m:ctrlPr>
+                            </m:sSupPr>
+                            <m:e>
+                              <m:r>
+                                <a:rPr lang="pt-BR" i="1">
+                                  <a:latin typeface="Cambria Math" panose="02040503050406030204" pitchFamily="18" charset="0"/>
+                                  <a:ea typeface="Cambria Math" panose="02040503050406030204" pitchFamily="18" charset="0"/>
+                                </a:rPr>
+                                <m:t>𝑥</m:t>
+                              </m:r>
+                            </m:e>
+                            <m:sup>
+                              <m:r>
+                                <a:rPr lang="pt-BR" i="1">
+                                  <a:latin typeface="Cambria Math" panose="02040503050406030204" pitchFamily="18" charset="0"/>
+                                  <a:ea typeface="Cambria Math" panose="02040503050406030204" pitchFamily="18" charset="0"/>
+                                </a:rPr>
+                                <m:t>𝑛</m:t>
+                              </m:r>
+                            </m:sup>
+                          </m:sSup>
+                        </m:e>
+                      </m:nary>
+                      <m:r>
+                        <a:rPr lang="pt-BR" i="1">
+                          <a:latin typeface="Cambria Math" panose="02040503050406030204" pitchFamily="18" charset="0"/>
+                          <a:ea typeface="Cambria Math" panose="02040503050406030204" pitchFamily="18" charset="0"/>
+                        </a:rPr>
+                        <m:t>=</m:t>
+                      </m:r>
+                      <m:r>
+                        <a:rPr lang="en-US" b="0" i="1" smtClean="0">
+                          <a:latin typeface="Cambria Math" panose="02040503050406030204" pitchFamily="18" charset="0"/>
+                          <a:ea typeface="Cambria Math" panose="02040503050406030204" pitchFamily="18" charset="0"/>
+                        </a:rPr>
+                        <m:t>1</m:t>
+                      </m:r>
+                      <m:r>
+                        <a:rPr lang="pt-BR" i="1">
+                          <a:latin typeface="Cambria Math" panose="02040503050406030204" pitchFamily="18" charset="0"/>
+                          <a:ea typeface="Cambria Math" panose="02040503050406030204" pitchFamily="18" charset="0"/>
+                        </a:rPr>
+                        <m:t>+</m:t>
+                      </m:r>
+                      <m:r>
+                        <a:rPr lang="en-US" i="1">
+                          <a:latin typeface="Cambria Math" panose="02040503050406030204" pitchFamily="18" charset="0"/>
+                          <a:ea typeface="Cambria Math" panose="02040503050406030204" pitchFamily="18" charset="0"/>
+                        </a:rPr>
+                        <m:t>𝑥</m:t>
+                      </m:r>
+                      <m:r>
+                        <a:rPr lang="pt-BR" i="1">
+                          <a:latin typeface="Cambria Math" panose="02040503050406030204" pitchFamily="18" charset="0"/>
+                          <a:ea typeface="Cambria Math" panose="02040503050406030204" pitchFamily="18" charset="0"/>
+                        </a:rPr>
+                        <m:t>+</m:t>
+                      </m:r>
+                      <m:sSup>
+                        <m:sSupPr>
+                          <m:ctrlPr>
+                            <a:rPr lang="pt-BR" i="1">
+                              <a:latin typeface="Cambria Math" panose="02040503050406030204" pitchFamily="18" charset="0"/>
+                              <a:ea typeface="Cambria Math" panose="02040503050406030204" pitchFamily="18" charset="0"/>
+                            </a:rPr>
+                          </m:ctrlPr>
+                        </m:sSupPr>
+                        <m:e>
+                          <m:r>
+                            <a:rPr lang="pt-BR" i="1">
+                              <a:latin typeface="Cambria Math" panose="02040503050406030204" pitchFamily="18" charset="0"/>
+                              <a:ea typeface="Cambria Math" panose="02040503050406030204" pitchFamily="18" charset="0"/>
+                            </a:rPr>
+                            <m:t>𝑥</m:t>
+                          </m:r>
+                        </m:e>
+                        <m:sup>
+                          <m:r>
+                            <a:rPr lang="en-US" i="1">
+                              <a:latin typeface="Cambria Math" panose="02040503050406030204" pitchFamily="18" charset="0"/>
+                              <a:ea typeface="Cambria Math" panose="02040503050406030204" pitchFamily="18" charset="0"/>
+                            </a:rPr>
+                            <m:t>2</m:t>
+                          </m:r>
+                        </m:sup>
+                      </m:sSup>
+                      <m:r>
+                        <a:rPr lang="pt-BR" i="1">
+                          <a:latin typeface="Cambria Math" panose="02040503050406030204" pitchFamily="18" charset="0"/>
+                          <a:ea typeface="Cambria Math" panose="02040503050406030204" pitchFamily="18" charset="0"/>
+                        </a:rPr>
+                        <m:t>+…+</m:t>
+                      </m:r>
+                      <m:sSup>
+                        <m:sSupPr>
+                          <m:ctrlPr>
+                            <a:rPr lang="pt-BR" i="1">
+                              <a:latin typeface="Cambria Math" panose="02040503050406030204" pitchFamily="18" charset="0"/>
+                              <a:ea typeface="Cambria Math" panose="02040503050406030204" pitchFamily="18" charset="0"/>
+                            </a:rPr>
+                          </m:ctrlPr>
+                        </m:sSupPr>
+                        <m:e>
+                          <m:r>
+                            <a:rPr lang="pt-BR" i="1">
+                              <a:latin typeface="Cambria Math" panose="02040503050406030204" pitchFamily="18" charset="0"/>
+                              <a:ea typeface="Cambria Math" panose="02040503050406030204" pitchFamily="18" charset="0"/>
+                            </a:rPr>
+                            <m:t>𝑥</m:t>
+                          </m:r>
+                        </m:e>
+                        <m:sup>
+                          <m:r>
+                            <a:rPr lang="pt-BR" i="1">
+                              <a:latin typeface="Cambria Math" panose="02040503050406030204" pitchFamily="18" charset="0"/>
+                              <a:ea typeface="Cambria Math" panose="02040503050406030204" pitchFamily="18" charset="0"/>
+                            </a:rPr>
+                            <m:t>𝑛</m:t>
+                          </m:r>
+                        </m:sup>
+                      </m:sSup>
+                      <m:r>
+                        <a:rPr lang="pt-BR" i="1">
+                          <a:latin typeface="Cambria Math" panose="02040503050406030204" pitchFamily="18" charset="0"/>
+                          <a:ea typeface="Cambria Math" panose="02040503050406030204" pitchFamily="18" charset="0"/>
+                        </a:rPr>
+                        <m:t>+…</m:t>
+                      </m:r>
+                    </m:oMath>
+                  </m:oMathPara>
+                </a14:m>
+                <a:endParaRPr lang="pt-BR" dirty="0"/>
+              </a:p>
+            </p:txBody>
+          </p:sp>
+        </mc:Choice>
+        <mc:Fallback xmlns="">
+          <p:sp>
+            <p:nvSpPr>
+              <p:cNvPr id="2" name="CaixaDeTexto 1">
+                <a:extLst>
+                  <a:ext uri="{FF2B5EF4-FFF2-40B4-BE49-F238E27FC236}">
+                    <a16:creationId xmlns:a16="http://schemas.microsoft.com/office/drawing/2014/main" id="{51A5F16D-9446-8B12-E280-836A42F986E4}"/>
+                  </a:ext>
+                </a:extLst>
+              </p:cNvPr>
+              <p:cNvSpPr txBox="1">
+                <a:spLocks noRot="1" noChangeAspect="1" noMove="1" noResize="1" noEditPoints="1" noAdjustHandles="1" noChangeArrowheads="1" noChangeShapeType="1" noTextEdit="1"/>
+              </p:cNvSpPr>
+              <p:nvPr/>
+            </p:nvSpPr>
+            <p:spPr>
+              <a:xfrm>
+                <a:off x="656492" y="961155"/>
+                <a:ext cx="3501407" cy="755528"/>
+              </a:xfrm>
+              <a:prstGeom prst="rect">
+                <a:avLst/>
+              </a:prstGeom>
+              <a:blipFill>
+                <a:blip r:embed="rId3"/>
+                <a:stretch>
+                  <a:fillRect/>
+                </a:stretch>
+              </a:blipFill>
+            </p:spPr>
+            <p:txBody>
+              <a:bodyPr/>
+              <a:lstStyle/>
+              <a:p>
+                <a:r>
+                  <a:rPr lang="pt-BR">
+                    <a:noFill/>
+                  </a:rPr>
+                  <a:t> </a:t>
+                </a:r>
+              </a:p>
+            </p:txBody>
+          </p:sp>
+        </mc:Fallback>
+      </mc:AlternateContent>
+      <mc:AlternateContent xmlns:mc="http://schemas.openxmlformats.org/markup-compatibility/2006">
+        <mc:Choice xmlns:a14="http://schemas.microsoft.com/office/drawing/2010/main" Requires="a14">
+          <p:sp>
+            <p:nvSpPr>
+              <p:cNvPr id="4" name="Retângulo 3">
+                <a:extLst>
+                  <a:ext uri="{FF2B5EF4-FFF2-40B4-BE49-F238E27FC236}">
+                    <a16:creationId xmlns:a16="http://schemas.microsoft.com/office/drawing/2014/main" id="{B4592494-1416-AE9A-9FC6-CCF47C8CBBEC}"/>
+                  </a:ext>
+                </a:extLst>
+              </p:cNvPr>
+              <p:cNvSpPr/>
+              <p:nvPr/>
+            </p:nvSpPr>
+            <p:spPr>
+              <a:xfrm>
+                <a:off x="4986103" y="1065608"/>
+                <a:ext cx="2345084" cy="430887"/>
+              </a:xfrm>
+              <a:prstGeom prst="rect">
+                <a:avLst/>
+              </a:prstGeom>
+            </p:spPr>
+            <p:txBody>
+              <a:bodyPr wrap="square">
+                <a:spAutoFit/>
+              </a:bodyPr>
+              <a:lstStyle/>
+              <a:p>
+                <a:pPr algn="just"/>
+                <a:r>
+                  <a:rPr lang="en-US" sz="2200" dirty="0">
+                    <a:latin typeface="Cambria Math" panose="02040503050406030204" pitchFamily="18" charset="0"/>
+                    <a:ea typeface="Cambria Math" panose="02040503050406030204" pitchFamily="18" charset="0"/>
+                  </a:rPr>
+                  <a:t>Quando </a:t>
+                </a:r>
+                <a14:m>
+                  <m:oMath xmlns:m="http://schemas.openxmlformats.org/officeDocument/2006/math">
+                    <m:r>
+                      <a:rPr lang="en-US" sz="2200" b="0" i="1" smtClean="0">
+                        <a:latin typeface="Cambria Math" panose="02040503050406030204" pitchFamily="18" charset="0"/>
+                        <a:ea typeface="Cambria Math" panose="02040503050406030204" pitchFamily="18" charset="0"/>
+                      </a:rPr>
+                      <m:t>𝑥</m:t>
+                    </m:r>
+                    <m:r>
+                      <a:rPr lang="en-US" sz="2200" b="0" i="1" smtClean="0">
+                        <a:latin typeface="Cambria Math" panose="02040503050406030204" pitchFamily="18" charset="0"/>
+                        <a:ea typeface="Cambria Math" panose="02040503050406030204" pitchFamily="18" charset="0"/>
+                      </a:rPr>
+                      <m:t>=1,1</m:t>
+                    </m:r>
+                  </m:oMath>
+                </a14:m>
+                <a:endParaRPr lang="en-US" sz="2200" b="0" dirty="0">
+                  <a:latin typeface="Cambria Math" panose="02040503050406030204" pitchFamily="18" charset="0"/>
+                  <a:ea typeface="Cambria Math" panose="02040503050406030204" pitchFamily="18" charset="0"/>
+                </a:endParaRPr>
+              </a:p>
+            </p:txBody>
+          </p:sp>
+        </mc:Choice>
+        <mc:Fallback>
+          <p:sp>
+            <p:nvSpPr>
+              <p:cNvPr id="4" name="Retângulo 3">
+                <a:extLst>
+                  <a:ext uri="{FF2B5EF4-FFF2-40B4-BE49-F238E27FC236}">
+                    <a16:creationId xmlns:a16="http://schemas.microsoft.com/office/drawing/2014/main" id="{B4592494-1416-AE9A-9FC6-CCF47C8CBBEC}"/>
+                  </a:ext>
+                </a:extLst>
+              </p:cNvPr>
+              <p:cNvSpPr>
+                <a:spLocks noRot="1" noChangeAspect="1" noMove="1" noResize="1" noEditPoints="1" noAdjustHandles="1" noChangeArrowheads="1" noChangeShapeType="1" noTextEdit="1"/>
+              </p:cNvSpPr>
+              <p:nvPr/>
+            </p:nvSpPr>
+            <p:spPr>
+              <a:xfrm>
+                <a:off x="4986103" y="1065608"/>
+                <a:ext cx="2345084" cy="430887"/>
+              </a:xfrm>
+              <a:prstGeom prst="rect">
+                <a:avLst/>
+              </a:prstGeom>
+              <a:blipFill>
+                <a:blip r:embed="rId4"/>
+                <a:stretch>
+                  <a:fillRect l="-3377" t="-10000" b="-28571"/>
+                </a:stretch>
+              </a:blipFill>
+            </p:spPr>
+            <p:txBody>
+              <a:bodyPr/>
+              <a:lstStyle/>
+              <a:p>
+                <a:r>
+                  <a:rPr lang="pt-BR">
+                    <a:noFill/>
+                  </a:rPr>
+                  <a:t> </a:t>
+                </a:r>
+              </a:p>
+            </p:txBody>
+          </p:sp>
+        </mc:Fallback>
+      </mc:AlternateContent>
+      <p:pic>
+        <p:nvPicPr>
+          <p:cNvPr id="6" name="Imagem 5" descr="Gráfico, Gráfico de linhas&#10;&#10;Descrição gerada automaticamente">
+            <a:extLst>
+              <a:ext uri="{FF2B5EF4-FFF2-40B4-BE49-F238E27FC236}">
+                <a16:creationId xmlns:a16="http://schemas.microsoft.com/office/drawing/2014/main" id="{9A3A7BA9-D35B-1235-927F-BEE11A912254}"/>
+              </a:ext>
+            </a:extLst>
+          </p:cNvPr>
+          <p:cNvPicPr>
+            <a:picLocks noChangeAspect="1"/>
+          </p:cNvPicPr>
+          <p:nvPr/>
+        </p:nvPicPr>
+        <p:blipFill>
+          <a:blip r:embed="rId5"/>
+          <a:stretch>
+            <a:fillRect/>
+          </a:stretch>
+        </p:blipFill>
+        <p:spPr>
+          <a:xfrm>
+            <a:off x="1828800" y="1600200"/>
+            <a:ext cx="5486400" cy="3657600"/>
+          </a:xfrm>
+          <a:prstGeom prst="rect">
+            <a:avLst/>
+          </a:prstGeom>
+        </p:spPr>
+      </p:pic>
+    </p:spTree>
+    <p:custDataLst>
+      <p:tags r:id="rId1"/>
+    </p:custDataLst>
+    <p:extLst>
+      <p:ext uri="{BB962C8B-B14F-4D97-AF65-F5344CB8AC3E}">
+        <p14:creationId xmlns:p14="http://schemas.microsoft.com/office/powerpoint/2010/main" val="1312941090"/>
+      </p:ext>
+    </p:extLst>
+  </p:cSld>
+  <p:clrMapOvr>
+    <a:masterClrMapping/>
+  </p:clrMapOvr>
+  <p:timing>
+    <p:tnLst>
+      <p:par>
+        <p:cTn id="1" dur="indefinite" restart="never" nodeType="tmRoot">
+          <p:childTnLst>
+            <p:seq concurrent="1" nextAc="seek">
+              <p:cTn id="2" dur="indefinite" nodeType="mainSeq">
+                <p:childTnLst>
+                  <p:par>
+                    <p:cTn id="3" fill="hold">
+                      <p:stCondLst>
+                        <p:cond delay="indefinite"/>
+                      </p:stCondLst>
+                      <p:childTnLst>
+                        <p:par>
+                          <p:cTn id="4" fill="hold">
+                            <p:stCondLst>
+                              <p:cond delay="0"/>
+                            </p:stCondLst>
+                            <p:childTnLst>
+                              <p:par>
+                                <p:cTn id="5" presetID="10" presetClass="entr" presetSubtype="0" fill="hold" grpId="0" nodeType="clickEffect">
+                                  <p:stCondLst>
+                                    <p:cond delay="0"/>
+                                  </p:stCondLst>
+                                  <p:childTnLst>
+                                    <p:set>
+                                      <p:cBhvr>
+                                        <p:cTn id="6" dur="1" fill="hold">
+                                          <p:stCondLst>
+                                            <p:cond delay="0"/>
+                                          </p:stCondLst>
+                                        </p:cTn>
+                                        <p:tgtEl>
+                                          <p:spTgt spid="4"/>
+                                        </p:tgtEl>
+                                        <p:attrNameLst>
+                                          <p:attrName>style.visibility</p:attrName>
+                                        </p:attrNameLst>
+                                      </p:cBhvr>
+                                      <p:to>
+                                        <p:strVal val="visible"/>
+                                      </p:to>
+                                    </p:set>
+                                    <p:animEffect transition="in" filter="fade">
+                                      <p:cBhvr>
+                                        <p:cTn id="7" dur="500"/>
+                                        <p:tgtEl>
+                                          <p:spTgt spid="4"/>
+                                        </p:tgtEl>
+                                      </p:cBhvr>
+                                    </p:animEffect>
+                                  </p:childTnLst>
+                                </p:cTn>
+                              </p:par>
+                            </p:childTnLst>
+                          </p:cTn>
+                        </p:par>
+                      </p:childTnLst>
+                    </p:cTn>
+                  </p:par>
+                </p:childTnLst>
+              </p:cTn>
+              <p:prevCondLst>
+                <p:cond evt="onPrev" delay="0">
+                  <p:tgtEl>
+                    <p:sldTgt/>
+                  </p:tgtEl>
+                </p:cond>
+              </p:prevCondLst>
+              <p:nextCondLst>
+                <p:cond evt="onNext" delay="0">
+                  <p:tgtEl>
+                    <p:sldTgt/>
+                  </p:tgtEl>
+                </p:cond>
+              </p:nextCondLst>
+            </p:seq>
+          </p:childTnLst>
+        </p:cTn>
+      </p:par>
+    </p:tnLst>
+    <p:bldLst>
+      <p:bldP spid="4" grpId="0"/>
+    </p:bldLst>
+  </p:timing>
+</p:sld>
+</file>
+
+<file path=ppt/slides/slide11.xml><?xml version="1.0" encoding="utf-8"?>
+<p:sld xmlns:a="http://schemas.openxmlformats.org/drawingml/2006/main" xmlns:r="http://schemas.openxmlformats.org/officeDocument/2006/relationships" xmlns:p="http://schemas.openxmlformats.org/presentationml/2006/main">
+  <p:cSld>
+    <p:spTree>
+      <p:nvGrpSpPr>
+        <p:cNvPr id="1" name=""/>
+        <p:cNvGrpSpPr/>
+        <p:nvPr/>
+      </p:nvGrpSpPr>
+      <p:grpSpPr>
+        <a:xfrm>
+          <a:off x="0" y="0"/>
+          <a:ext cx="0" cy="0"/>
+          <a:chOff x="0" y="0"/>
+          <a:chExt cx="0" cy="0"/>
+        </a:xfrm>
+      </p:grpSpPr>
+      <p:sp>
+        <p:nvSpPr>
+          <p:cNvPr id="3" name="CaixaDeTexto 2"/>
+          <p:cNvSpPr txBox="1"/>
+          <p:nvPr/>
+        </p:nvSpPr>
+        <p:spPr>
+          <a:xfrm>
+            <a:off x="292608" y="240405"/>
+            <a:ext cx="1306448" cy="461665"/>
+          </a:xfrm>
+          <a:prstGeom prst="rect">
+            <a:avLst/>
+          </a:prstGeom>
+          <a:noFill/>
+        </p:spPr>
+        <p:txBody>
+          <a:bodyPr wrap="none" rtlCol="0">
+            <a:spAutoFit/>
+          </a:bodyPr>
+          <a:lstStyle/>
+          <a:p>
+            <a:r>
+              <a:rPr lang="pt-BR" sz="2400" b="1" dirty="0">
+                <a:solidFill>
+                  <a:srgbClr val="FF0000"/>
+                </a:solidFill>
+                <a:latin typeface="Cambria Math" panose="02040503050406030204" pitchFamily="18" charset="0"/>
+                <a:ea typeface="Cambria Math" panose="02040503050406030204" pitchFamily="18" charset="0"/>
+              </a:rPr>
+              <a:t>Exemplo</a:t>
+            </a:r>
+          </a:p>
+        </p:txBody>
+      </p:sp>
+      <mc:AlternateContent xmlns:mc="http://schemas.openxmlformats.org/markup-compatibility/2006" xmlns:a14="http://schemas.microsoft.com/office/drawing/2010/main">
+        <mc:Choice Requires="a14">
+          <p:sp>
+            <p:nvSpPr>
+              <p:cNvPr id="2" name="CaixaDeTexto 1">
+                <a:extLst>
+                  <a:ext uri="{FF2B5EF4-FFF2-40B4-BE49-F238E27FC236}">
+                    <a16:creationId xmlns:a16="http://schemas.microsoft.com/office/drawing/2014/main" id="{51A5F16D-9446-8B12-E280-836A42F986E4}"/>
+                  </a:ext>
+                </a:extLst>
+              </p:cNvPr>
+              <p:cNvSpPr txBox="1"/>
+              <p:nvPr/>
+            </p:nvSpPr>
+            <p:spPr>
+              <a:xfrm>
+                <a:off x="656492" y="961155"/>
+                <a:ext cx="3501407" cy="755528"/>
+              </a:xfrm>
+              <a:prstGeom prst="rect">
+                <a:avLst/>
+              </a:prstGeom>
+              <a:noFill/>
+            </p:spPr>
+            <p:txBody>
+              <a:bodyPr wrap="none" lIns="0" tIns="0" rIns="0" bIns="0" rtlCol="0">
+                <a:spAutoFit/>
+              </a:bodyPr>
+              <a:lstStyle/>
+              <a:p>
+                <a:pPr/>
+                <a14:m>
+                  <m:oMathPara xmlns:m="http://schemas.openxmlformats.org/officeDocument/2006/math">
+                    <m:oMathParaPr>
+                      <m:jc m:val="centerGroup"/>
+                    </m:oMathParaPr>
+                    <m:oMath xmlns:m="http://schemas.openxmlformats.org/officeDocument/2006/math">
+                      <m:nary>
+                        <m:naryPr>
+                          <m:chr m:val="∑"/>
+                          <m:ctrlPr>
+                            <a:rPr lang="pt-BR" i="1" smtClean="0">
+                              <a:latin typeface="Cambria Math" panose="02040503050406030204" pitchFamily="18" charset="0"/>
+                              <a:ea typeface="Cambria Math" panose="02040503050406030204" pitchFamily="18" charset="0"/>
+                            </a:rPr>
+                          </m:ctrlPr>
+                        </m:naryPr>
+                        <m:sub>
+                          <m:r>
+                            <m:rPr>
+                              <m:brk m:alnAt="23"/>
+                            </m:rPr>
+                            <a:rPr lang="pt-BR" i="1">
+                              <a:latin typeface="Cambria Math" panose="02040503050406030204" pitchFamily="18" charset="0"/>
+                              <a:ea typeface="Cambria Math" panose="02040503050406030204" pitchFamily="18" charset="0"/>
+                            </a:rPr>
+                            <m:t>𝑛</m:t>
+                          </m:r>
+                          <m:r>
+                            <a:rPr lang="pt-BR" i="1">
+                              <a:latin typeface="Cambria Math" panose="02040503050406030204" pitchFamily="18" charset="0"/>
+                              <a:ea typeface="Cambria Math" panose="02040503050406030204" pitchFamily="18" charset="0"/>
+                            </a:rPr>
+                            <m:t>=0</m:t>
+                          </m:r>
+                        </m:sub>
+                        <m:sup>
+                          <m:r>
+                            <a:rPr lang="pt-BR" i="1">
+                              <a:latin typeface="Cambria Math" panose="02040503050406030204" pitchFamily="18" charset="0"/>
+                              <a:ea typeface="Cambria Math" panose="02040503050406030204" pitchFamily="18" charset="0"/>
+                            </a:rPr>
+                            <m:t>∞</m:t>
+                          </m:r>
+                        </m:sup>
+                        <m:e>
+                          <m:sSup>
+                            <m:sSupPr>
+                              <m:ctrlPr>
+                                <a:rPr lang="pt-BR" i="1">
+                                  <a:latin typeface="Cambria Math" panose="02040503050406030204" pitchFamily="18" charset="0"/>
+                                  <a:ea typeface="Cambria Math" panose="02040503050406030204" pitchFamily="18" charset="0"/>
+                                </a:rPr>
+                              </m:ctrlPr>
+                            </m:sSupPr>
+                            <m:e>
+                              <m:r>
+                                <a:rPr lang="pt-BR" i="1">
+                                  <a:latin typeface="Cambria Math" panose="02040503050406030204" pitchFamily="18" charset="0"/>
+                                  <a:ea typeface="Cambria Math" panose="02040503050406030204" pitchFamily="18" charset="0"/>
+                                </a:rPr>
+                                <m:t>𝑥</m:t>
+                              </m:r>
+                            </m:e>
+                            <m:sup>
+                              <m:r>
+                                <a:rPr lang="pt-BR" i="1">
+                                  <a:latin typeface="Cambria Math" panose="02040503050406030204" pitchFamily="18" charset="0"/>
+                                  <a:ea typeface="Cambria Math" panose="02040503050406030204" pitchFamily="18" charset="0"/>
+                                </a:rPr>
+                                <m:t>𝑛</m:t>
+                              </m:r>
+                            </m:sup>
+                          </m:sSup>
+                        </m:e>
+                      </m:nary>
+                      <m:r>
+                        <a:rPr lang="pt-BR" i="1">
+                          <a:latin typeface="Cambria Math" panose="02040503050406030204" pitchFamily="18" charset="0"/>
+                          <a:ea typeface="Cambria Math" panose="02040503050406030204" pitchFamily="18" charset="0"/>
+                        </a:rPr>
+                        <m:t>=</m:t>
+                      </m:r>
+                      <m:r>
+                        <a:rPr lang="en-US" b="0" i="1" smtClean="0">
+                          <a:latin typeface="Cambria Math" panose="02040503050406030204" pitchFamily="18" charset="0"/>
+                          <a:ea typeface="Cambria Math" panose="02040503050406030204" pitchFamily="18" charset="0"/>
+                        </a:rPr>
+                        <m:t>1</m:t>
+                      </m:r>
+                      <m:r>
+                        <a:rPr lang="pt-BR" i="1">
+                          <a:latin typeface="Cambria Math" panose="02040503050406030204" pitchFamily="18" charset="0"/>
+                          <a:ea typeface="Cambria Math" panose="02040503050406030204" pitchFamily="18" charset="0"/>
+                        </a:rPr>
+                        <m:t>+</m:t>
+                      </m:r>
+                      <m:r>
+                        <a:rPr lang="en-US" i="1">
+                          <a:latin typeface="Cambria Math" panose="02040503050406030204" pitchFamily="18" charset="0"/>
+                          <a:ea typeface="Cambria Math" panose="02040503050406030204" pitchFamily="18" charset="0"/>
+                        </a:rPr>
+                        <m:t>𝑥</m:t>
+                      </m:r>
+                      <m:r>
+                        <a:rPr lang="pt-BR" i="1">
+                          <a:latin typeface="Cambria Math" panose="02040503050406030204" pitchFamily="18" charset="0"/>
+                          <a:ea typeface="Cambria Math" panose="02040503050406030204" pitchFamily="18" charset="0"/>
+                        </a:rPr>
+                        <m:t>+</m:t>
+                      </m:r>
+                      <m:sSup>
+                        <m:sSupPr>
+                          <m:ctrlPr>
+                            <a:rPr lang="pt-BR" i="1">
+                              <a:latin typeface="Cambria Math" panose="02040503050406030204" pitchFamily="18" charset="0"/>
+                              <a:ea typeface="Cambria Math" panose="02040503050406030204" pitchFamily="18" charset="0"/>
+                            </a:rPr>
+                          </m:ctrlPr>
+                        </m:sSupPr>
+                        <m:e>
+                          <m:r>
+                            <a:rPr lang="pt-BR" i="1">
+                              <a:latin typeface="Cambria Math" panose="02040503050406030204" pitchFamily="18" charset="0"/>
+                              <a:ea typeface="Cambria Math" panose="02040503050406030204" pitchFamily="18" charset="0"/>
+                            </a:rPr>
+                            <m:t>𝑥</m:t>
+                          </m:r>
+                        </m:e>
+                        <m:sup>
+                          <m:r>
+                            <a:rPr lang="en-US" i="1">
+                              <a:latin typeface="Cambria Math" panose="02040503050406030204" pitchFamily="18" charset="0"/>
+                              <a:ea typeface="Cambria Math" panose="02040503050406030204" pitchFamily="18" charset="0"/>
+                            </a:rPr>
+                            <m:t>2</m:t>
+                          </m:r>
+                        </m:sup>
+                      </m:sSup>
+                      <m:r>
+                        <a:rPr lang="pt-BR" i="1">
+                          <a:latin typeface="Cambria Math" panose="02040503050406030204" pitchFamily="18" charset="0"/>
+                          <a:ea typeface="Cambria Math" panose="02040503050406030204" pitchFamily="18" charset="0"/>
+                        </a:rPr>
+                        <m:t>+…+</m:t>
+                      </m:r>
+                      <m:sSup>
+                        <m:sSupPr>
+                          <m:ctrlPr>
+                            <a:rPr lang="pt-BR" i="1">
+                              <a:latin typeface="Cambria Math" panose="02040503050406030204" pitchFamily="18" charset="0"/>
+                              <a:ea typeface="Cambria Math" panose="02040503050406030204" pitchFamily="18" charset="0"/>
+                            </a:rPr>
+                          </m:ctrlPr>
+                        </m:sSupPr>
+                        <m:e>
+                          <m:r>
+                            <a:rPr lang="pt-BR" i="1">
+                              <a:latin typeface="Cambria Math" panose="02040503050406030204" pitchFamily="18" charset="0"/>
+                              <a:ea typeface="Cambria Math" panose="02040503050406030204" pitchFamily="18" charset="0"/>
+                            </a:rPr>
+                            <m:t>𝑥</m:t>
+                          </m:r>
+                        </m:e>
+                        <m:sup>
+                          <m:r>
+                            <a:rPr lang="pt-BR" i="1">
+                              <a:latin typeface="Cambria Math" panose="02040503050406030204" pitchFamily="18" charset="0"/>
+                              <a:ea typeface="Cambria Math" panose="02040503050406030204" pitchFamily="18" charset="0"/>
+                            </a:rPr>
+                            <m:t>𝑛</m:t>
+                          </m:r>
+                        </m:sup>
+                      </m:sSup>
+                      <m:r>
+                        <a:rPr lang="pt-BR" i="1">
+                          <a:latin typeface="Cambria Math" panose="02040503050406030204" pitchFamily="18" charset="0"/>
+                          <a:ea typeface="Cambria Math" panose="02040503050406030204" pitchFamily="18" charset="0"/>
+                        </a:rPr>
+                        <m:t>+…</m:t>
+                      </m:r>
+                    </m:oMath>
+                  </m:oMathPara>
+                </a14:m>
+                <a:endParaRPr lang="pt-BR" dirty="0"/>
+              </a:p>
+            </p:txBody>
+          </p:sp>
+        </mc:Choice>
+        <mc:Fallback xmlns="">
+          <p:sp>
+            <p:nvSpPr>
+              <p:cNvPr id="2" name="CaixaDeTexto 1">
+                <a:extLst>
+                  <a:ext uri="{FF2B5EF4-FFF2-40B4-BE49-F238E27FC236}">
+                    <a16:creationId xmlns:a16="http://schemas.microsoft.com/office/drawing/2014/main" id="{51A5F16D-9446-8B12-E280-836A42F986E4}"/>
+                  </a:ext>
+                </a:extLst>
+              </p:cNvPr>
+              <p:cNvSpPr txBox="1">
+                <a:spLocks noRot="1" noChangeAspect="1" noMove="1" noResize="1" noEditPoints="1" noAdjustHandles="1" noChangeArrowheads="1" noChangeShapeType="1" noTextEdit="1"/>
+              </p:cNvSpPr>
+              <p:nvPr/>
+            </p:nvSpPr>
+            <p:spPr>
+              <a:xfrm>
+                <a:off x="656492" y="961155"/>
+                <a:ext cx="3501407" cy="755528"/>
+              </a:xfrm>
+              <a:prstGeom prst="rect">
+                <a:avLst/>
+              </a:prstGeom>
+              <a:blipFill>
+                <a:blip r:embed="rId3"/>
+                <a:stretch>
+                  <a:fillRect/>
+                </a:stretch>
+              </a:blipFill>
+            </p:spPr>
+            <p:txBody>
+              <a:bodyPr/>
+              <a:lstStyle/>
+              <a:p>
+                <a:r>
+                  <a:rPr lang="pt-BR">
+                    <a:noFill/>
+                  </a:rPr>
+                  <a:t> </a:t>
+                </a:r>
+              </a:p>
+            </p:txBody>
+          </p:sp>
+        </mc:Fallback>
+      </mc:AlternateContent>
+      <p:pic>
+        <p:nvPicPr>
+          <p:cNvPr id="8" name="Imagem 7" descr="Gráfico, Gráfico de linhas&#10;&#10;Descrição gerada automaticamente">
+            <a:extLst>
+              <a:ext uri="{FF2B5EF4-FFF2-40B4-BE49-F238E27FC236}">
+                <a16:creationId xmlns:a16="http://schemas.microsoft.com/office/drawing/2014/main" id="{314C0294-E074-5323-1CB8-883BD9245E48}"/>
+              </a:ext>
+            </a:extLst>
+          </p:cNvPr>
+          <p:cNvPicPr>
+            <a:picLocks noChangeAspect="1"/>
+          </p:cNvPicPr>
+          <p:nvPr/>
+        </p:nvPicPr>
+        <p:blipFill>
+          <a:blip r:embed="rId4"/>
+          <a:stretch>
+            <a:fillRect/>
+          </a:stretch>
+        </p:blipFill>
+        <p:spPr>
+          <a:xfrm>
+            <a:off x="1828800" y="1600200"/>
+            <a:ext cx="5486400" cy="3657600"/>
+          </a:xfrm>
+          <a:prstGeom prst="rect">
+            <a:avLst/>
+          </a:prstGeom>
+        </p:spPr>
+      </p:pic>
+    </p:spTree>
+    <p:custDataLst>
+      <p:tags r:id="rId1"/>
+    </p:custDataLst>
+    <p:extLst>
+      <p:ext uri="{BB962C8B-B14F-4D97-AF65-F5344CB8AC3E}">
+        <p14:creationId xmlns:p14="http://schemas.microsoft.com/office/powerpoint/2010/main" val="3943509360"/>
+      </p:ext>
+    </p:extLst>
+  </p:cSld>
+  <p:clrMapOvr>
+    <a:masterClrMapping/>
+  </p:clrMapOvr>
+</p:sld>
+</file>
+
+<file path=ppt/slides/slide12.xml><?xml version="1.0" encoding="utf-8"?>
+<p:sld xmlns:a="http://schemas.openxmlformats.org/drawingml/2006/main" xmlns:r="http://schemas.openxmlformats.org/officeDocument/2006/relationships" xmlns:p="http://schemas.openxmlformats.org/presentationml/2006/main">
+  <p:cSld>
+    <p:spTree>
+      <p:nvGrpSpPr>
+        <p:cNvPr id="1" name=""/>
+        <p:cNvGrpSpPr/>
+        <p:nvPr/>
+      </p:nvGrpSpPr>
+      <p:grpSpPr>
+        <a:xfrm>
+          <a:off x="0" y="0"/>
+          <a:ext cx="0" cy="0"/>
+          <a:chOff x="0" y="0"/>
+          <a:chExt cx="0" cy="0"/>
+        </a:xfrm>
+      </p:grpSpPr>
+      <p:sp>
+        <p:nvSpPr>
+          <p:cNvPr id="3" name="CaixaDeTexto 2"/>
+          <p:cNvSpPr txBox="1"/>
+          <p:nvPr/>
+        </p:nvSpPr>
+        <p:spPr>
+          <a:xfrm>
+            <a:off x="292608" y="240405"/>
+            <a:ext cx="1306448" cy="461665"/>
+          </a:xfrm>
+          <a:prstGeom prst="rect">
+            <a:avLst/>
+          </a:prstGeom>
+          <a:noFill/>
+        </p:spPr>
+        <p:txBody>
+          <a:bodyPr wrap="none" rtlCol="0">
+            <a:spAutoFit/>
+          </a:bodyPr>
+          <a:lstStyle/>
+          <a:p>
+            <a:r>
+              <a:rPr lang="pt-BR" sz="2400" b="1" dirty="0">
+                <a:solidFill>
+                  <a:srgbClr val="FF0000"/>
+                </a:solidFill>
+                <a:latin typeface="Cambria Math" panose="02040503050406030204" pitchFamily="18" charset="0"/>
+                <a:ea typeface="Cambria Math" panose="02040503050406030204" pitchFamily="18" charset="0"/>
+              </a:rPr>
+              <a:t>Exemplo</a:t>
+            </a:r>
+          </a:p>
+        </p:txBody>
+      </p:sp>
+      <mc:AlternateContent xmlns:mc="http://schemas.openxmlformats.org/markup-compatibility/2006" xmlns:a14="http://schemas.microsoft.com/office/drawing/2010/main">
+        <mc:Choice Requires="a14">
+          <p:sp>
+            <p:nvSpPr>
+              <p:cNvPr id="2" name="CaixaDeTexto 1">
+                <a:extLst>
+                  <a:ext uri="{FF2B5EF4-FFF2-40B4-BE49-F238E27FC236}">
+                    <a16:creationId xmlns:a16="http://schemas.microsoft.com/office/drawing/2014/main" id="{51A5F16D-9446-8B12-E280-836A42F986E4}"/>
+                  </a:ext>
+                </a:extLst>
+              </p:cNvPr>
+              <p:cNvSpPr txBox="1"/>
+              <p:nvPr/>
+            </p:nvSpPr>
+            <p:spPr>
+              <a:xfrm>
+                <a:off x="656492" y="961155"/>
+                <a:ext cx="3501407" cy="755528"/>
+              </a:xfrm>
+              <a:prstGeom prst="rect">
+                <a:avLst/>
+              </a:prstGeom>
+              <a:noFill/>
+            </p:spPr>
+            <p:txBody>
+              <a:bodyPr wrap="none" lIns="0" tIns="0" rIns="0" bIns="0" rtlCol="0">
+                <a:spAutoFit/>
+              </a:bodyPr>
+              <a:lstStyle/>
+              <a:p>
+                <a:pPr/>
+                <a14:m>
+                  <m:oMathPara xmlns:m="http://schemas.openxmlformats.org/officeDocument/2006/math">
+                    <m:oMathParaPr>
+                      <m:jc m:val="centerGroup"/>
+                    </m:oMathParaPr>
+                    <m:oMath xmlns:m="http://schemas.openxmlformats.org/officeDocument/2006/math">
+                      <m:nary>
+                        <m:naryPr>
+                          <m:chr m:val="∑"/>
+                          <m:ctrlPr>
+                            <a:rPr lang="pt-BR" i="1" smtClean="0">
+                              <a:latin typeface="Cambria Math" panose="02040503050406030204" pitchFamily="18" charset="0"/>
+                              <a:ea typeface="Cambria Math" panose="02040503050406030204" pitchFamily="18" charset="0"/>
+                            </a:rPr>
+                          </m:ctrlPr>
+                        </m:naryPr>
+                        <m:sub>
+                          <m:r>
+                            <m:rPr>
+                              <m:brk m:alnAt="23"/>
+                            </m:rPr>
+                            <a:rPr lang="pt-BR" i="1">
+                              <a:latin typeface="Cambria Math" panose="02040503050406030204" pitchFamily="18" charset="0"/>
+                              <a:ea typeface="Cambria Math" panose="02040503050406030204" pitchFamily="18" charset="0"/>
+                            </a:rPr>
+                            <m:t>𝑛</m:t>
+                          </m:r>
+                          <m:r>
+                            <a:rPr lang="pt-BR" i="1">
+                              <a:latin typeface="Cambria Math" panose="02040503050406030204" pitchFamily="18" charset="0"/>
+                              <a:ea typeface="Cambria Math" panose="02040503050406030204" pitchFamily="18" charset="0"/>
+                            </a:rPr>
+                            <m:t>=0</m:t>
+                          </m:r>
+                        </m:sub>
+                        <m:sup>
+                          <m:r>
+                            <a:rPr lang="pt-BR" i="1">
+                              <a:latin typeface="Cambria Math" panose="02040503050406030204" pitchFamily="18" charset="0"/>
+                              <a:ea typeface="Cambria Math" panose="02040503050406030204" pitchFamily="18" charset="0"/>
+                            </a:rPr>
+                            <m:t>∞</m:t>
+                          </m:r>
+                        </m:sup>
+                        <m:e>
+                          <m:sSup>
+                            <m:sSupPr>
+                              <m:ctrlPr>
+                                <a:rPr lang="pt-BR" i="1">
+                                  <a:latin typeface="Cambria Math" panose="02040503050406030204" pitchFamily="18" charset="0"/>
+                                  <a:ea typeface="Cambria Math" panose="02040503050406030204" pitchFamily="18" charset="0"/>
+                                </a:rPr>
+                              </m:ctrlPr>
+                            </m:sSupPr>
+                            <m:e>
+                              <m:r>
+                                <a:rPr lang="pt-BR" i="1">
+                                  <a:latin typeface="Cambria Math" panose="02040503050406030204" pitchFamily="18" charset="0"/>
+                                  <a:ea typeface="Cambria Math" panose="02040503050406030204" pitchFamily="18" charset="0"/>
+                                </a:rPr>
+                                <m:t>𝑥</m:t>
+                              </m:r>
+                            </m:e>
+                            <m:sup>
+                              <m:r>
+                                <a:rPr lang="pt-BR" i="1">
+                                  <a:latin typeface="Cambria Math" panose="02040503050406030204" pitchFamily="18" charset="0"/>
+                                  <a:ea typeface="Cambria Math" panose="02040503050406030204" pitchFamily="18" charset="0"/>
+                                </a:rPr>
+                                <m:t>𝑛</m:t>
+                              </m:r>
+                            </m:sup>
+                          </m:sSup>
+                        </m:e>
+                      </m:nary>
+                      <m:r>
+                        <a:rPr lang="pt-BR" i="1">
+                          <a:latin typeface="Cambria Math" panose="02040503050406030204" pitchFamily="18" charset="0"/>
+                          <a:ea typeface="Cambria Math" panose="02040503050406030204" pitchFamily="18" charset="0"/>
+                        </a:rPr>
+                        <m:t>=</m:t>
+                      </m:r>
+                      <m:r>
+                        <a:rPr lang="en-US" b="0" i="1" smtClean="0">
+                          <a:latin typeface="Cambria Math" panose="02040503050406030204" pitchFamily="18" charset="0"/>
+                          <a:ea typeface="Cambria Math" panose="02040503050406030204" pitchFamily="18" charset="0"/>
+                        </a:rPr>
+                        <m:t>1</m:t>
+                      </m:r>
+                      <m:r>
+                        <a:rPr lang="pt-BR" i="1">
+                          <a:latin typeface="Cambria Math" panose="02040503050406030204" pitchFamily="18" charset="0"/>
+                          <a:ea typeface="Cambria Math" panose="02040503050406030204" pitchFamily="18" charset="0"/>
+                        </a:rPr>
+                        <m:t>+</m:t>
+                      </m:r>
+                      <m:r>
+                        <a:rPr lang="en-US" i="1">
+                          <a:latin typeface="Cambria Math" panose="02040503050406030204" pitchFamily="18" charset="0"/>
+                          <a:ea typeface="Cambria Math" panose="02040503050406030204" pitchFamily="18" charset="0"/>
+                        </a:rPr>
+                        <m:t>𝑥</m:t>
+                      </m:r>
+                      <m:r>
+                        <a:rPr lang="pt-BR" i="1">
+                          <a:latin typeface="Cambria Math" panose="02040503050406030204" pitchFamily="18" charset="0"/>
+                          <a:ea typeface="Cambria Math" panose="02040503050406030204" pitchFamily="18" charset="0"/>
+                        </a:rPr>
+                        <m:t>+</m:t>
+                      </m:r>
+                      <m:sSup>
+                        <m:sSupPr>
+                          <m:ctrlPr>
+                            <a:rPr lang="pt-BR" i="1">
+                              <a:latin typeface="Cambria Math" panose="02040503050406030204" pitchFamily="18" charset="0"/>
+                              <a:ea typeface="Cambria Math" panose="02040503050406030204" pitchFamily="18" charset="0"/>
+                            </a:rPr>
+                          </m:ctrlPr>
+                        </m:sSupPr>
+                        <m:e>
+                          <m:r>
+                            <a:rPr lang="pt-BR" i="1">
+                              <a:latin typeface="Cambria Math" panose="02040503050406030204" pitchFamily="18" charset="0"/>
+                              <a:ea typeface="Cambria Math" panose="02040503050406030204" pitchFamily="18" charset="0"/>
+                            </a:rPr>
+                            <m:t>𝑥</m:t>
+                          </m:r>
+                        </m:e>
+                        <m:sup>
+                          <m:r>
+                            <a:rPr lang="en-US" i="1">
+                              <a:latin typeface="Cambria Math" panose="02040503050406030204" pitchFamily="18" charset="0"/>
+                              <a:ea typeface="Cambria Math" panose="02040503050406030204" pitchFamily="18" charset="0"/>
+                            </a:rPr>
+                            <m:t>2</m:t>
+                          </m:r>
+                        </m:sup>
+                      </m:sSup>
+                      <m:r>
+                        <a:rPr lang="pt-BR" i="1">
+                          <a:latin typeface="Cambria Math" panose="02040503050406030204" pitchFamily="18" charset="0"/>
+                          <a:ea typeface="Cambria Math" panose="02040503050406030204" pitchFamily="18" charset="0"/>
+                        </a:rPr>
+                        <m:t>+…+</m:t>
+                      </m:r>
+                      <m:sSup>
+                        <m:sSupPr>
+                          <m:ctrlPr>
+                            <a:rPr lang="pt-BR" i="1">
+                              <a:latin typeface="Cambria Math" panose="02040503050406030204" pitchFamily="18" charset="0"/>
+                              <a:ea typeface="Cambria Math" panose="02040503050406030204" pitchFamily="18" charset="0"/>
+                            </a:rPr>
+                          </m:ctrlPr>
+                        </m:sSupPr>
+                        <m:e>
+                          <m:r>
+                            <a:rPr lang="pt-BR" i="1">
+                              <a:latin typeface="Cambria Math" panose="02040503050406030204" pitchFamily="18" charset="0"/>
+                              <a:ea typeface="Cambria Math" panose="02040503050406030204" pitchFamily="18" charset="0"/>
+                            </a:rPr>
+                            <m:t>𝑥</m:t>
+                          </m:r>
+                        </m:e>
+                        <m:sup>
+                          <m:r>
+                            <a:rPr lang="pt-BR" i="1">
+                              <a:latin typeface="Cambria Math" panose="02040503050406030204" pitchFamily="18" charset="0"/>
+                              <a:ea typeface="Cambria Math" panose="02040503050406030204" pitchFamily="18" charset="0"/>
+                            </a:rPr>
+                            <m:t>𝑛</m:t>
+                          </m:r>
+                        </m:sup>
+                      </m:sSup>
+                      <m:r>
+                        <a:rPr lang="pt-BR" i="1">
+                          <a:latin typeface="Cambria Math" panose="02040503050406030204" pitchFamily="18" charset="0"/>
+                          <a:ea typeface="Cambria Math" panose="02040503050406030204" pitchFamily="18" charset="0"/>
+                        </a:rPr>
+                        <m:t>+…</m:t>
+                      </m:r>
+                    </m:oMath>
+                  </m:oMathPara>
+                </a14:m>
+                <a:endParaRPr lang="pt-BR" dirty="0"/>
+              </a:p>
+            </p:txBody>
+          </p:sp>
+        </mc:Choice>
+        <mc:Fallback xmlns="">
+          <p:sp>
+            <p:nvSpPr>
+              <p:cNvPr id="2" name="CaixaDeTexto 1">
+                <a:extLst>
+                  <a:ext uri="{FF2B5EF4-FFF2-40B4-BE49-F238E27FC236}">
+                    <a16:creationId xmlns:a16="http://schemas.microsoft.com/office/drawing/2014/main" id="{51A5F16D-9446-8B12-E280-836A42F986E4}"/>
+                  </a:ext>
+                </a:extLst>
+              </p:cNvPr>
+              <p:cNvSpPr txBox="1">
+                <a:spLocks noRot="1" noChangeAspect="1" noMove="1" noResize="1" noEditPoints="1" noAdjustHandles="1" noChangeArrowheads="1" noChangeShapeType="1" noTextEdit="1"/>
+              </p:cNvSpPr>
+              <p:nvPr/>
+            </p:nvSpPr>
+            <p:spPr>
+              <a:xfrm>
+                <a:off x="656492" y="961155"/>
+                <a:ext cx="3501407" cy="755528"/>
+              </a:xfrm>
+              <a:prstGeom prst="rect">
+                <a:avLst/>
+              </a:prstGeom>
+              <a:blipFill>
+                <a:blip r:embed="rId3"/>
+                <a:stretch>
+                  <a:fillRect/>
+                </a:stretch>
+              </a:blipFill>
+            </p:spPr>
+            <p:txBody>
+              <a:bodyPr/>
+              <a:lstStyle/>
+              <a:p>
+                <a:r>
+                  <a:rPr lang="pt-BR">
+                    <a:noFill/>
+                  </a:rPr>
+                  <a:t> </a:t>
+                </a:r>
+              </a:p>
+            </p:txBody>
+          </p:sp>
+        </mc:Fallback>
+      </mc:AlternateContent>
+      <p:pic>
+        <p:nvPicPr>
+          <p:cNvPr id="6" name="Imagem 5" descr="Gráfico, Gráfico de linhas&#10;&#10;Descrição gerada automaticamente">
+            <a:extLst>
+              <a:ext uri="{FF2B5EF4-FFF2-40B4-BE49-F238E27FC236}">
+                <a16:creationId xmlns:a16="http://schemas.microsoft.com/office/drawing/2014/main" id="{C2325976-76C5-C819-214B-932C035AE84D}"/>
+              </a:ext>
+            </a:extLst>
+          </p:cNvPr>
+          <p:cNvPicPr>
+            <a:picLocks noChangeAspect="1"/>
+          </p:cNvPicPr>
+          <p:nvPr/>
+        </p:nvPicPr>
+        <p:blipFill>
+          <a:blip r:embed="rId4"/>
+          <a:stretch>
+            <a:fillRect/>
+          </a:stretch>
+        </p:blipFill>
+        <p:spPr>
+          <a:xfrm>
+            <a:off x="1828800" y="1600200"/>
+            <a:ext cx="5486400" cy="3657600"/>
+          </a:xfrm>
+          <a:prstGeom prst="rect">
+            <a:avLst/>
+          </a:prstGeom>
+        </p:spPr>
+      </p:pic>
+    </p:spTree>
+    <p:custDataLst>
+      <p:tags r:id="rId1"/>
+    </p:custDataLst>
+    <p:extLst>
+      <p:ext uri="{BB962C8B-B14F-4D97-AF65-F5344CB8AC3E}">
+        <p14:creationId xmlns:p14="http://schemas.microsoft.com/office/powerpoint/2010/main" val="1276554640"/>
+      </p:ext>
+    </p:extLst>
+  </p:cSld>
+  <p:clrMapOvr>
+    <a:masterClrMapping/>
+  </p:clrMapOvr>
+</p:sld>
+</file>
+
 <file path=ppt/slides/slide2.xml><?xml version="1.0" encoding="utf-8"?>
 <p:sld xmlns:a="http://schemas.openxmlformats.org/drawingml/2006/main" xmlns:r="http://schemas.openxmlformats.org/officeDocument/2006/relationships" xmlns:p="http://schemas.openxmlformats.org/presentationml/2006/main">
   <p:cSld>
@@ -6004,8 +7287,8 @@
           </p:sp>
         </mc:Fallback>
       </mc:AlternateContent>
-      <mc:AlternateContent xmlns:mc="http://schemas.openxmlformats.org/markup-compatibility/2006" xmlns:a14="http://schemas.microsoft.com/office/drawing/2010/main">
-        <mc:Choice Requires="a14">
+      <mc:AlternateContent xmlns:mc="http://schemas.openxmlformats.org/markup-compatibility/2006">
+        <mc:Choice xmlns:a14="http://schemas.microsoft.com/office/drawing/2010/main" Requires="a14">
           <p:sp>
             <p:nvSpPr>
               <p:cNvPr id="4" name="Retângulo 3">
@@ -6020,8 +7303,8 @@
             </p:nvSpPr>
             <p:spPr>
               <a:xfrm>
-                <a:off x="4986103" y="1065608"/>
-                <a:ext cx="2345084" cy="430887"/>
+                <a:off x="4986102" y="1065608"/>
+                <a:ext cx="2545665" cy="430887"/>
               </a:xfrm>
               <a:prstGeom prst="rect">
                 <a:avLst/>
@@ -6055,7 +7338,7 @@
                         <a:latin typeface="Cambria Math" panose="02040503050406030204" pitchFamily="18" charset="0"/>
                         <a:ea typeface="Cambria Math" panose="02040503050406030204" pitchFamily="18" charset="0"/>
                       </a:rPr>
-                      <m:t>=−1,3</m:t>
+                      <m:t>=−1,45</m:t>
                     </m:r>
                   </m:oMath>
                 </a14:m>
@@ -6067,7 +7350,7 @@
             </p:txBody>
           </p:sp>
         </mc:Choice>
-        <mc:Fallback xmlns="">
+        <mc:Fallback>
           <p:sp>
             <p:nvSpPr>
               <p:cNvPr id="4" name="Retângulo 3">
@@ -6084,8 +7367,8 @@
             </p:nvSpPr>
             <p:spPr>
               <a:xfrm>
-                <a:off x="4986103" y="1065608"/>
-                <a:ext cx="2345084" cy="430887"/>
+                <a:off x="4986102" y="1065608"/>
+                <a:ext cx="2545665" cy="430887"/>
               </a:xfrm>
               <a:prstGeom prst="rect">
                 <a:avLst/>
@@ -6093,7 +7376,7 @@
               <a:blipFill>
                 <a:blip r:embed="rId4"/>
                 <a:stretch>
-                  <a:fillRect l="-3377" t="-10000" b="-28571"/>
+                  <a:fillRect l="-3110" t="-10000" b="-28571"/>
                 </a:stretch>
               </a:blipFill>
             </p:spPr>
@@ -6114,10 +7397,10 @@
       </mc:AlternateContent>
       <p:pic>
         <p:nvPicPr>
-          <p:cNvPr id="12" name="Imagem 11" descr="Gráfico, Gráfico de linhas&#10;&#10;Descrição gerada automaticamente">
+          <p:cNvPr id="6" name="Imagem 5" descr="Gráfico, Gráfico de linhas&#10;&#10;Descrição gerada automaticamente">
             <a:extLst>
               <a:ext uri="{FF2B5EF4-FFF2-40B4-BE49-F238E27FC236}">
-                <a16:creationId xmlns:a16="http://schemas.microsoft.com/office/drawing/2014/main" id="{01E017F8-2DD4-35AF-FC44-D265E85DA5B8}"/>
+                <a16:creationId xmlns:a16="http://schemas.microsoft.com/office/drawing/2014/main" id="{9174B067-46C3-F16A-6C9E-E1DF45F21619}"/>
               </a:ext>
             </a:extLst>
           </p:cNvPr>
@@ -6134,8 +7417,8 @@
         </p:blipFill>
         <p:spPr>
           <a:xfrm>
-            <a:off x="1062001" y="1496495"/>
-            <a:ext cx="7020000" cy="4680000"/>
+            <a:off x="1828800" y="1600200"/>
+            <a:ext cx="5486400" cy="3657600"/>
           </a:xfrm>
           <a:prstGeom prst="rect">
             <a:avLst/>
@@ -6670,10 +7953,10 @@
       </mc:AlternateContent>
       <p:pic>
         <p:nvPicPr>
-          <p:cNvPr id="6" name="Imagem 5" descr="Gráfico, Gráfico de linhas&#10;&#10;Descrição gerada automaticamente">
+          <p:cNvPr id="7" name="Imagem 6" descr="Gráfico, Gráfico de linhas&#10;&#10;Descrição gerada automaticamente">
             <a:extLst>
               <a:ext uri="{FF2B5EF4-FFF2-40B4-BE49-F238E27FC236}">
-                <a16:creationId xmlns:a16="http://schemas.microsoft.com/office/drawing/2014/main" id="{77E81A63-61AE-D9E1-E81A-17B8023CB493}"/>
+                <a16:creationId xmlns:a16="http://schemas.microsoft.com/office/drawing/2014/main" id="{88D272C2-1FAC-D486-FAAA-28FEFC72D7A7}"/>
               </a:ext>
             </a:extLst>
           </p:cNvPr>
@@ -6690,8 +7973,8 @@
         </p:blipFill>
         <p:spPr>
           <a:xfrm>
-            <a:off x="1062001" y="1496495"/>
-            <a:ext cx="7020000" cy="4680000"/>
+            <a:off x="1828800" y="1600200"/>
+            <a:ext cx="5486400" cy="3657600"/>
           </a:xfrm>
           <a:prstGeom prst="rect">
             <a:avLst/>
@@ -7116,8 +8399,8 @@
           </p:sp>
         </mc:Fallback>
       </mc:AlternateContent>
-      <mc:AlternateContent xmlns:mc="http://schemas.openxmlformats.org/markup-compatibility/2006" xmlns:a14="http://schemas.microsoft.com/office/drawing/2010/main">
-        <mc:Choice Requires="a14">
+      <mc:AlternateContent xmlns:mc="http://schemas.openxmlformats.org/markup-compatibility/2006">
+        <mc:Choice xmlns:a14="http://schemas.microsoft.com/office/drawing/2010/main" Requires="a14">
           <p:sp>
             <p:nvSpPr>
               <p:cNvPr id="4" name="Retângulo 3">
@@ -7167,7 +8450,7 @@
                         <a:latin typeface="Cambria Math" panose="02040503050406030204" pitchFamily="18" charset="0"/>
                         <a:ea typeface="Cambria Math" panose="02040503050406030204" pitchFamily="18" charset="0"/>
                       </a:rPr>
-                      <m:t>=−0</m:t>
+                      <m:t>=−0,5</m:t>
                     </m:r>
                   </m:oMath>
                 </a14:m>
@@ -7179,7 +8462,7 @@
             </p:txBody>
           </p:sp>
         </mc:Choice>
-        <mc:Fallback xmlns="">
+        <mc:Fallback>
           <p:sp>
             <p:nvSpPr>
               <p:cNvPr id="4" name="Retângulo 3">
@@ -7226,10 +8509,10 @@
       </mc:AlternateContent>
       <p:pic>
         <p:nvPicPr>
-          <p:cNvPr id="7" name="Imagem 6" descr="Gráfico, Gráfico de linhas&#10;&#10;Descrição gerada automaticamente">
+          <p:cNvPr id="9" name="Imagem 8" descr="Gráfico, Gráfico de linhas&#10;&#10;Descrição gerada automaticamente">
             <a:extLst>
               <a:ext uri="{FF2B5EF4-FFF2-40B4-BE49-F238E27FC236}">
-                <a16:creationId xmlns:a16="http://schemas.microsoft.com/office/drawing/2014/main" id="{AF609F6D-B137-AE28-B065-2301DDE1CB05}"/>
+                <a16:creationId xmlns:a16="http://schemas.microsoft.com/office/drawing/2014/main" id="{CD569D1C-CC0A-4B49-FABF-60371B59C7D0}"/>
               </a:ext>
             </a:extLst>
           </p:cNvPr>
@@ -7246,8 +8529,8 @@
         </p:blipFill>
         <p:spPr>
           <a:xfrm>
-            <a:off x="1062001" y="1496495"/>
-            <a:ext cx="7020000" cy="4680000"/>
+            <a:off x="1828800" y="1600200"/>
+            <a:ext cx="5486400" cy="3657600"/>
           </a:xfrm>
           <a:prstGeom prst="rect">
             <a:avLst/>
@@ -7357,6 +8640,1118 @@
 </file>
 
 <file path=ppt/slides/slide7.xml><?xml version="1.0" encoding="utf-8"?>
+<p:sld xmlns:a="http://schemas.openxmlformats.org/drawingml/2006/main" xmlns:r="http://schemas.openxmlformats.org/officeDocument/2006/relationships" xmlns:p="http://schemas.openxmlformats.org/presentationml/2006/main">
+  <p:cSld>
+    <p:spTree>
+      <p:nvGrpSpPr>
+        <p:cNvPr id="1" name=""/>
+        <p:cNvGrpSpPr/>
+        <p:nvPr/>
+      </p:nvGrpSpPr>
+      <p:grpSpPr>
+        <a:xfrm>
+          <a:off x="0" y="0"/>
+          <a:ext cx="0" cy="0"/>
+          <a:chOff x="0" y="0"/>
+          <a:chExt cx="0" cy="0"/>
+        </a:xfrm>
+      </p:grpSpPr>
+      <p:sp>
+        <p:nvSpPr>
+          <p:cNvPr id="3" name="CaixaDeTexto 2"/>
+          <p:cNvSpPr txBox="1"/>
+          <p:nvPr/>
+        </p:nvSpPr>
+        <p:spPr>
+          <a:xfrm>
+            <a:off x="292608" y="240405"/>
+            <a:ext cx="1306448" cy="461665"/>
+          </a:xfrm>
+          <a:prstGeom prst="rect">
+            <a:avLst/>
+          </a:prstGeom>
+          <a:noFill/>
+        </p:spPr>
+        <p:txBody>
+          <a:bodyPr wrap="none" rtlCol="0">
+            <a:spAutoFit/>
+          </a:bodyPr>
+          <a:lstStyle/>
+          <a:p>
+            <a:r>
+              <a:rPr lang="pt-BR" sz="2400" b="1" dirty="0">
+                <a:solidFill>
+                  <a:srgbClr val="FF0000"/>
+                </a:solidFill>
+                <a:latin typeface="Cambria Math" panose="02040503050406030204" pitchFamily="18" charset="0"/>
+                <a:ea typeface="Cambria Math" panose="02040503050406030204" pitchFamily="18" charset="0"/>
+              </a:rPr>
+              <a:t>Exemplo</a:t>
+            </a:r>
+          </a:p>
+        </p:txBody>
+      </p:sp>
+      <mc:AlternateContent xmlns:mc="http://schemas.openxmlformats.org/markup-compatibility/2006" xmlns:a14="http://schemas.microsoft.com/office/drawing/2010/main">
+        <mc:Choice Requires="a14">
+          <p:sp>
+            <p:nvSpPr>
+              <p:cNvPr id="2" name="CaixaDeTexto 1">
+                <a:extLst>
+                  <a:ext uri="{FF2B5EF4-FFF2-40B4-BE49-F238E27FC236}">
+                    <a16:creationId xmlns:a16="http://schemas.microsoft.com/office/drawing/2014/main" id="{51A5F16D-9446-8B12-E280-836A42F986E4}"/>
+                  </a:ext>
+                </a:extLst>
+              </p:cNvPr>
+              <p:cNvSpPr txBox="1"/>
+              <p:nvPr/>
+            </p:nvSpPr>
+            <p:spPr>
+              <a:xfrm>
+                <a:off x="656492" y="961155"/>
+                <a:ext cx="3501407" cy="755528"/>
+              </a:xfrm>
+              <a:prstGeom prst="rect">
+                <a:avLst/>
+              </a:prstGeom>
+              <a:noFill/>
+            </p:spPr>
+            <p:txBody>
+              <a:bodyPr wrap="none" lIns="0" tIns="0" rIns="0" bIns="0" rtlCol="0">
+                <a:spAutoFit/>
+              </a:bodyPr>
+              <a:lstStyle/>
+              <a:p>
+                <a:pPr/>
+                <a14:m>
+                  <m:oMathPara xmlns:m="http://schemas.openxmlformats.org/officeDocument/2006/math">
+                    <m:oMathParaPr>
+                      <m:jc m:val="centerGroup"/>
+                    </m:oMathParaPr>
+                    <m:oMath xmlns:m="http://schemas.openxmlformats.org/officeDocument/2006/math">
+                      <m:nary>
+                        <m:naryPr>
+                          <m:chr m:val="∑"/>
+                          <m:ctrlPr>
+                            <a:rPr lang="pt-BR" i="1" smtClean="0">
+                              <a:latin typeface="Cambria Math" panose="02040503050406030204" pitchFamily="18" charset="0"/>
+                              <a:ea typeface="Cambria Math" panose="02040503050406030204" pitchFamily="18" charset="0"/>
+                            </a:rPr>
+                          </m:ctrlPr>
+                        </m:naryPr>
+                        <m:sub>
+                          <m:r>
+                            <m:rPr>
+                              <m:brk m:alnAt="23"/>
+                            </m:rPr>
+                            <a:rPr lang="pt-BR" i="1">
+                              <a:latin typeface="Cambria Math" panose="02040503050406030204" pitchFamily="18" charset="0"/>
+                              <a:ea typeface="Cambria Math" panose="02040503050406030204" pitchFamily="18" charset="0"/>
+                            </a:rPr>
+                            <m:t>𝑛</m:t>
+                          </m:r>
+                          <m:r>
+                            <a:rPr lang="pt-BR" i="1">
+                              <a:latin typeface="Cambria Math" panose="02040503050406030204" pitchFamily="18" charset="0"/>
+                              <a:ea typeface="Cambria Math" panose="02040503050406030204" pitchFamily="18" charset="0"/>
+                            </a:rPr>
+                            <m:t>=0</m:t>
+                          </m:r>
+                        </m:sub>
+                        <m:sup>
+                          <m:r>
+                            <a:rPr lang="pt-BR" i="1">
+                              <a:latin typeface="Cambria Math" panose="02040503050406030204" pitchFamily="18" charset="0"/>
+                              <a:ea typeface="Cambria Math" panose="02040503050406030204" pitchFamily="18" charset="0"/>
+                            </a:rPr>
+                            <m:t>∞</m:t>
+                          </m:r>
+                        </m:sup>
+                        <m:e>
+                          <m:sSup>
+                            <m:sSupPr>
+                              <m:ctrlPr>
+                                <a:rPr lang="pt-BR" i="1">
+                                  <a:latin typeface="Cambria Math" panose="02040503050406030204" pitchFamily="18" charset="0"/>
+                                  <a:ea typeface="Cambria Math" panose="02040503050406030204" pitchFamily="18" charset="0"/>
+                                </a:rPr>
+                              </m:ctrlPr>
+                            </m:sSupPr>
+                            <m:e>
+                              <m:r>
+                                <a:rPr lang="pt-BR" i="1">
+                                  <a:latin typeface="Cambria Math" panose="02040503050406030204" pitchFamily="18" charset="0"/>
+                                  <a:ea typeface="Cambria Math" panose="02040503050406030204" pitchFamily="18" charset="0"/>
+                                </a:rPr>
+                                <m:t>𝑥</m:t>
+                              </m:r>
+                            </m:e>
+                            <m:sup>
+                              <m:r>
+                                <a:rPr lang="pt-BR" i="1">
+                                  <a:latin typeface="Cambria Math" panose="02040503050406030204" pitchFamily="18" charset="0"/>
+                                  <a:ea typeface="Cambria Math" panose="02040503050406030204" pitchFamily="18" charset="0"/>
+                                </a:rPr>
+                                <m:t>𝑛</m:t>
+                              </m:r>
+                            </m:sup>
+                          </m:sSup>
+                        </m:e>
+                      </m:nary>
+                      <m:r>
+                        <a:rPr lang="pt-BR" i="1">
+                          <a:latin typeface="Cambria Math" panose="02040503050406030204" pitchFamily="18" charset="0"/>
+                          <a:ea typeface="Cambria Math" panose="02040503050406030204" pitchFamily="18" charset="0"/>
+                        </a:rPr>
+                        <m:t>=</m:t>
+                      </m:r>
+                      <m:r>
+                        <a:rPr lang="en-US" b="0" i="1" smtClean="0">
+                          <a:latin typeface="Cambria Math" panose="02040503050406030204" pitchFamily="18" charset="0"/>
+                          <a:ea typeface="Cambria Math" panose="02040503050406030204" pitchFamily="18" charset="0"/>
+                        </a:rPr>
+                        <m:t>1</m:t>
+                      </m:r>
+                      <m:r>
+                        <a:rPr lang="pt-BR" i="1">
+                          <a:latin typeface="Cambria Math" panose="02040503050406030204" pitchFamily="18" charset="0"/>
+                          <a:ea typeface="Cambria Math" panose="02040503050406030204" pitchFamily="18" charset="0"/>
+                        </a:rPr>
+                        <m:t>+</m:t>
+                      </m:r>
+                      <m:r>
+                        <a:rPr lang="en-US" i="1">
+                          <a:latin typeface="Cambria Math" panose="02040503050406030204" pitchFamily="18" charset="0"/>
+                          <a:ea typeface="Cambria Math" panose="02040503050406030204" pitchFamily="18" charset="0"/>
+                        </a:rPr>
+                        <m:t>𝑥</m:t>
+                      </m:r>
+                      <m:r>
+                        <a:rPr lang="pt-BR" i="1">
+                          <a:latin typeface="Cambria Math" panose="02040503050406030204" pitchFamily="18" charset="0"/>
+                          <a:ea typeface="Cambria Math" panose="02040503050406030204" pitchFamily="18" charset="0"/>
+                        </a:rPr>
+                        <m:t>+</m:t>
+                      </m:r>
+                      <m:sSup>
+                        <m:sSupPr>
+                          <m:ctrlPr>
+                            <a:rPr lang="pt-BR" i="1">
+                              <a:latin typeface="Cambria Math" panose="02040503050406030204" pitchFamily="18" charset="0"/>
+                              <a:ea typeface="Cambria Math" panose="02040503050406030204" pitchFamily="18" charset="0"/>
+                            </a:rPr>
+                          </m:ctrlPr>
+                        </m:sSupPr>
+                        <m:e>
+                          <m:r>
+                            <a:rPr lang="pt-BR" i="1">
+                              <a:latin typeface="Cambria Math" panose="02040503050406030204" pitchFamily="18" charset="0"/>
+                              <a:ea typeface="Cambria Math" panose="02040503050406030204" pitchFamily="18" charset="0"/>
+                            </a:rPr>
+                            <m:t>𝑥</m:t>
+                          </m:r>
+                        </m:e>
+                        <m:sup>
+                          <m:r>
+                            <a:rPr lang="en-US" i="1">
+                              <a:latin typeface="Cambria Math" panose="02040503050406030204" pitchFamily="18" charset="0"/>
+                              <a:ea typeface="Cambria Math" panose="02040503050406030204" pitchFamily="18" charset="0"/>
+                            </a:rPr>
+                            <m:t>2</m:t>
+                          </m:r>
+                        </m:sup>
+                      </m:sSup>
+                      <m:r>
+                        <a:rPr lang="pt-BR" i="1">
+                          <a:latin typeface="Cambria Math" panose="02040503050406030204" pitchFamily="18" charset="0"/>
+                          <a:ea typeface="Cambria Math" panose="02040503050406030204" pitchFamily="18" charset="0"/>
+                        </a:rPr>
+                        <m:t>+…+</m:t>
+                      </m:r>
+                      <m:sSup>
+                        <m:sSupPr>
+                          <m:ctrlPr>
+                            <a:rPr lang="pt-BR" i="1">
+                              <a:latin typeface="Cambria Math" panose="02040503050406030204" pitchFamily="18" charset="0"/>
+                              <a:ea typeface="Cambria Math" panose="02040503050406030204" pitchFamily="18" charset="0"/>
+                            </a:rPr>
+                          </m:ctrlPr>
+                        </m:sSupPr>
+                        <m:e>
+                          <m:r>
+                            <a:rPr lang="pt-BR" i="1">
+                              <a:latin typeface="Cambria Math" panose="02040503050406030204" pitchFamily="18" charset="0"/>
+                              <a:ea typeface="Cambria Math" panose="02040503050406030204" pitchFamily="18" charset="0"/>
+                            </a:rPr>
+                            <m:t>𝑥</m:t>
+                          </m:r>
+                        </m:e>
+                        <m:sup>
+                          <m:r>
+                            <a:rPr lang="pt-BR" i="1">
+                              <a:latin typeface="Cambria Math" panose="02040503050406030204" pitchFamily="18" charset="0"/>
+                              <a:ea typeface="Cambria Math" panose="02040503050406030204" pitchFamily="18" charset="0"/>
+                            </a:rPr>
+                            <m:t>𝑛</m:t>
+                          </m:r>
+                        </m:sup>
+                      </m:sSup>
+                      <m:r>
+                        <a:rPr lang="pt-BR" i="1">
+                          <a:latin typeface="Cambria Math" panose="02040503050406030204" pitchFamily="18" charset="0"/>
+                          <a:ea typeface="Cambria Math" panose="02040503050406030204" pitchFamily="18" charset="0"/>
+                        </a:rPr>
+                        <m:t>+…</m:t>
+                      </m:r>
+                    </m:oMath>
+                  </m:oMathPara>
+                </a14:m>
+                <a:endParaRPr lang="pt-BR" dirty="0"/>
+              </a:p>
+            </p:txBody>
+          </p:sp>
+        </mc:Choice>
+        <mc:Fallback xmlns="">
+          <p:sp>
+            <p:nvSpPr>
+              <p:cNvPr id="2" name="CaixaDeTexto 1">
+                <a:extLst>
+                  <a:ext uri="{FF2B5EF4-FFF2-40B4-BE49-F238E27FC236}">
+                    <a16:creationId xmlns:a16="http://schemas.microsoft.com/office/drawing/2014/main" id="{51A5F16D-9446-8B12-E280-836A42F986E4}"/>
+                  </a:ext>
+                </a:extLst>
+              </p:cNvPr>
+              <p:cNvSpPr txBox="1">
+                <a:spLocks noRot="1" noChangeAspect="1" noMove="1" noResize="1" noEditPoints="1" noAdjustHandles="1" noChangeArrowheads="1" noChangeShapeType="1" noTextEdit="1"/>
+              </p:cNvSpPr>
+              <p:nvPr/>
+            </p:nvSpPr>
+            <p:spPr>
+              <a:xfrm>
+                <a:off x="656492" y="961155"/>
+                <a:ext cx="3501407" cy="755528"/>
+              </a:xfrm>
+              <a:prstGeom prst="rect">
+                <a:avLst/>
+              </a:prstGeom>
+              <a:blipFill>
+                <a:blip r:embed="rId3"/>
+                <a:stretch>
+                  <a:fillRect/>
+                </a:stretch>
+              </a:blipFill>
+            </p:spPr>
+            <p:txBody>
+              <a:bodyPr/>
+              <a:lstStyle/>
+              <a:p>
+                <a:r>
+                  <a:rPr lang="pt-BR">
+                    <a:noFill/>
+                  </a:rPr>
+                  <a:t> </a:t>
+                </a:r>
+              </a:p>
+            </p:txBody>
+          </p:sp>
+        </mc:Fallback>
+      </mc:AlternateContent>
+      <mc:AlternateContent xmlns:mc="http://schemas.openxmlformats.org/markup-compatibility/2006">
+        <mc:Choice xmlns:a14="http://schemas.microsoft.com/office/drawing/2010/main" Requires="a14">
+          <p:sp>
+            <p:nvSpPr>
+              <p:cNvPr id="4" name="Retângulo 3">
+                <a:extLst>
+                  <a:ext uri="{FF2B5EF4-FFF2-40B4-BE49-F238E27FC236}">
+                    <a16:creationId xmlns:a16="http://schemas.microsoft.com/office/drawing/2014/main" id="{B4592494-1416-AE9A-9FC6-CCF47C8CBBEC}"/>
+                  </a:ext>
+                </a:extLst>
+              </p:cNvPr>
+              <p:cNvSpPr/>
+              <p:nvPr/>
+            </p:nvSpPr>
+            <p:spPr>
+              <a:xfrm>
+                <a:off x="4986103" y="1065608"/>
+                <a:ext cx="2345084" cy="430887"/>
+              </a:xfrm>
+              <a:prstGeom prst="rect">
+                <a:avLst/>
+              </a:prstGeom>
+            </p:spPr>
+            <p:txBody>
+              <a:bodyPr wrap="square">
+                <a:spAutoFit/>
+              </a:bodyPr>
+              <a:lstStyle/>
+              <a:p>
+                <a:pPr algn="just"/>
+                <a:r>
+                  <a:rPr lang="en-US" sz="2200" dirty="0">
+                    <a:latin typeface="Cambria Math" panose="02040503050406030204" pitchFamily="18" charset="0"/>
+                    <a:ea typeface="Cambria Math" panose="02040503050406030204" pitchFamily="18" charset="0"/>
+                  </a:rPr>
+                  <a:t>Quando </a:t>
+                </a:r>
+                <a14:m>
+                  <m:oMath xmlns:m="http://schemas.openxmlformats.org/officeDocument/2006/math">
+                    <m:r>
+                      <a:rPr lang="en-US" sz="2200" b="0" i="1" smtClean="0">
+                        <a:latin typeface="Cambria Math" panose="02040503050406030204" pitchFamily="18" charset="0"/>
+                        <a:ea typeface="Cambria Math" panose="02040503050406030204" pitchFamily="18" charset="0"/>
+                      </a:rPr>
+                      <m:t>𝑥</m:t>
+                    </m:r>
+                    <m:r>
+                      <a:rPr lang="en-US" sz="2200" b="0" i="1" smtClean="0">
+                        <a:latin typeface="Cambria Math" panose="02040503050406030204" pitchFamily="18" charset="0"/>
+                        <a:ea typeface="Cambria Math" panose="02040503050406030204" pitchFamily="18" charset="0"/>
+                      </a:rPr>
+                      <m:t>=0</m:t>
+                    </m:r>
+                  </m:oMath>
+                </a14:m>
+                <a:endParaRPr lang="en-US" sz="2200" b="0" dirty="0">
+                  <a:latin typeface="Cambria Math" panose="02040503050406030204" pitchFamily="18" charset="0"/>
+                  <a:ea typeface="Cambria Math" panose="02040503050406030204" pitchFamily="18" charset="0"/>
+                </a:endParaRPr>
+              </a:p>
+            </p:txBody>
+          </p:sp>
+        </mc:Choice>
+        <mc:Fallback>
+          <p:sp>
+            <p:nvSpPr>
+              <p:cNvPr id="4" name="Retângulo 3">
+                <a:extLst>
+                  <a:ext uri="{FF2B5EF4-FFF2-40B4-BE49-F238E27FC236}">
+                    <a16:creationId xmlns:a16="http://schemas.microsoft.com/office/drawing/2014/main" id="{B4592494-1416-AE9A-9FC6-CCF47C8CBBEC}"/>
+                  </a:ext>
+                </a:extLst>
+              </p:cNvPr>
+              <p:cNvSpPr>
+                <a:spLocks noRot="1" noChangeAspect="1" noMove="1" noResize="1" noEditPoints="1" noAdjustHandles="1" noChangeArrowheads="1" noChangeShapeType="1" noTextEdit="1"/>
+              </p:cNvSpPr>
+              <p:nvPr/>
+            </p:nvSpPr>
+            <p:spPr>
+              <a:xfrm>
+                <a:off x="4986103" y="1065608"/>
+                <a:ext cx="2345084" cy="430887"/>
+              </a:xfrm>
+              <a:prstGeom prst="rect">
+                <a:avLst/>
+              </a:prstGeom>
+              <a:blipFill>
+                <a:blip r:embed="rId4"/>
+                <a:stretch>
+                  <a:fillRect l="-3377" t="-10000" b="-28571"/>
+                </a:stretch>
+              </a:blipFill>
+            </p:spPr>
+            <p:txBody>
+              <a:bodyPr/>
+              <a:lstStyle/>
+              <a:p>
+                <a:r>
+                  <a:rPr lang="pt-BR">
+                    <a:noFill/>
+                  </a:rPr>
+                  <a:t> </a:t>
+                </a:r>
+              </a:p>
+            </p:txBody>
+          </p:sp>
+        </mc:Fallback>
+      </mc:AlternateContent>
+      <p:pic>
+        <p:nvPicPr>
+          <p:cNvPr id="6" name="Imagem 5" descr="Gráfico, Gráfico de linhas&#10;&#10;Descrição gerada automaticamente">
+            <a:extLst>
+              <a:ext uri="{FF2B5EF4-FFF2-40B4-BE49-F238E27FC236}">
+                <a16:creationId xmlns:a16="http://schemas.microsoft.com/office/drawing/2014/main" id="{5A19AD3F-8E46-92E6-8C01-3C8EA00AF39F}"/>
+              </a:ext>
+            </a:extLst>
+          </p:cNvPr>
+          <p:cNvPicPr>
+            <a:picLocks noChangeAspect="1"/>
+          </p:cNvPicPr>
+          <p:nvPr/>
+        </p:nvPicPr>
+        <p:blipFill>
+          <a:blip r:embed="rId5"/>
+          <a:stretch>
+            <a:fillRect/>
+          </a:stretch>
+        </p:blipFill>
+        <p:spPr>
+          <a:xfrm>
+            <a:off x="1828800" y="1600200"/>
+            <a:ext cx="5486400" cy="3657600"/>
+          </a:xfrm>
+          <a:prstGeom prst="rect">
+            <a:avLst/>
+          </a:prstGeom>
+        </p:spPr>
+      </p:pic>
+    </p:spTree>
+    <p:custDataLst>
+      <p:tags r:id="rId1"/>
+    </p:custDataLst>
+    <p:extLst>
+      <p:ext uri="{BB962C8B-B14F-4D97-AF65-F5344CB8AC3E}">
+        <p14:creationId xmlns:p14="http://schemas.microsoft.com/office/powerpoint/2010/main" val="3746476546"/>
+      </p:ext>
+    </p:extLst>
+  </p:cSld>
+  <p:clrMapOvr>
+    <a:masterClrMapping/>
+  </p:clrMapOvr>
+  <p:timing>
+    <p:tnLst>
+      <p:par>
+        <p:cTn id="1" dur="indefinite" restart="never" nodeType="tmRoot">
+          <p:childTnLst>
+            <p:seq concurrent="1" nextAc="seek">
+              <p:cTn id="2" dur="indefinite" nodeType="mainSeq">
+                <p:childTnLst>
+                  <p:par>
+                    <p:cTn id="3" fill="hold">
+                      <p:stCondLst>
+                        <p:cond delay="indefinite"/>
+                      </p:stCondLst>
+                      <p:childTnLst>
+                        <p:par>
+                          <p:cTn id="4" fill="hold">
+                            <p:stCondLst>
+                              <p:cond delay="0"/>
+                            </p:stCondLst>
+                            <p:childTnLst>
+                              <p:par>
+                                <p:cTn id="5" presetID="10" presetClass="entr" presetSubtype="0" fill="hold" grpId="0" nodeType="clickEffect">
+                                  <p:stCondLst>
+                                    <p:cond delay="0"/>
+                                  </p:stCondLst>
+                                  <p:childTnLst>
+                                    <p:set>
+                                      <p:cBhvr>
+                                        <p:cTn id="6" dur="1" fill="hold">
+                                          <p:stCondLst>
+                                            <p:cond delay="0"/>
+                                          </p:stCondLst>
+                                        </p:cTn>
+                                        <p:tgtEl>
+                                          <p:spTgt spid="4"/>
+                                        </p:tgtEl>
+                                        <p:attrNameLst>
+                                          <p:attrName>style.visibility</p:attrName>
+                                        </p:attrNameLst>
+                                      </p:cBhvr>
+                                      <p:to>
+                                        <p:strVal val="visible"/>
+                                      </p:to>
+                                    </p:set>
+                                    <p:animEffect transition="in" filter="fade">
+                                      <p:cBhvr>
+                                        <p:cTn id="7" dur="500"/>
+                                        <p:tgtEl>
+                                          <p:spTgt spid="4"/>
+                                        </p:tgtEl>
+                                      </p:cBhvr>
+                                    </p:animEffect>
+                                  </p:childTnLst>
+                                </p:cTn>
+                              </p:par>
+                            </p:childTnLst>
+                          </p:cTn>
+                        </p:par>
+                      </p:childTnLst>
+                    </p:cTn>
+                  </p:par>
+                </p:childTnLst>
+              </p:cTn>
+              <p:prevCondLst>
+                <p:cond evt="onPrev" delay="0">
+                  <p:tgtEl>
+                    <p:sldTgt/>
+                  </p:tgtEl>
+                </p:cond>
+              </p:prevCondLst>
+              <p:nextCondLst>
+                <p:cond evt="onNext" delay="0">
+                  <p:tgtEl>
+                    <p:sldTgt/>
+                  </p:tgtEl>
+                </p:cond>
+              </p:nextCondLst>
+            </p:seq>
+          </p:childTnLst>
+        </p:cTn>
+      </p:par>
+    </p:tnLst>
+    <p:bldLst>
+      <p:bldP spid="4" grpId="0"/>
+    </p:bldLst>
+  </p:timing>
+</p:sld>
+</file>
+
+<file path=ppt/slides/slide8.xml><?xml version="1.0" encoding="utf-8"?>
+<p:sld xmlns:a="http://schemas.openxmlformats.org/drawingml/2006/main" xmlns:r="http://schemas.openxmlformats.org/officeDocument/2006/relationships" xmlns:p="http://schemas.openxmlformats.org/presentationml/2006/main">
+  <p:cSld>
+    <p:spTree>
+      <p:nvGrpSpPr>
+        <p:cNvPr id="1" name=""/>
+        <p:cNvGrpSpPr/>
+        <p:nvPr/>
+      </p:nvGrpSpPr>
+      <p:grpSpPr>
+        <a:xfrm>
+          <a:off x="0" y="0"/>
+          <a:ext cx="0" cy="0"/>
+          <a:chOff x="0" y="0"/>
+          <a:chExt cx="0" cy="0"/>
+        </a:xfrm>
+      </p:grpSpPr>
+      <p:sp>
+        <p:nvSpPr>
+          <p:cNvPr id="3" name="CaixaDeTexto 2"/>
+          <p:cNvSpPr txBox="1"/>
+          <p:nvPr/>
+        </p:nvSpPr>
+        <p:spPr>
+          <a:xfrm>
+            <a:off x="292608" y="240405"/>
+            <a:ext cx="1306448" cy="461665"/>
+          </a:xfrm>
+          <a:prstGeom prst="rect">
+            <a:avLst/>
+          </a:prstGeom>
+          <a:noFill/>
+        </p:spPr>
+        <p:txBody>
+          <a:bodyPr wrap="none" rtlCol="0">
+            <a:spAutoFit/>
+          </a:bodyPr>
+          <a:lstStyle/>
+          <a:p>
+            <a:r>
+              <a:rPr lang="pt-BR" sz="2400" b="1" dirty="0">
+                <a:solidFill>
+                  <a:srgbClr val="FF0000"/>
+                </a:solidFill>
+                <a:latin typeface="Cambria Math" panose="02040503050406030204" pitchFamily="18" charset="0"/>
+                <a:ea typeface="Cambria Math" panose="02040503050406030204" pitchFamily="18" charset="0"/>
+              </a:rPr>
+              <a:t>Exemplo</a:t>
+            </a:r>
+          </a:p>
+        </p:txBody>
+      </p:sp>
+      <mc:AlternateContent xmlns:mc="http://schemas.openxmlformats.org/markup-compatibility/2006" xmlns:a14="http://schemas.microsoft.com/office/drawing/2010/main">
+        <mc:Choice Requires="a14">
+          <p:sp>
+            <p:nvSpPr>
+              <p:cNvPr id="2" name="CaixaDeTexto 1">
+                <a:extLst>
+                  <a:ext uri="{FF2B5EF4-FFF2-40B4-BE49-F238E27FC236}">
+                    <a16:creationId xmlns:a16="http://schemas.microsoft.com/office/drawing/2014/main" id="{51A5F16D-9446-8B12-E280-836A42F986E4}"/>
+                  </a:ext>
+                </a:extLst>
+              </p:cNvPr>
+              <p:cNvSpPr txBox="1"/>
+              <p:nvPr/>
+            </p:nvSpPr>
+            <p:spPr>
+              <a:xfrm>
+                <a:off x="656492" y="961155"/>
+                <a:ext cx="3501407" cy="755528"/>
+              </a:xfrm>
+              <a:prstGeom prst="rect">
+                <a:avLst/>
+              </a:prstGeom>
+              <a:noFill/>
+            </p:spPr>
+            <p:txBody>
+              <a:bodyPr wrap="none" lIns="0" tIns="0" rIns="0" bIns="0" rtlCol="0">
+                <a:spAutoFit/>
+              </a:bodyPr>
+              <a:lstStyle/>
+              <a:p>
+                <a:pPr/>
+                <a14:m>
+                  <m:oMathPara xmlns:m="http://schemas.openxmlformats.org/officeDocument/2006/math">
+                    <m:oMathParaPr>
+                      <m:jc m:val="centerGroup"/>
+                    </m:oMathParaPr>
+                    <m:oMath xmlns:m="http://schemas.openxmlformats.org/officeDocument/2006/math">
+                      <m:nary>
+                        <m:naryPr>
+                          <m:chr m:val="∑"/>
+                          <m:ctrlPr>
+                            <a:rPr lang="pt-BR" i="1" smtClean="0">
+                              <a:latin typeface="Cambria Math" panose="02040503050406030204" pitchFamily="18" charset="0"/>
+                              <a:ea typeface="Cambria Math" panose="02040503050406030204" pitchFamily="18" charset="0"/>
+                            </a:rPr>
+                          </m:ctrlPr>
+                        </m:naryPr>
+                        <m:sub>
+                          <m:r>
+                            <m:rPr>
+                              <m:brk m:alnAt="23"/>
+                            </m:rPr>
+                            <a:rPr lang="pt-BR" i="1">
+                              <a:latin typeface="Cambria Math" panose="02040503050406030204" pitchFamily="18" charset="0"/>
+                              <a:ea typeface="Cambria Math" panose="02040503050406030204" pitchFamily="18" charset="0"/>
+                            </a:rPr>
+                            <m:t>𝑛</m:t>
+                          </m:r>
+                          <m:r>
+                            <a:rPr lang="pt-BR" i="1">
+                              <a:latin typeface="Cambria Math" panose="02040503050406030204" pitchFamily="18" charset="0"/>
+                              <a:ea typeface="Cambria Math" panose="02040503050406030204" pitchFamily="18" charset="0"/>
+                            </a:rPr>
+                            <m:t>=0</m:t>
+                          </m:r>
+                        </m:sub>
+                        <m:sup>
+                          <m:r>
+                            <a:rPr lang="pt-BR" i="1">
+                              <a:latin typeface="Cambria Math" panose="02040503050406030204" pitchFamily="18" charset="0"/>
+                              <a:ea typeface="Cambria Math" panose="02040503050406030204" pitchFamily="18" charset="0"/>
+                            </a:rPr>
+                            <m:t>∞</m:t>
+                          </m:r>
+                        </m:sup>
+                        <m:e>
+                          <m:sSup>
+                            <m:sSupPr>
+                              <m:ctrlPr>
+                                <a:rPr lang="pt-BR" i="1">
+                                  <a:latin typeface="Cambria Math" panose="02040503050406030204" pitchFamily="18" charset="0"/>
+                                  <a:ea typeface="Cambria Math" panose="02040503050406030204" pitchFamily="18" charset="0"/>
+                                </a:rPr>
+                              </m:ctrlPr>
+                            </m:sSupPr>
+                            <m:e>
+                              <m:r>
+                                <a:rPr lang="pt-BR" i="1">
+                                  <a:latin typeface="Cambria Math" panose="02040503050406030204" pitchFamily="18" charset="0"/>
+                                  <a:ea typeface="Cambria Math" panose="02040503050406030204" pitchFamily="18" charset="0"/>
+                                </a:rPr>
+                                <m:t>𝑥</m:t>
+                              </m:r>
+                            </m:e>
+                            <m:sup>
+                              <m:r>
+                                <a:rPr lang="pt-BR" i="1">
+                                  <a:latin typeface="Cambria Math" panose="02040503050406030204" pitchFamily="18" charset="0"/>
+                                  <a:ea typeface="Cambria Math" panose="02040503050406030204" pitchFamily="18" charset="0"/>
+                                </a:rPr>
+                                <m:t>𝑛</m:t>
+                              </m:r>
+                            </m:sup>
+                          </m:sSup>
+                        </m:e>
+                      </m:nary>
+                      <m:r>
+                        <a:rPr lang="pt-BR" i="1">
+                          <a:latin typeface="Cambria Math" panose="02040503050406030204" pitchFamily="18" charset="0"/>
+                          <a:ea typeface="Cambria Math" panose="02040503050406030204" pitchFamily="18" charset="0"/>
+                        </a:rPr>
+                        <m:t>=</m:t>
+                      </m:r>
+                      <m:r>
+                        <a:rPr lang="en-US" b="0" i="1" smtClean="0">
+                          <a:latin typeface="Cambria Math" panose="02040503050406030204" pitchFamily="18" charset="0"/>
+                          <a:ea typeface="Cambria Math" panose="02040503050406030204" pitchFamily="18" charset="0"/>
+                        </a:rPr>
+                        <m:t>1</m:t>
+                      </m:r>
+                      <m:r>
+                        <a:rPr lang="pt-BR" i="1">
+                          <a:latin typeface="Cambria Math" panose="02040503050406030204" pitchFamily="18" charset="0"/>
+                          <a:ea typeface="Cambria Math" panose="02040503050406030204" pitchFamily="18" charset="0"/>
+                        </a:rPr>
+                        <m:t>+</m:t>
+                      </m:r>
+                      <m:r>
+                        <a:rPr lang="en-US" i="1">
+                          <a:latin typeface="Cambria Math" panose="02040503050406030204" pitchFamily="18" charset="0"/>
+                          <a:ea typeface="Cambria Math" panose="02040503050406030204" pitchFamily="18" charset="0"/>
+                        </a:rPr>
+                        <m:t>𝑥</m:t>
+                      </m:r>
+                      <m:r>
+                        <a:rPr lang="pt-BR" i="1">
+                          <a:latin typeface="Cambria Math" panose="02040503050406030204" pitchFamily="18" charset="0"/>
+                          <a:ea typeface="Cambria Math" panose="02040503050406030204" pitchFamily="18" charset="0"/>
+                        </a:rPr>
+                        <m:t>+</m:t>
+                      </m:r>
+                      <m:sSup>
+                        <m:sSupPr>
+                          <m:ctrlPr>
+                            <a:rPr lang="pt-BR" i="1">
+                              <a:latin typeface="Cambria Math" panose="02040503050406030204" pitchFamily="18" charset="0"/>
+                              <a:ea typeface="Cambria Math" panose="02040503050406030204" pitchFamily="18" charset="0"/>
+                            </a:rPr>
+                          </m:ctrlPr>
+                        </m:sSupPr>
+                        <m:e>
+                          <m:r>
+                            <a:rPr lang="pt-BR" i="1">
+                              <a:latin typeface="Cambria Math" panose="02040503050406030204" pitchFamily="18" charset="0"/>
+                              <a:ea typeface="Cambria Math" panose="02040503050406030204" pitchFamily="18" charset="0"/>
+                            </a:rPr>
+                            <m:t>𝑥</m:t>
+                          </m:r>
+                        </m:e>
+                        <m:sup>
+                          <m:r>
+                            <a:rPr lang="en-US" i="1">
+                              <a:latin typeface="Cambria Math" panose="02040503050406030204" pitchFamily="18" charset="0"/>
+                              <a:ea typeface="Cambria Math" panose="02040503050406030204" pitchFamily="18" charset="0"/>
+                            </a:rPr>
+                            <m:t>2</m:t>
+                          </m:r>
+                        </m:sup>
+                      </m:sSup>
+                      <m:r>
+                        <a:rPr lang="pt-BR" i="1">
+                          <a:latin typeface="Cambria Math" panose="02040503050406030204" pitchFamily="18" charset="0"/>
+                          <a:ea typeface="Cambria Math" panose="02040503050406030204" pitchFamily="18" charset="0"/>
+                        </a:rPr>
+                        <m:t>+…+</m:t>
+                      </m:r>
+                      <m:sSup>
+                        <m:sSupPr>
+                          <m:ctrlPr>
+                            <a:rPr lang="pt-BR" i="1">
+                              <a:latin typeface="Cambria Math" panose="02040503050406030204" pitchFamily="18" charset="0"/>
+                              <a:ea typeface="Cambria Math" panose="02040503050406030204" pitchFamily="18" charset="0"/>
+                            </a:rPr>
+                          </m:ctrlPr>
+                        </m:sSupPr>
+                        <m:e>
+                          <m:r>
+                            <a:rPr lang="pt-BR" i="1">
+                              <a:latin typeface="Cambria Math" panose="02040503050406030204" pitchFamily="18" charset="0"/>
+                              <a:ea typeface="Cambria Math" panose="02040503050406030204" pitchFamily="18" charset="0"/>
+                            </a:rPr>
+                            <m:t>𝑥</m:t>
+                          </m:r>
+                        </m:e>
+                        <m:sup>
+                          <m:r>
+                            <a:rPr lang="pt-BR" i="1">
+                              <a:latin typeface="Cambria Math" panose="02040503050406030204" pitchFamily="18" charset="0"/>
+                              <a:ea typeface="Cambria Math" panose="02040503050406030204" pitchFamily="18" charset="0"/>
+                            </a:rPr>
+                            <m:t>𝑛</m:t>
+                          </m:r>
+                        </m:sup>
+                      </m:sSup>
+                      <m:r>
+                        <a:rPr lang="pt-BR" i="1">
+                          <a:latin typeface="Cambria Math" panose="02040503050406030204" pitchFamily="18" charset="0"/>
+                          <a:ea typeface="Cambria Math" panose="02040503050406030204" pitchFamily="18" charset="0"/>
+                        </a:rPr>
+                        <m:t>+…</m:t>
+                      </m:r>
+                    </m:oMath>
+                  </m:oMathPara>
+                </a14:m>
+                <a:endParaRPr lang="pt-BR" dirty="0"/>
+              </a:p>
+            </p:txBody>
+          </p:sp>
+        </mc:Choice>
+        <mc:Fallback xmlns="">
+          <p:sp>
+            <p:nvSpPr>
+              <p:cNvPr id="2" name="CaixaDeTexto 1">
+                <a:extLst>
+                  <a:ext uri="{FF2B5EF4-FFF2-40B4-BE49-F238E27FC236}">
+                    <a16:creationId xmlns:a16="http://schemas.microsoft.com/office/drawing/2014/main" id="{51A5F16D-9446-8B12-E280-836A42F986E4}"/>
+                  </a:ext>
+                </a:extLst>
+              </p:cNvPr>
+              <p:cNvSpPr txBox="1">
+                <a:spLocks noRot="1" noChangeAspect="1" noMove="1" noResize="1" noEditPoints="1" noAdjustHandles="1" noChangeArrowheads="1" noChangeShapeType="1" noTextEdit="1"/>
+              </p:cNvSpPr>
+              <p:nvPr/>
+            </p:nvSpPr>
+            <p:spPr>
+              <a:xfrm>
+                <a:off x="656492" y="961155"/>
+                <a:ext cx="3501407" cy="755528"/>
+              </a:xfrm>
+              <a:prstGeom prst="rect">
+                <a:avLst/>
+              </a:prstGeom>
+              <a:blipFill>
+                <a:blip r:embed="rId3"/>
+                <a:stretch>
+                  <a:fillRect/>
+                </a:stretch>
+              </a:blipFill>
+            </p:spPr>
+            <p:txBody>
+              <a:bodyPr/>
+              <a:lstStyle/>
+              <a:p>
+                <a:r>
+                  <a:rPr lang="pt-BR">
+                    <a:noFill/>
+                  </a:rPr>
+                  <a:t> </a:t>
+                </a:r>
+              </a:p>
+            </p:txBody>
+          </p:sp>
+        </mc:Fallback>
+      </mc:AlternateContent>
+      <mc:AlternateContent xmlns:mc="http://schemas.openxmlformats.org/markup-compatibility/2006">
+        <mc:Choice xmlns:a14="http://schemas.microsoft.com/office/drawing/2010/main" Requires="a14">
+          <p:sp>
+            <p:nvSpPr>
+              <p:cNvPr id="4" name="Retângulo 3">
+                <a:extLst>
+                  <a:ext uri="{FF2B5EF4-FFF2-40B4-BE49-F238E27FC236}">
+                    <a16:creationId xmlns:a16="http://schemas.microsoft.com/office/drawing/2014/main" id="{B4592494-1416-AE9A-9FC6-CCF47C8CBBEC}"/>
+                  </a:ext>
+                </a:extLst>
+              </p:cNvPr>
+              <p:cNvSpPr/>
+              <p:nvPr/>
+            </p:nvSpPr>
+            <p:spPr>
+              <a:xfrm>
+                <a:off x="4986103" y="1065608"/>
+                <a:ext cx="2345084" cy="430887"/>
+              </a:xfrm>
+              <a:prstGeom prst="rect">
+                <a:avLst/>
+              </a:prstGeom>
+            </p:spPr>
+            <p:txBody>
+              <a:bodyPr wrap="square">
+                <a:spAutoFit/>
+              </a:bodyPr>
+              <a:lstStyle/>
+              <a:p>
+                <a:pPr algn="just"/>
+                <a:r>
+                  <a:rPr lang="en-US" sz="2200" dirty="0">
+                    <a:latin typeface="Cambria Math" panose="02040503050406030204" pitchFamily="18" charset="0"/>
+                    <a:ea typeface="Cambria Math" panose="02040503050406030204" pitchFamily="18" charset="0"/>
+                  </a:rPr>
+                  <a:t>Quando </a:t>
+                </a:r>
+                <a14:m>
+                  <m:oMath xmlns:m="http://schemas.openxmlformats.org/officeDocument/2006/math">
+                    <m:r>
+                      <a:rPr lang="en-US" sz="2200" b="0" i="1" smtClean="0">
+                        <a:latin typeface="Cambria Math" panose="02040503050406030204" pitchFamily="18" charset="0"/>
+                        <a:ea typeface="Cambria Math" panose="02040503050406030204" pitchFamily="18" charset="0"/>
+                      </a:rPr>
+                      <m:t>𝑥</m:t>
+                    </m:r>
+                    <m:r>
+                      <a:rPr lang="en-US" sz="2200" b="0" i="1" smtClean="0">
+                        <a:latin typeface="Cambria Math" panose="02040503050406030204" pitchFamily="18" charset="0"/>
+                        <a:ea typeface="Cambria Math" panose="02040503050406030204" pitchFamily="18" charset="0"/>
+                      </a:rPr>
+                      <m:t>=0,5</m:t>
+                    </m:r>
+                  </m:oMath>
+                </a14:m>
+                <a:endParaRPr lang="en-US" sz="2200" b="0" dirty="0">
+                  <a:latin typeface="Cambria Math" panose="02040503050406030204" pitchFamily="18" charset="0"/>
+                  <a:ea typeface="Cambria Math" panose="02040503050406030204" pitchFamily="18" charset="0"/>
+                </a:endParaRPr>
+              </a:p>
+            </p:txBody>
+          </p:sp>
+        </mc:Choice>
+        <mc:Fallback>
+          <p:sp>
+            <p:nvSpPr>
+              <p:cNvPr id="4" name="Retângulo 3">
+                <a:extLst>
+                  <a:ext uri="{FF2B5EF4-FFF2-40B4-BE49-F238E27FC236}">
+                    <a16:creationId xmlns:a16="http://schemas.microsoft.com/office/drawing/2014/main" id="{B4592494-1416-AE9A-9FC6-CCF47C8CBBEC}"/>
+                  </a:ext>
+                </a:extLst>
+              </p:cNvPr>
+              <p:cNvSpPr>
+                <a:spLocks noRot="1" noChangeAspect="1" noMove="1" noResize="1" noEditPoints="1" noAdjustHandles="1" noChangeArrowheads="1" noChangeShapeType="1" noTextEdit="1"/>
+              </p:cNvSpPr>
+              <p:nvPr/>
+            </p:nvSpPr>
+            <p:spPr>
+              <a:xfrm>
+                <a:off x="4986103" y="1065608"/>
+                <a:ext cx="2345084" cy="430887"/>
+              </a:xfrm>
+              <a:prstGeom prst="rect">
+                <a:avLst/>
+              </a:prstGeom>
+              <a:blipFill>
+                <a:blip r:embed="rId4"/>
+                <a:stretch>
+                  <a:fillRect l="-3377" t="-10000" b="-28571"/>
+                </a:stretch>
+              </a:blipFill>
+            </p:spPr>
+            <p:txBody>
+              <a:bodyPr/>
+              <a:lstStyle/>
+              <a:p>
+                <a:r>
+                  <a:rPr lang="pt-BR">
+                    <a:noFill/>
+                  </a:rPr>
+                  <a:t> </a:t>
+                </a:r>
+              </a:p>
+            </p:txBody>
+          </p:sp>
+        </mc:Fallback>
+      </mc:AlternateContent>
+      <p:pic>
+        <p:nvPicPr>
+          <p:cNvPr id="9" name="Imagem 8" descr="Gráfico, Gráfico de linhas&#10;&#10;Descrição gerada automaticamente">
+            <a:extLst>
+              <a:ext uri="{FF2B5EF4-FFF2-40B4-BE49-F238E27FC236}">
+                <a16:creationId xmlns:a16="http://schemas.microsoft.com/office/drawing/2014/main" id="{88B7858B-BDA9-A1BD-A0EC-5C63E2850563}"/>
+              </a:ext>
+            </a:extLst>
+          </p:cNvPr>
+          <p:cNvPicPr>
+            <a:picLocks noChangeAspect="1"/>
+          </p:cNvPicPr>
+          <p:nvPr/>
+        </p:nvPicPr>
+        <p:blipFill>
+          <a:blip r:embed="rId5"/>
+          <a:stretch>
+            <a:fillRect/>
+          </a:stretch>
+        </p:blipFill>
+        <p:spPr>
+          <a:xfrm>
+            <a:off x="1828800" y="1600200"/>
+            <a:ext cx="5486400" cy="3657600"/>
+          </a:xfrm>
+          <a:prstGeom prst="rect">
+            <a:avLst/>
+          </a:prstGeom>
+        </p:spPr>
+      </p:pic>
+    </p:spTree>
+    <p:custDataLst>
+      <p:tags r:id="rId1"/>
+    </p:custDataLst>
+    <p:extLst>
+      <p:ext uri="{BB962C8B-B14F-4D97-AF65-F5344CB8AC3E}">
+        <p14:creationId xmlns:p14="http://schemas.microsoft.com/office/powerpoint/2010/main" val="563145153"/>
+      </p:ext>
+    </p:extLst>
+  </p:cSld>
+  <p:clrMapOvr>
+    <a:masterClrMapping/>
+  </p:clrMapOvr>
+  <p:timing>
+    <p:tnLst>
+      <p:par>
+        <p:cTn id="1" dur="indefinite" restart="never" nodeType="tmRoot">
+          <p:childTnLst>
+            <p:seq concurrent="1" nextAc="seek">
+              <p:cTn id="2" dur="indefinite" nodeType="mainSeq">
+                <p:childTnLst>
+                  <p:par>
+                    <p:cTn id="3" fill="hold">
+                      <p:stCondLst>
+                        <p:cond delay="indefinite"/>
+                      </p:stCondLst>
+                      <p:childTnLst>
+                        <p:par>
+                          <p:cTn id="4" fill="hold">
+                            <p:stCondLst>
+                              <p:cond delay="0"/>
+                            </p:stCondLst>
+                            <p:childTnLst>
+                              <p:par>
+                                <p:cTn id="5" presetID="10" presetClass="entr" presetSubtype="0" fill="hold" grpId="0" nodeType="clickEffect">
+                                  <p:stCondLst>
+                                    <p:cond delay="0"/>
+                                  </p:stCondLst>
+                                  <p:childTnLst>
+                                    <p:set>
+                                      <p:cBhvr>
+                                        <p:cTn id="6" dur="1" fill="hold">
+                                          <p:stCondLst>
+                                            <p:cond delay="0"/>
+                                          </p:stCondLst>
+                                        </p:cTn>
+                                        <p:tgtEl>
+                                          <p:spTgt spid="4"/>
+                                        </p:tgtEl>
+                                        <p:attrNameLst>
+                                          <p:attrName>style.visibility</p:attrName>
+                                        </p:attrNameLst>
+                                      </p:cBhvr>
+                                      <p:to>
+                                        <p:strVal val="visible"/>
+                                      </p:to>
+                                    </p:set>
+                                    <p:animEffect transition="in" filter="fade">
+                                      <p:cBhvr>
+                                        <p:cTn id="7" dur="500"/>
+                                        <p:tgtEl>
+                                          <p:spTgt spid="4"/>
+                                        </p:tgtEl>
+                                      </p:cBhvr>
+                                    </p:animEffect>
+                                  </p:childTnLst>
+                                </p:cTn>
+                              </p:par>
+                            </p:childTnLst>
+                          </p:cTn>
+                        </p:par>
+                      </p:childTnLst>
+                    </p:cTn>
+                  </p:par>
+                </p:childTnLst>
+              </p:cTn>
+              <p:prevCondLst>
+                <p:cond evt="onPrev" delay="0">
+                  <p:tgtEl>
+                    <p:sldTgt/>
+                  </p:tgtEl>
+                </p:cond>
+              </p:prevCondLst>
+              <p:nextCondLst>
+                <p:cond evt="onNext" delay="0">
+                  <p:tgtEl>
+                    <p:sldTgt/>
+                  </p:tgtEl>
+                </p:cond>
+              </p:nextCondLst>
+            </p:seq>
+          </p:childTnLst>
+        </p:cTn>
+      </p:par>
+    </p:tnLst>
+    <p:bldLst>
+      <p:bldP spid="4" grpId="0"/>
+    </p:bldLst>
+  </p:timing>
+</p:sld>
+</file>
+
+<file path=ppt/slides/slide9.xml><?xml version="1.0" encoding="utf-8"?>
 <p:sld xmlns:a="http://schemas.openxmlformats.org/drawingml/2006/main" xmlns:r="http://schemas.openxmlformats.org/officeDocument/2006/relationships" xmlns:p="http://schemas.openxmlformats.org/presentationml/2006/main">
   <p:cSld>
     <p:spTree>
@@ -7782,10 +10177,10 @@
       </mc:AlternateContent>
       <p:pic>
         <p:nvPicPr>
-          <p:cNvPr id="7" name="Imagem 6" descr="Gráfico, Gráfico de linhas&#10;&#10;Descrição gerada automaticamente">
+          <p:cNvPr id="6" name="Imagem 5" descr="Gráfico, Gráfico de linhas&#10;&#10;Descrição gerada automaticamente">
             <a:extLst>
               <a:ext uri="{FF2B5EF4-FFF2-40B4-BE49-F238E27FC236}">
-                <a16:creationId xmlns:a16="http://schemas.microsoft.com/office/drawing/2014/main" id="{AA525163-CB5B-F823-B35E-95CE1D66B60A}"/>
+                <a16:creationId xmlns:a16="http://schemas.microsoft.com/office/drawing/2014/main" id="{A0F3D48E-D9AB-9E0E-E94E-49D8F7A35EC5}"/>
               </a:ext>
             </a:extLst>
           </p:cNvPr>
@@ -7802,8 +10197,8 @@
         </p:blipFill>
         <p:spPr>
           <a:xfrm>
-            <a:off x="1062001" y="1496495"/>
-            <a:ext cx="7020000" cy="4680000"/>
+            <a:off x="1828800" y="1600200"/>
+            <a:ext cx="5486400" cy="3657600"/>
           </a:xfrm>
           <a:prstGeom prst="rect">
             <a:avLst/>
@@ -7912,925 +10307,19 @@
 </p:sld>
 </file>
 
-<file path=ppt/slides/slide8.xml><?xml version="1.0" encoding="utf-8"?>
-<p:sld xmlns:a="http://schemas.openxmlformats.org/drawingml/2006/main" xmlns:r="http://schemas.openxmlformats.org/officeDocument/2006/relationships" xmlns:p="http://schemas.openxmlformats.org/presentationml/2006/main">
-  <p:cSld>
-    <p:spTree>
-      <p:nvGrpSpPr>
-        <p:cNvPr id="1" name=""/>
-        <p:cNvGrpSpPr/>
-        <p:nvPr/>
-      </p:nvGrpSpPr>
-      <p:grpSpPr>
-        <a:xfrm>
-          <a:off x="0" y="0"/>
-          <a:ext cx="0" cy="0"/>
-          <a:chOff x="0" y="0"/>
-          <a:chExt cx="0" cy="0"/>
-        </a:xfrm>
-      </p:grpSpPr>
-      <p:sp>
-        <p:nvSpPr>
-          <p:cNvPr id="3" name="CaixaDeTexto 2"/>
-          <p:cNvSpPr txBox="1"/>
-          <p:nvPr/>
-        </p:nvSpPr>
-        <p:spPr>
-          <a:xfrm>
-            <a:off x="292608" y="240405"/>
-            <a:ext cx="1306448" cy="461665"/>
-          </a:xfrm>
-          <a:prstGeom prst="rect">
-            <a:avLst/>
-          </a:prstGeom>
-          <a:noFill/>
-        </p:spPr>
-        <p:txBody>
-          <a:bodyPr wrap="none" rtlCol="0">
-            <a:spAutoFit/>
-          </a:bodyPr>
-          <a:lstStyle/>
-          <a:p>
-            <a:r>
-              <a:rPr lang="pt-BR" sz="2400" b="1" dirty="0">
-                <a:solidFill>
-                  <a:srgbClr val="FF0000"/>
-                </a:solidFill>
-                <a:latin typeface="Cambria Math" panose="02040503050406030204" pitchFamily="18" charset="0"/>
-                <a:ea typeface="Cambria Math" panose="02040503050406030204" pitchFamily="18" charset="0"/>
-              </a:rPr>
-              <a:t>Exemplo</a:t>
-            </a:r>
-          </a:p>
-        </p:txBody>
-      </p:sp>
-      <mc:AlternateContent xmlns:mc="http://schemas.openxmlformats.org/markup-compatibility/2006" xmlns:a14="http://schemas.microsoft.com/office/drawing/2010/main">
-        <mc:Choice Requires="a14">
-          <p:sp>
-            <p:nvSpPr>
-              <p:cNvPr id="2" name="CaixaDeTexto 1">
-                <a:extLst>
-                  <a:ext uri="{FF2B5EF4-FFF2-40B4-BE49-F238E27FC236}">
-                    <a16:creationId xmlns:a16="http://schemas.microsoft.com/office/drawing/2014/main" id="{51A5F16D-9446-8B12-E280-836A42F986E4}"/>
-                  </a:ext>
-                </a:extLst>
-              </p:cNvPr>
-              <p:cNvSpPr txBox="1"/>
-              <p:nvPr/>
-            </p:nvSpPr>
-            <p:spPr>
-              <a:xfrm>
-                <a:off x="656492" y="961155"/>
-                <a:ext cx="3501407" cy="755528"/>
-              </a:xfrm>
-              <a:prstGeom prst="rect">
-                <a:avLst/>
-              </a:prstGeom>
-              <a:noFill/>
-            </p:spPr>
-            <p:txBody>
-              <a:bodyPr wrap="none" lIns="0" tIns="0" rIns="0" bIns="0" rtlCol="0">
-                <a:spAutoFit/>
-              </a:bodyPr>
-              <a:lstStyle/>
-              <a:p>
-                <a:pPr/>
-                <a14:m>
-                  <m:oMathPara xmlns:m="http://schemas.openxmlformats.org/officeDocument/2006/math">
-                    <m:oMathParaPr>
-                      <m:jc m:val="centerGroup"/>
-                    </m:oMathParaPr>
-                    <m:oMath xmlns:m="http://schemas.openxmlformats.org/officeDocument/2006/math">
-                      <m:nary>
-                        <m:naryPr>
-                          <m:chr m:val="∑"/>
-                          <m:ctrlPr>
-                            <a:rPr lang="pt-BR" i="1" smtClean="0">
-                              <a:latin typeface="Cambria Math" panose="02040503050406030204" pitchFamily="18" charset="0"/>
-                              <a:ea typeface="Cambria Math" panose="02040503050406030204" pitchFamily="18" charset="0"/>
-                            </a:rPr>
-                          </m:ctrlPr>
-                        </m:naryPr>
-                        <m:sub>
-                          <m:r>
-                            <m:rPr>
-                              <m:brk m:alnAt="23"/>
-                            </m:rPr>
-                            <a:rPr lang="pt-BR" i="1">
-                              <a:latin typeface="Cambria Math" panose="02040503050406030204" pitchFamily="18" charset="0"/>
-                              <a:ea typeface="Cambria Math" panose="02040503050406030204" pitchFamily="18" charset="0"/>
-                            </a:rPr>
-                            <m:t>𝑛</m:t>
-                          </m:r>
-                          <m:r>
-                            <a:rPr lang="pt-BR" i="1">
-                              <a:latin typeface="Cambria Math" panose="02040503050406030204" pitchFamily="18" charset="0"/>
-                              <a:ea typeface="Cambria Math" panose="02040503050406030204" pitchFamily="18" charset="0"/>
-                            </a:rPr>
-                            <m:t>=0</m:t>
-                          </m:r>
-                        </m:sub>
-                        <m:sup>
-                          <m:r>
-                            <a:rPr lang="pt-BR" i="1">
-                              <a:latin typeface="Cambria Math" panose="02040503050406030204" pitchFamily="18" charset="0"/>
-                              <a:ea typeface="Cambria Math" panose="02040503050406030204" pitchFamily="18" charset="0"/>
-                            </a:rPr>
-                            <m:t>∞</m:t>
-                          </m:r>
-                        </m:sup>
-                        <m:e>
-                          <m:sSup>
-                            <m:sSupPr>
-                              <m:ctrlPr>
-                                <a:rPr lang="pt-BR" i="1">
-                                  <a:latin typeface="Cambria Math" panose="02040503050406030204" pitchFamily="18" charset="0"/>
-                                  <a:ea typeface="Cambria Math" panose="02040503050406030204" pitchFamily="18" charset="0"/>
-                                </a:rPr>
-                              </m:ctrlPr>
-                            </m:sSupPr>
-                            <m:e>
-                              <m:r>
-                                <a:rPr lang="pt-BR" i="1">
-                                  <a:latin typeface="Cambria Math" panose="02040503050406030204" pitchFamily="18" charset="0"/>
-                                  <a:ea typeface="Cambria Math" panose="02040503050406030204" pitchFamily="18" charset="0"/>
-                                </a:rPr>
-                                <m:t>𝑥</m:t>
-                              </m:r>
-                            </m:e>
-                            <m:sup>
-                              <m:r>
-                                <a:rPr lang="pt-BR" i="1">
-                                  <a:latin typeface="Cambria Math" panose="02040503050406030204" pitchFamily="18" charset="0"/>
-                                  <a:ea typeface="Cambria Math" panose="02040503050406030204" pitchFamily="18" charset="0"/>
-                                </a:rPr>
-                                <m:t>𝑛</m:t>
-                              </m:r>
-                            </m:sup>
-                          </m:sSup>
-                        </m:e>
-                      </m:nary>
-                      <m:r>
-                        <a:rPr lang="pt-BR" i="1">
-                          <a:latin typeface="Cambria Math" panose="02040503050406030204" pitchFamily="18" charset="0"/>
-                          <a:ea typeface="Cambria Math" panose="02040503050406030204" pitchFamily="18" charset="0"/>
-                        </a:rPr>
-                        <m:t>=</m:t>
-                      </m:r>
-                      <m:r>
-                        <a:rPr lang="en-US" b="0" i="1" smtClean="0">
-                          <a:latin typeface="Cambria Math" panose="02040503050406030204" pitchFamily="18" charset="0"/>
-                          <a:ea typeface="Cambria Math" panose="02040503050406030204" pitchFamily="18" charset="0"/>
-                        </a:rPr>
-                        <m:t>1</m:t>
-                      </m:r>
-                      <m:r>
-                        <a:rPr lang="pt-BR" i="1">
-                          <a:latin typeface="Cambria Math" panose="02040503050406030204" pitchFamily="18" charset="0"/>
-                          <a:ea typeface="Cambria Math" panose="02040503050406030204" pitchFamily="18" charset="0"/>
-                        </a:rPr>
-                        <m:t>+</m:t>
-                      </m:r>
-                      <m:r>
-                        <a:rPr lang="en-US" i="1">
-                          <a:latin typeface="Cambria Math" panose="02040503050406030204" pitchFamily="18" charset="0"/>
-                          <a:ea typeface="Cambria Math" panose="02040503050406030204" pitchFamily="18" charset="0"/>
-                        </a:rPr>
-                        <m:t>𝑥</m:t>
-                      </m:r>
-                      <m:r>
-                        <a:rPr lang="pt-BR" i="1">
-                          <a:latin typeface="Cambria Math" panose="02040503050406030204" pitchFamily="18" charset="0"/>
-                          <a:ea typeface="Cambria Math" panose="02040503050406030204" pitchFamily="18" charset="0"/>
-                        </a:rPr>
-                        <m:t>+</m:t>
-                      </m:r>
-                      <m:sSup>
-                        <m:sSupPr>
-                          <m:ctrlPr>
-                            <a:rPr lang="pt-BR" i="1">
-                              <a:latin typeface="Cambria Math" panose="02040503050406030204" pitchFamily="18" charset="0"/>
-                              <a:ea typeface="Cambria Math" panose="02040503050406030204" pitchFamily="18" charset="0"/>
-                            </a:rPr>
-                          </m:ctrlPr>
-                        </m:sSupPr>
-                        <m:e>
-                          <m:r>
-                            <a:rPr lang="pt-BR" i="1">
-                              <a:latin typeface="Cambria Math" panose="02040503050406030204" pitchFamily="18" charset="0"/>
-                              <a:ea typeface="Cambria Math" panose="02040503050406030204" pitchFamily="18" charset="0"/>
-                            </a:rPr>
-                            <m:t>𝑥</m:t>
-                          </m:r>
-                        </m:e>
-                        <m:sup>
-                          <m:r>
-                            <a:rPr lang="en-US" i="1">
-                              <a:latin typeface="Cambria Math" panose="02040503050406030204" pitchFamily="18" charset="0"/>
-                              <a:ea typeface="Cambria Math" panose="02040503050406030204" pitchFamily="18" charset="0"/>
-                            </a:rPr>
-                            <m:t>2</m:t>
-                          </m:r>
-                        </m:sup>
-                      </m:sSup>
-                      <m:r>
-                        <a:rPr lang="pt-BR" i="1">
-                          <a:latin typeface="Cambria Math" panose="02040503050406030204" pitchFamily="18" charset="0"/>
-                          <a:ea typeface="Cambria Math" panose="02040503050406030204" pitchFamily="18" charset="0"/>
-                        </a:rPr>
-                        <m:t>+…+</m:t>
-                      </m:r>
-                      <m:sSup>
-                        <m:sSupPr>
-                          <m:ctrlPr>
-                            <a:rPr lang="pt-BR" i="1">
-                              <a:latin typeface="Cambria Math" panose="02040503050406030204" pitchFamily="18" charset="0"/>
-                              <a:ea typeface="Cambria Math" panose="02040503050406030204" pitchFamily="18" charset="0"/>
-                            </a:rPr>
-                          </m:ctrlPr>
-                        </m:sSupPr>
-                        <m:e>
-                          <m:r>
-                            <a:rPr lang="pt-BR" i="1">
-                              <a:latin typeface="Cambria Math" panose="02040503050406030204" pitchFamily="18" charset="0"/>
-                              <a:ea typeface="Cambria Math" panose="02040503050406030204" pitchFamily="18" charset="0"/>
-                            </a:rPr>
-                            <m:t>𝑥</m:t>
-                          </m:r>
-                        </m:e>
-                        <m:sup>
-                          <m:r>
-                            <a:rPr lang="pt-BR" i="1">
-                              <a:latin typeface="Cambria Math" panose="02040503050406030204" pitchFamily="18" charset="0"/>
-                              <a:ea typeface="Cambria Math" panose="02040503050406030204" pitchFamily="18" charset="0"/>
-                            </a:rPr>
-                            <m:t>𝑛</m:t>
-                          </m:r>
-                        </m:sup>
-                      </m:sSup>
-                      <m:r>
-                        <a:rPr lang="pt-BR" i="1">
-                          <a:latin typeface="Cambria Math" panose="02040503050406030204" pitchFamily="18" charset="0"/>
-                          <a:ea typeface="Cambria Math" panose="02040503050406030204" pitchFamily="18" charset="0"/>
-                        </a:rPr>
-                        <m:t>+…</m:t>
-                      </m:r>
-                    </m:oMath>
-                  </m:oMathPara>
-                </a14:m>
-                <a:endParaRPr lang="pt-BR" dirty="0"/>
-              </a:p>
-            </p:txBody>
-          </p:sp>
-        </mc:Choice>
-        <mc:Fallback xmlns="">
-          <p:sp>
-            <p:nvSpPr>
-              <p:cNvPr id="2" name="CaixaDeTexto 1">
-                <a:extLst>
-                  <a:ext uri="{FF2B5EF4-FFF2-40B4-BE49-F238E27FC236}">
-                    <a16:creationId xmlns:a16="http://schemas.microsoft.com/office/drawing/2014/main" id="{51A5F16D-9446-8B12-E280-836A42F986E4}"/>
-                  </a:ext>
-                </a:extLst>
-              </p:cNvPr>
-              <p:cNvSpPr txBox="1">
-                <a:spLocks noRot="1" noChangeAspect="1" noMove="1" noResize="1" noEditPoints="1" noAdjustHandles="1" noChangeArrowheads="1" noChangeShapeType="1" noTextEdit="1"/>
-              </p:cNvSpPr>
-              <p:nvPr/>
-            </p:nvSpPr>
-            <p:spPr>
-              <a:xfrm>
-                <a:off x="656492" y="961155"/>
-                <a:ext cx="3501407" cy="755528"/>
-              </a:xfrm>
-              <a:prstGeom prst="rect">
-                <a:avLst/>
-              </a:prstGeom>
-              <a:blipFill>
-                <a:blip r:embed="rId3"/>
-                <a:stretch>
-                  <a:fillRect/>
-                </a:stretch>
-              </a:blipFill>
-            </p:spPr>
-            <p:txBody>
-              <a:bodyPr/>
-              <a:lstStyle/>
-              <a:p>
-                <a:r>
-                  <a:rPr lang="pt-BR">
-                    <a:noFill/>
-                  </a:rPr>
-                  <a:t> </a:t>
-                </a:r>
-              </a:p>
-            </p:txBody>
-          </p:sp>
-        </mc:Fallback>
-      </mc:AlternateContent>
-      <mc:AlternateContent xmlns:mc="http://schemas.openxmlformats.org/markup-compatibility/2006" xmlns:a14="http://schemas.microsoft.com/office/drawing/2010/main">
-        <mc:Choice Requires="a14">
-          <p:sp>
-            <p:nvSpPr>
-              <p:cNvPr id="4" name="Retângulo 3">
-                <a:extLst>
-                  <a:ext uri="{FF2B5EF4-FFF2-40B4-BE49-F238E27FC236}">
-                    <a16:creationId xmlns:a16="http://schemas.microsoft.com/office/drawing/2014/main" id="{B4592494-1416-AE9A-9FC6-CCF47C8CBBEC}"/>
-                  </a:ext>
-                </a:extLst>
-              </p:cNvPr>
-              <p:cNvSpPr/>
-              <p:nvPr/>
-            </p:nvSpPr>
-            <p:spPr>
-              <a:xfrm>
-                <a:off x="4986103" y="1065608"/>
-                <a:ext cx="2345084" cy="430887"/>
-              </a:xfrm>
-              <a:prstGeom prst="rect">
-                <a:avLst/>
-              </a:prstGeom>
-            </p:spPr>
-            <p:txBody>
-              <a:bodyPr wrap="square">
-                <a:spAutoFit/>
-              </a:bodyPr>
-              <a:lstStyle/>
-              <a:p>
-                <a:pPr algn="just"/>
-                <a:r>
-                  <a:rPr lang="en-US" sz="2200" dirty="0">
-                    <a:latin typeface="Cambria Math" panose="02040503050406030204" pitchFamily="18" charset="0"/>
-                    <a:ea typeface="Cambria Math" panose="02040503050406030204" pitchFamily="18" charset="0"/>
-                  </a:rPr>
-                  <a:t>Quando </a:t>
-                </a:r>
-                <a14:m>
-                  <m:oMath xmlns:m="http://schemas.openxmlformats.org/officeDocument/2006/math">
-                    <m:r>
-                      <a:rPr lang="en-US" sz="2200" b="0" i="1" smtClean="0">
-                        <a:latin typeface="Cambria Math" panose="02040503050406030204" pitchFamily="18" charset="0"/>
-                        <a:ea typeface="Cambria Math" panose="02040503050406030204" pitchFamily="18" charset="0"/>
-                      </a:rPr>
-                      <m:t>𝑥</m:t>
-                    </m:r>
-                    <m:r>
-                      <a:rPr lang="en-US" sz="2200" b="0" i="1" smtClean="0">
-                        <a:latin typeface="Cambria Math" panose="02040503050406030204" pitchFamily="18" charset="0"/>
-                        <a:ea typeface="Cambria Math" panose="02040503050406030204" pitchFamily="18" charset="0"/>
-                      </a:rPr>
-                      <m:t>=1,3</m:t>
-                    </m:r>
-                  </m:oMath>
-                </a14:m>
-                <a:endParaRPr lang="en-US" sz="2200" b="0">
-                  <a:latin typeface="Cambria Math" panose="02040503050406030204" pitchFamily="18" charset="0"/>
-                  <a:ea typeface="Cambria Math" panose="02040503050406030204" pitchFamily="18" charset="0"/>
-                </a:endParaRPr>
-              </a:p>
-            </p:txBody>
-          </p:sp>
-        </mc:Choice>
-        <mc:Fallback xmlns="">
-          <p:sp>
-            <p:nvSpPr>
-              <p:cNvPr id="4" name="Retângulo 3">
-                <a:extLst>
-                  <a:ext uri="{FF2B5EF4-FFF2-40B4-BE49-F238E27FC236}">
-                    <a16:creationId xmlns:a16="http://schemas.microsoft.com/office/drawing/2014/main" id="{B4592494-1416-AE9A-9FC6-CCF47C8CBBEC}"/>
-                  </a:ext>
-                </a:extLst>
-              </p:cNvPr>
-              <p:cNvSpPr>
-                <a:spLocks noRot="1" noChangeAspect="1" noMove="1" noResize="1" noEditPoints="1" noAdjustHandles="1" noChangeArrowheads="1" noChangeShapeType="1" noTextEdit="1"/>
-              </p:cNvSpPr>
-              <p:nvPr/>
-            </p:nvSpPr>
-            <p:spPr>
-              <a:xfrm>
-                <a:off x="4986103" y="1065608"/>
-                <a:ext cx="2345084" cy="430887"/>
-              </a:xfrm>
-              <a:prstGeom prst="rect">
-                <a:avLst/>
-              </a:prstGeom>
-              <a:blipFill>
-                <a:blip r:embed="rId4"/>
-                <a:stretch>
-                  <a:fillRect l="-3377" t="-10000" b="-28571"/>
-                </a:stretch>
-              </a:blipFill>
-            </p:spPr>
-            <p:txBody>
-              <a:bodyPr/>
-              <a:lstStyle/>
-              <a:p>
-                <a:r>
-                  <a:rPr lang="pt-BR">
-                    <a:noFill/>
-                  </a:rPr>
-                  <a:t> </a:t>
-                </a:r>
-              </a:p>
-            </p:txBody>
-          </p:sp>
-        </mc:Fallback>
-      </mc:AlternateContent>
-      <p:pic>
-        <p:nvPicPr>
-          <p:cNvPr id="7" name="Imagem 6" descr="Gráfico, Gráfico de linhas&#10;&#10;Descrição gerada automaticamente">
-            <a:extLst>
-              <a:ext uri="{FF2B5EF4-FFF2-40B4-BE49-F238E27FC236}">
-                <a16:creationId xmlns:a16="http://schemas.microsoft.com/office/drawing/2014/main" id="{350F77D3-59BA-11C1-68D7-AD88CDA585EF}"/>
-              </a:ext>
-            </a:extLst>
-          </p:cNvPr>
-          <p:cNvPicPr>
-            <a:picLocks noChangeAspect="1"/>
-          </p:cNvPicPr>
-          <p:nvPr/>
-        </p:nvPicPr>
-        <p:blipFill>
-          <a:blip r:embed="rId5"/>
-          <a:stretch>
-            <a:fillRect/>
-          </a:stretch>
-        </p:blipFill>
-        <p:spPr>
-          <a:xfrm>
-            <a:off x="1062001" y="1496495"/>
-            <a:ext cx="7020000" cy="4680000"/>
-          </a:xfrm>
-          <a:prstGeom prst="rect">
-            <a:avLst/>
-          </a:prstGeom>
-        </p:spPr>
-      </p:pic>
-    </p:spTree>
-    <p:custDataLst>
-      <p:tags r:id="rId1"/>
-    </p:custDataLst>
-    <p:extLst>
-      <p:ext uri="{BB962C8B-B14F-4D97-AF65-F5344CB8AC3E}">
-        <p14:creationId xmlns:p14="http://schemas.microsoft.com/office/powerpoint/2010/main" val="1312941090"/>
-      </p:ext>
-    </p:extLst>
-  </p:cSld>
-  <p:clrMapOvr>
-    <a:masterClrMapping/>
-  </p:clrMapOvr>
-  <p:timing>
-    <p:tnLst>
-      <p:par>
-        <p:cTn id="1" dur="indefinite" restart="never" nodeType="tmRoot">
-          <p:childTnLst>
-            <p:seq concurrent="1" nextAc="seek">
-              <p:cTn id="2" dur="indefinite" nodeType="mainSeq">
-                <p:childTnLst>
-                  <p:par>
-                    <p:cTn id="3" fill="hold">
-                      <p:stCondLst>
-                        <p:cond delay="indefinite"/>
-                      </p:stCondLst>
-                      <p:childTnLst>
-                        <p:par>
-                          <p:cTn id="4" fill="hold">
-                            <p:stCondLst>
-                              <p:cond delay="0"/>
-                            </p:stCondLst>
-                            <p:childTnLst>
-                              <p:par>
-                                <p:cTn id="5" presetID="10" presetClass="entr" presetSubtype="0" fill="hold" grpId="0" nodeType="clickEffect">
-                                  <p:stCondLst>
-                                    <p:cond delay="0"/>
-                                  </p:stCondLst>
-                                  <p:childTnLst>
-                                    <p:set>
-                                      <p:cBhvr>
-                                        <p:cTn id="6" dur="1" fill="hold">
-                                          <p:stCondLst>
-                                            <p:cond delay="0"/>
-                                          </p:stCondLst>
-                                        </p:cTn>
-                                        <p:tgtEl>
-                                          <p:spTgt spid="4"/>
-                                        </p:tgtEl>
-                                        <p:attrNameLst>
-                                          <p:attrName>style.visibility</p:attrName>
-                                        </p:attrNameLst>
-                                      </p:cBhvr>
-                                      <p:to>
-                                        <p:strVal val="visible"/>
-                                      </p:to>
-                                    </p:set>
-                                    <p:animEffect transition="in" filter="fade">
-                                      <p:cBhvr>
-                                        <p:cTn id="7" dur="500"/>
-                                        <p:tgtEl>
-                                          <p:spTgt spid="4"/>
-                                        </p:tgtEl>
-                                      </p:cBhvr>
-                                    </p:animEffect>
-                                  </p:childTnLst>
-                                </p:cTn>
-                              </p:par>
-                            </p:childTnLst>
-                          </p:cTn>
-                        </p:par>
-                      </p:childTnLst>
-                    </p:cTn>
-                  </p:par>
-                </p:childTnLst>
-              </p:cTn>
-              <p:prevCondLst>
-                <p:cond evt="onPrev" delay="0">
-                  <p:tgtEl>
-                    <p:sldTgt/>
-                  </p:tgtEl>
-                </p:cond>
-              </p:prevCondLst>
-              <p:nextCondLst>
-                <p:cond evt="onNext" delay="0">
-                  <p:tgtEl>
-                    <p:sldTgt/>
-                  </p:tgtEl>
-                </p:cond>
-              </p:nextCondLst>
-            </p:seq>
-          </p:childTnLst>
-        </p:cTn>
-      </p:par>
-    </p:tnLst>
-    <p:bldLst>
-      <p:bldP spid="4" grpId="0"/>
-    </p:bldLst>
-  </p:timing>
-</p:sld>
+<file path=ppt/tags/tag1.xml><?xml version="1.0" encoding="utf-8"?>
+<p:tagLst xmlns:a="http://schemas.openxmlformats.org/drawingml/2006/main" xmlns:r="http://schemas.openxmlformats.org/officeDocument/2006/relationships" xmlns:p="http://schemas.openxmlformats.org/presentationml/2006/main">
+  <p:tag name="TIMING" val="|6.2|7.7|10.3|7.1|5.5"/>
+</p:tagLst>
 </file>
 
-<file path=ppt/slides/slide9.xml><?xml version="1.0" encoding="utf-8"?>
-<p:sld xmlns:a="http://schemas.openxmlformats.org/drawingml/2006/main" xmlns:r="http://schemas.openxmlformats.org/officeDocument/2006/relationships" xmlns:p="http://schemas.openxmlformats.org/presentationml/2006/main">
-  <p:cSld>
-    <p:spTree>
-      <p:nvGrpSpPr>
-        <p:cNvPr id="1" name=""/>
-        <p:cNvGrpSpPr/>
-        <p:nvPr/>
-      </p:nvGrpSpPr>
-      <p:grpSpPr>
-        <a:xfrm>
-          <a:off x="0" y="0"/>
-          <a:ext cx="0" cy="0"/>
-          <a:chOff x="0" y="0"/>
-          <a:chExt cx="0" cy="0"/>
-        </a:xfrm>
-      </p:grpSpPr>
-      <p:sp>
-        <p:nvSpPr>
-          <p:cNvPr id="3" name="CaixaDeTexto 2"/>
-          <p:cNvSpPr txBox="1"/>
-          <p:nvPr/>
-        </p:nvSpPr>
-        <p:spPr>
-          <a:xfrm>
-            <a:off x="292608" y="240405"/>
-            <a:ext cx="1306448" cy="461665"/>
-          </a:xfrm>
-          <a:prstGeom prst="rect">
-            <a:avLst/>
-          </a:prstGeom>
-          <a:noFill/>
-        </p:spPr>
-        <p:txBody>
-          <a:bodyPr wrap="none" rtlCol="0">
-            <a:spAutoFit/>
-          </a:bodyPr>
-          <a:lstStyle/>
-          <a:p>
-            <a:r>
-              <a:rPr lang="pt-BR" sz="2400" b="1" dirty="0">
-                <a:solidFill>
-                  <a:srgbClr val="FF0000"/>
-                </a:solidFill>
-                <a:latin typeface="Cambria Math" panose="02040503050406030204" pitchFamily="18" charset="0"/>
-                <a:ea typeface="Cambria Math" panose="02040503050406030204" pitchFamily="18" charset="0"/>
-              </a:rPr>
-              <a:t>Exemplo</a:t>
-            </a:r>
-          </a:p>
-        </p:txBody>
-      </p:sp>
-      <mc:AlternateContent xmlns:mc="http://schemas.openxmlformats.org/markup-compatibility/2006" xmlns:a14="http://schemas.microsoft.com/office/drawing/2010/main">
-        <mc:Choice Requires="a14">
-          <p:sp>
-            <p:nvSpPr>
-              <p:cNvPr id="2" name="CaixaDeTexto 1">
-                <a:extLst>
-                  <a:ext uri="{FF2B5EF4-FFF2-40B4-BE49-F238E27FC236}">
-                    <a16:creationId xmlns:a16="http://schemas.microsoft.com/office/drawing/2014/main" id="{51A5F16D-9446-8B12-E280-836A42F986E4}"/>
-                  </a:ext>
-                </a:extLst>
-              </p:cNvPr>
-              <p:cNvSpPr txBox="1"/>
-              <p:nvPr/>
-            </p:nvSpPr>
-            <p:spPr>
-              <a:xfrm>
-                <a:off x="656492" y="961155"/>
-                <a:ext cx="3501407" cy="755528"/>
-              </a:xfrm>
-              <a:prstGeom prst="rect">
-                <a:avLst/>
-              </a:prstGeom>
-              <a:noFill/>
-            </p:spPr>
-            <p:txBody>
-              <a:bodyPr wrap="none" lIns="0" tIns="0" rIns="0" bIns="0" rtlCol="0">
-                <a:spAutoFit/>
-              </a:bodyPr>
-              <a:lstStyle/>
-              <a:p>
-                <a:pPr/>
-                <a14:m>
-                  <m:oMathPara xmlns:m="http://schemas.openxmlformats.org/officeDocument/2006/math">
-                    <m:oMathParaPr>
-                      <m:jc m:val="centerGroup"/>
-                    </m:oMathParaPr>
-                    <m:oMath xmlns:m="http://schemas.openxmlformats.org/officeDocument/2006/math">
-                      <m:nary>
-                        <m:naryPr>
-                          <m:chr m:val="∑"/>
-                          <m:ctrlPr>
-                            <a:rPr lang="pt-BR" i="1" smtClean="0">
-                              <a:latin typeface="Cambria Math" panose="02040503050406030204" pitchFamily="18" charset="0"/>
-                              <a:ea typeface="Cambria Math" panose="02040503050406030204" pitchFamily="18" charset="0"/>
-                            </a:rPr>
-                          </m:ctrlPr>
-                        </m:naryPr>
-                        <m:sub>
-                          <m:r>
-                            <m:rPr>
-                              <m:brk m:alnAt="23"/>
-                            </m:rPr>
-                            <a:rPr lang="pt-BR" i="1">
-                              <a:latin typeface="Cambria Math" panose="02040503050406030204" pitchFamily="18" charset="0"/>
-                              <a:ea typeface="Cambria Math" panose="02040503050406030204" pitchFamily="18" charset="0"/>
-                            </a:rPr>
-                            <m:t>𝑛</m:t>
-                          </m:r>
-                          <m:r>
-                            <a:rPr lang="pt-BR" i="1">
-                              <a:latin typeface="Cambria Math" panose="02040503050406030204" pitchFamily="18" charset="0"/>
-                              <a:ea typeface="Cambria Math" panose="02040503050406030204" pitchFamily="18" charset="0"/>
-                            </a:rPr>
-                            <m:t>=0</m:t>
-                          </m:r>
-                        </m:sub>
-                        <m:sup>
-                          <m:r>
-                            <a:rPr lang="pt-BR" i="1">
-                              <a:latin typeface="Cambria Math" panose="02040503050406030204" pitchFamily="18" charset="0"/>
-                              <a:ea typeface="Cambria Math" panose="02040503050406030204" pitchFamily="18" charset="0"/>
-                            </a:rPr>
-                            <m:t>∞</m:t>
-                          </m:r>
-                        </m:sup>
-                        <m:e>
-                          <m:sSup>
-                            <m:sSupPr>
-                              <m:ctrlPr>
-                                <a:rPr lang="pt-BR" i="1">
-                                  <a:latin typeface="Cambria Math" panose="02040503050406030204" pitchFamily="18" charset="0"/>
-                                  <a:ea typeface="Cambria Math" panose="02040503050406030204" pitchFamily="18" charset="0"/>
-                                </a:rPr>
-                              </m:ctrlPr>
-                            </m:sSupPr>
-                            <m:e>
-                              <m:r>
-                                <a:rPr lang="pt-BR" i="1">
-                                  <a:latin typeface="Cambria Math" panose="02040503050406030204" pitchFamily="18" charset="0"/>
-                                  <a:ea typeface="Cambria Math" panose="02040503050406030204" pitchFamily="18" charset="0"/>
-                                </a:rPr>
-                                <m:t>𝑥</m:t>
-                              </m:r>
-                            </m:e>
-                            <m:sup>
-                              <m:r>
-                                <a:rPr lang="pt-BR" i="1">
-                                  <a:latin typeface="Cambria Math" panose="02040503050406030204" pitchFamily="18" charset="0"/>
-                                  <a:ea typeface="Cambria Math" panose="02040503050406030204" pitchFamily="18" charset="0"/>
-                                </a:rPr>
-                                <m:t>𝑛</m:t>
-                              </m:r>
-                            </m:sup>
-                          </m:sSup>
-                        </m:e>
-                      </m:nary>
-                      <m:r>
-                        <a:rPr lang="pt-BR" i="1">
-                          <a:latin typeface="Cambria Math" panose="02040503050406030204" pitchFamily="18" charset="0"/>
-                          <a:ea typeface="Cambria Math" panose="02040503050406030204" pitchFamily="18" charset="0"/>
-                        </a:rPr>
-                        <m:t>=</m:t>
-                      </m:r>
-                      <m:r>
-                        <a:rPr lang="en-US" b="0" i="1" smtClean="0">
-                          <a:latin typeface="Cambria Math" panose="02040503050406030204" pitchFamily="18" charset="0"/>
-                          <a:ea typeface="Cambria Math" panose="02040503050406030204" pitchFamily="18" charset="0"/>
-                        </a:rPr>
-                        <m:t>1</m:t>
-                      </m:r>
-                      <m:r>
-                        <a:rPr lang="pt-BR" i="1">
-                          <a:latin typeface="Cambria Math" panose="02040503050406030204" pitchFamily="18" charset="0"/>
-                          <a:ea typeface="Cambria Math" panose="02040503050406030204" pitchFamily="18" charset="0"/>
-                        </a:rPr>
-                        <m:t>+</m:t>
-                      </m:r>
-                      <m:r>
-                        <a:rPr lang="en-US" i="1">
-                          <a:latin typeface="Cambria Math" panose="02040503050406030204" pitchFamily="18" charset="0"/>
-                          <a:ea typeface="Cambria Math" panose="02040503050406030204" pitchFamily="18" charset="0"/>
-                        </a:rPr>
-                        <m:t>𝑥</m:t>
-                      </m:r>
-                      <m:r>
-                        <a:rPr lang="pt-BR" i="1">
-                          <a:latin typeface="Cambria Math" panose="02040503050406030204" pitchFamily="18" charset="0"/>
-                          <a:ea typeface="Cambria Math" panose="02040503050406030204" pitchFamily="18" charset="0"/>
-                        </a:rPr>
-                        <m:t>+</m:t>
-                      </m:r>
-                      <m:sSup>
-                        <m:sSupPr>
-                          <m:ctrlPr>
-                            <a:rPr lang="pt-BR" i="1">
-                              <a:latin typeface="Cambria Math" panose="02040503050406030204" pitchFamily="18" charset="0"/>
-                              <a:ea typeface="Cambria Math" panose="02040503050406030204" pitchFamily="18" charset="0"/>
-                            </a:rPr>
-                          </m:ctrlPr>
-                        </m:sSupPr>
-                        <m:e>
-                          <m:r>
-                            <a:rPr lang="pt-BR" i="1">
-                              <a:latin typeface="Cambria Math" panose="02040503050406030204" pitchFamily="18" charset="0"/>
-                              <a:ea typeface="Cambria Math" panose="02040503050406030204" pitchFamily="18" charset="0"/>
-                            </a:rPr>
-                            <m:t>𝑥</m:t>
-                          </m:r>
-                        </m:e>
-                        <m:sup>
-                          <m:r>
-                            <a:rPr lang="en-US" i="1">
-                              <a:latin typeface="Cambria Math" panose="02040503050406030204" pitchFamily="18" charset="0"/>
-                              <a:ea typeface="Cambria Math" panose="02040503050406030204" pitchFamily="18" charset="0"/>
-                            </a:rPr>
-                            <m:t>2</m:t>
-                          </m:r>
-                        </m:sup>
-                      </m:sSup>
-                      <m:r>
-                        <a:rPr lang="pt-BR" i="1">
-                          <a:latin typeface="Cambria Math" panose="02040503050406030204" pitchFamily="18" charset="0"/>
-                          <a:ea typeface="Cambria Math" panose="02040503050406030204" pitchFamily="18" charset="0"/>
-                        </a:rPr>
-                        <m:t>+…+</m:t>
-                      </m:r>
-                      <m:sSup>
-                        <m:sSupPr>
-                          <m:ctrlPr>
-                            <a:rPr lang="pt-BR" i="1">
-                              <a:latin typeface="Cambria Math" panose="02040503050406030204" pitchFamily="18" charset="0"/>
-                              <a:ea typeface="Cambria Math" panose="02040503050406030204" pitchFamily="18" charset="0"/>
-                            </a:rPr>
-                          </m:ctrlPr>
-                        </m:sSupPr>
-                        <m:e>
-                          <m:r>
-                            <a:rPr lang="pt-BR" i="1">
-                              <a:latin typeface="Cambria Math" panose="02040503050406030204" pitchFamily="18" charset="0"/>
-                              <a:ea typeface="Cambria Math" panose="02040503050406030204" pitchFamily="18" charset="0"/>
-                            </a:rPr>
-                            <m:t>𝑥</m:t>
-                          </m:r>
-                        </m:e>
-                        <m:sup>
-                          <m:r>
-                            <a:rPr lang="pt-BR" i="1">
-                              <a:latin typeface="Cambria Math" panose="02040503050406030204" pitchFamily="18" charset="0"/>
-                              <a:ea typeface="Cambria Math" panose="02040503050406030204" pitchFamily="18" charset="0"/>
-                            </a:rPr>
-                            <m:t>𝑛</m:t>
-                          </m:r>
-                        </m:sup>
-                      </m:sSup>
-                      <m:r>
-                        <a:rPr lang="pt-BR" i="1">
-                          <a:latin typeface="Cambria Math" panose="02040503050406030204" pitchFamily="18" charset="0"/>
-                          <a:ea typeface="Cambria Math" panose="02040503050406030204" pitchFamily="18" charset="0"/>
-                        </a:rPr>
-                        <m:t>+…</m:t>
-                      </m:r>
-                    </m:oMath>
-                  </m:oMathPara>
-                </a14:m>
-                <a:endParaRPr lang="pt-BR" dirty="0"/>
-              </a:p>
-            </p:txBody>
-          </p:sp>
-        </mc:Choice>
-        <mc:Fallback xmlns="">
-          <p:sp>
-            <p:nvSpPr>
-              <p:cNvPr id="2" name="CaixaDeTexto 1">
-                <a:extLst>
-                  <a:ext uri="{FF2B5EF4-FFF2-40B4-BE49-F238E27FC236}">
-                    <a16:creationId xmlns:a16="http://schemas.microsoft.com/office/drawing/2014/main" id="{51A5F16D-9446-8B12-E280-836A42F986E4}"/>
-                  </a:ext>
-                </a:extLst>
-              </p:cNvPr>
-              <p:cNvSpPr txBox="1">
-                <a:spLocks noRot="1" noChangeAspect="1" noMove="1" noResize="1" noEditPoints="1" noAdjustHandles="1" noChangeArrowheads="1" noChangeShapeType="1" noTextEdit="1"/>
-              </p:cNvSpPr>
-              <p:nvPr/>
-            </p:nvSpPr>
-            <p:spPr>
-              <a:xfrm>
-                <a:off x="656492" y="961155"/>
-                <a:ext cx="3501407" cy="755528"/>
-              </a:xfrm>
-              <a:prstGeom prst="rect">
-                <a:avLst/>
-              </a:prstGeom>
-              <a:blipFill>
-                <a:blip r:embed="rId3"/>
-                <a:stretch>
-                  <a:fillRect/>
-                </a:stretch>
-              </a:blipFill>
-            </p:spPr>
-            <p:txBody>
-              <a:bodyPr/>
-              <a:lstStyle/>
-              <a:p>
-                <a:r>
-                  <a:rPr lang="pt-BR">
-                    <a:noFill/>
-                  </a:rPr>
-                  <a:t> </a:t>
-                </a:r>
-              </a:p>
-            </p:txBody>
-          </p:sp>
-        </mc:Fallback>
-      </mc:AlternateContent>
-      <p:pic>
-        <p:nvPicPr>
-          <p:cNvPr id="6" name="Imagem 5" descr="Gráfico, Gráfico de linhas&#10;&#10;Descrição gerada automaticamente">
-            <a:extLst>
-              <a:ext uri="{FF2B5EF4-FFF2-40B4-BE49-F238E27FC236}">
-                <a16:creationId xmlns:a16="http://schemas.microsoft.com/office/drawing/2014/main" id="{91EEAB5A-D47C-5520-936D-85BFC128201F}"/>
-              </a:ext>
-            </a:extLst>
-          </p:cNvPr>
-          <p:cNvPicPr>
-            <a:picLocks noChangeAspect="1"/>
-          </p:cNvPicPr>
-          <p:nvPr/>
-        </p:nvPicPr>
-        <p:blipFill>
-          <a:blip r:embed="rId4"/>
-          <a:stretch>
-            <a:fillRect/>
-          </a:stretch>
-        </p:blipFill>
-        <p:spPr>
-          <a:xfrm>
-            <a:off x="1828800" y="1600200"/>
-            <a:ext cx="5486400" cy="3657600"/>
-          </a:xfrm>
-          <a:prstGeom prst="rect">
-            <a:avLst/>
-          </a:prstGeom>
-        </p:spPr>
-      </p:pic>
-    </p:spTree>
-    <p:custDataLst>
-      <p:tags r:id="rId1"/>
-    </p:custDataLst>
-    <p:extLst>
-      <p:ext uri="{BB962C8B-B14F-4D97-AF65-F5344CB8AC3E}">
-        <p14:creationId xmlns:p14="http://schemas.microsoft.com/office/powerpoint/2010/main" val="3943509360"/>
-      </p:ext>
-    </p:extLst>
-  </p:cSld>
-  <p:clrMapOvr>
-    <a:masterClrMapping/>
-  </p:clrMapOvr>
-</p:sld>
+<file path=ppt/tags/tag10.xml><?xml version="1.0" encoding="utf-8"?>
+<p:tagLst xmlns:a="http://schemas.openxmlformats.org/drawingml/2006/main" xmlns:r="http://schemas.openxmlformats.org/officeDocument/2006/relationships" xmlns:p="http://schemas.openxmlformats.org/presentationml/2006/main">
+  <p:tag name="TIMING" val="|6.2|7.7|10.3|7.1|5.5"/>
+</p:tagLst>
 </file>
 
-<file path=ppt/tags/tag1.xml><?xml version="1.0" encoding="utf-8"?>
+<file path=ppt/tags/tag11.xml><?xml version="1.0" encoding="utf-8"?>
 <p:tagLst xmlns:a="http://schemas.openxmlformats.org/drawingml/2006/main" xmlns:r="http://schemas.openxmlformats.org/officeDocument/2006/relationships" xmlns:p="http://schemas.openxmlformats.org/presentationml/2006/main">
   <p:tag name="TIMING" val="|6.2|7.7|10.3|7.1|5.5"/>
 </p:tagLst>
@@ -8873,6 +10362,12 @@
 </file>
 
 <file path=ppt/tags/tag8.xml><?xml version="1.0" encoding="utf-8"?>
+<p:tagLst xmlns:a="http://schemas.openxmlformats.org/drawingml/2006/main" xmlns:r="http://schemas.openxmlformats.org/officeDocument/2006/relationships" xmlns:p="http://schemas.openxmlformats.org/presentationml/2006/main">
+  <p:tag name="TIMING" val="|6.2|7.7|10.3|7.1|5.5"/>
+</p:tagLst>
+</file>
+
+<file path=ppt/tags/tag9.xml><?xml version="1.0" encoding="utf-8"?>
 <p:tagLst xmlns:a="http://schemas.openxmlformats.org/drawingml/2006/main" xmlns:r="http://schemas.openxmlformats.org/officeDocument/2006/relationships" xmlns:p="http://schemas.openxmlformats.org/presentationml/2006/main">
   <p:tag name="TIMING" val="|6.2|7.7|10.3|7.1|5.5"/>
 </p:tagLst>
